--- a/formánek.pptx
+++ b/formánek.pptx
@@ -5,7 +5,7 @@
     <p:sldMasterId id="2147483897" r:id="rId1"/>
   </p:sldMasterIdLst>
   <p:notesMasterIdLst>
-    <p:notesMasterId r:id="rId15"/>
+    <p:notesMasterId r:id="rId19"/>
   </p:notesMasterIdLst>
   <p:sldIdLst>
     <p:sldId id="256" r:id="rId2"/>
@@ -20,7 +20,11 @@
     <p:sldId id="262" r:id="rId11"/>
     <p:sldId id="263" r:id="rId12"/>
     <p:sldId id="264" r:id="rId13"/>
-    <p:sldId id="270" r:id="rId14"/>
+    <p:sldId id="271" r:id="rId14"/>
+    <p:sldId id="272" r:id="rId15"/>
+    <p:sldId id="274" r:id="rId16"/>
+    <p:sldId id="275" r:id="rId17"/>
+    <p:sldId id="273" r:id="rId18"/>
   </p:sldIdLst>
   <p:sldSz cx="12192000" cy="6858000"/>
   <p:notesSz cx="6858000" cy="9144000"/>
@@ -209,7 +213,7 @@
           <a:p>
             <a:fld id="{F12B8883-F15C-4CA5-ABFF-7F457B736FEC}" type="datetimeFigureOut">
               <a:rPr lang="cs-CZ" smtClean="0"/>
-              <a:t>10.01.2023</a:t>
+              <a:t>12.01.2023</a:t>
             </a:fld>
             <a:endParaRPr lang="cs-CZ"/>
           </a:p>
@@ -537,6 +541,25 @@
               <a:t> v mobilních zařízeních nebo v mini počítačích</a:t>
             </a:r>
           </a:p>
+          <a:p>
+            <a:r>
+              <a:rPr lang="cs-CZ" dirty="0"/>
+              <a:t>Například </a:t>
+            </a:r>
+            <a:r>
+              <a:rPr lang="cs-CZ" dirty="0" err="1"/>
+              <a:t>scratch</a:t>
+            </a:r>
+            <a:r>
+              <a:rPr lang="cs-CZ" dirty="0"/>
+              <a:t> je docela dobrý a </a:t>
+            </a:r>
+            <a:r>
+              <a:rPr lang="cs-CZ" dirty="0" err="1"/>
+              <a:t>friendly</a:t>
+            </a:r>
+            <a:endParaRPr lang="cs-CZ" dirty="0"/>
+          </a:p>
         </p:txBody>
       </p:sp>
       <p:sp>
@@ -566,6 +589,125 @@
     <p:extLst>
       <p:ext uri="{BB962C8B-B14F-4D97-AF65-F5344CB8AC3E}">
         <p14:creationId xmlns:p14="http://schemas.microsoft.com/office/powerpoint/2010/main" val="3560811413"/>
+      </p:ext>
+    </p:extLst>
+  </p:cSld>
+  <p:clrMapOvr>
+    <a:masterClrMapping/>
+  </p:clrMapOvr>
+</p:notes>
+</file>
+
+<file path=ppt/notesSlides/notesSlide2.xml><?xml version="1.0" encoding="utf-8"?>
+<p:notes xmlns:a="http://schemas.openxmlformats.org/drawingml/2006/main" xmlns:r="http://schemas.openxmlformats.org/officeDocument/2006/relationships" xmlns:p="http://schemas.openxmlformats.org/presentationml/2006/main">
+  <p:cSld>
+    <p:spTree>
+      <p:nvGrpSpPr>
+        <p:cNvPr id="1" name=""/>
+        <p:cNvGrpSpPr/>
+        <p:nvPr/>
+      </p:nvGrpSpPr>
+      <p:grpSpPr>
+        <a:xfrm>
+          <a:off x="0" y="0"/>
+          <a:ext cx="0" cy="0"/>
+          <a:chOff x="0" y="0"/>
+          <a:chExt cx="0" cy="0"/>
+        </a:xfrm>
+      </p:grpSpPr>
+      <p:sp>
+        <p:nvSpPr>
+          <p:cNvPr id="2" name="Zástupný symbol pro obrázek snímku 1"/>
+          <p:cNvSpPr>
+            <a:spLocks noGrp="1" noRot="1" noChangeAspect="1"/>
+          </p:cNvSpPr>
+          <p:nvPr>
+            <p:ph type="sldImg"/>
+          </p:nvPr>
+        </p:nvSpPr>
+        <p:spPr/>
+      </p:sp>
+      <p:sp>
+        <p:nvSpPr>
+          <p:cNvPr id="3" name="Zástupný symbol pro poznámky 2"/>
+          <p:cNvSpPr>
+            <a:spLocks noGrp="1"/>
+          </p:cNvSpPr>
+          <p:nvPr>
+            <p:ph type="body" idx="1"/>
+          </p:nvPr>
+        </p:nvSpPr>
+        <p:spPr/>
+        <p:txBody>
+          <a:bodyPr/>
+          <a:lstStyle/>
+          <a:p>
+            <a:r>
+              <a:rPr lang="cs-CZ" dirty="0"/>
+              <a:t>Gameboy Stál 100 </a:t>
+            </a:r>
+            <a:r>
+              <a:rPr lang="cs-CZ" dirty="0" err="1"/>
+              <a:t>dollarů</a:t>
+            </a:r>
+            <a:r>
+              <a:rPr lang="cs-CZ" dirty="0"/>
+              <a:t> a </a:t>
+            </a:r>
+            <a:r>
+              <a:rPr lang="cs-CZ" dirty="0" err="1"/>
+              <a:t>raspberry</a:t>
+            </a:r>
+            <a:r>
+              <a:rPr lang="cs-CZ" dirty="0"/>
+              <a:t> </a:t>
+            </a:r>
+            <a:r>
+              <a:rPr lang="cs-CZ" dirty="0" err="1"/>
+              <a:t>pi</a:t>
+            </a:r>
+            <a:r>
+              <a:rPr lang="cs-CZ" dirty="0"/>
+              <a:t> </a:t>
+            </a:r>
+            <a:r>
+              <a:rPr lang="cs-CZ" dirty="0" err="1"/>
+              <a:t>pico</a:t>
+            </a:r>
+            <a:r>
+              <a:rPr lang="cs-CZ" dirty="0"/>
+              <a:t> stojí 4 takže se to vyplatí ale nevím kdo by chtěl hrát gameboy hry</a:t>
+            </a:r>
+          </a:p>
+        </p:txBody>
+      </p:sp>
+      <p:sp>
+        <p:nvSpPr>
+          <p:cNvPr id="4" name="Zástupný symbol pro číslo snímku 3"/>
+          <p:cNvSpPr>
+            <a:spLocks noGrp="1"/>
+          </p:cNvSpPr>
+          <p:nvPr>
+            <p:ph type="sldNum" sz="quarter" idx="5"/>
+          </p:nvPr>
+        </p:nvSpPr>
+        <p:spPr/>
+        <p:txBody>
+          <a:bodyPr/>
+          <a:lstStyle/>
+          <a:p>
+            <a:fld id="{29733DCC-231E-46DC-8E29-83BEE3663400}" type="slidenum">
+              <a:rPr lang="cs-CZ" smtClean="0"/>
+              <a:t>14</a:t>
+            </a:fld>
+            <a:endParaRPr lang="cs-CZ"/>
+          </a:p>
+        </p:txBody>
+      </p:sp>
+    </p:spTree>
+    <p:extLst>
+      <p:ext uri="{BB962C8B-B14F-4D97-AF65-F5344CB8AC3E}">
+        <p14:creationId xmlns:p14="http://schemas.microsoft.com/office/powerpoint/2010/main" val="2690929288"/>
       </p:ext>
     </p:extLst>
   </p:cSld>
@@ -706,7 +848,7 @@
           <a:p>
             <a:fld id="{59565D31-7E66-4664-BE9D-8F872B696139}" type="datetimeFigureOut">
               <a:rPr lang="cs-CZ" smtClean="0"/>
-              <a:t>10.01.2023</a:t>
+              <a:t>12.01.2023</a:t>
             </a:fld>
             <a:endParaRPr lang="cs-CZ"/>
           </a:p>
@@ -876,7 +1018,7 @@
           <a:p>
             <a:fld id="{59565D31-7E66-4664-BE9D-8F872B696139}" type="datetimeFigureOut">
               <a:rPr lang="cs-CZ" smtClean="0"/>
-              <a:t>10.01.2023</a:t>
+              <a:t>12.01.2023</a:t>
             </a:fld>
             <a:endParaRPr lang="cs-CZ"/>
           </a:p>
@@ -1056,7 +1198,7 @@
           <a:p>
             <a:fld id="{59565D31-7E66-4664-BE9D-8F872B696139}" type="datetimeFigureOut">
               <a:rPr lang="cs-CZ" smtClean="0"/>
-              <a:t>10.01.2023</a:t>
+              <a:t>12.01.2023</a:t>
             </a:fld>
             <a:endParaRPr lang="cs-CZ"/>
           </a:p>
@@ -1226,7 +1368,7 @@
           <a:p>
             <a:fld id="{59565D31-7E66-4664-BE9D-8F872B696139}" type="datetimeFigureOut">
               <a:rPr lang="cs-CZ" smtClean="0"/>
-              <a:t>10.01.2023</a:t>
+              <a:t>12.01.2023</a:t>
             </a:fld>
             <a:endParaRPr lang="cs-CZ"/>
           </a:p>
@@ -1472,7 +1614,7 @@
           <a:p>
             <a:fld id="{59565D31-7E66-4664-BE9D-8F872B696139}" type="datetimeFigureOut">
               <a:rPr lang="cs-CZ" smtClean="0"/>
-              <a:t>10.01.2023</a:t>
+              <a:t>12.01.2023</a:t>
             </a:fld>
             <a:endParaRPr lang="cs-CZ"/>
           </a:p>
@@ -1704,7 +1846,7 @@
           <a:p>
             <a:fld id="{59565D31-7E66-4664-BE9D-8F872B696139}" type="datetimeFigureOut">
               <a:rPr lang="cs-CZ" smtClean="0"/>
-              <a:t>10.01.2023</a:t>
+              <a:t>12.01.2023</a:t>
             </a:fld>
             <a:endParaRPr lang="cs-CZ"/>
           </a:p>
@@ -2071,7 +2213,7 @@
           <a:p>
             <a:fld id="{59565D31-7E66-4664-BE9D-8F872B696139}" type="datetimeFigureOut">
               <a:rPr lang="cs-CZ" smtClean="0"/>
-              <a:t>10.01.2023</a:t>
+              <a:t>12.01.2023</a:t>
             </a:fld>
             <a:endParaRPr lang="cs-CZ"/>
           </a:p>
@@ -2189,7 +2331,7 @@
           <a:p>
             <a:fld id="{59565D31-7E66-4664-BE9D-8F872B696139}" type="datetimeFigureOut">
               <a:rPr lang="cs-CZ" smtClean="0"/>
-              <a:t>10.01.2023</a:t>
+              <a:t>12.01.2023</a:t>
             </a:fld>
             <a:endParaRPr lang="cs-CZ"/>
           </a:p>
@@ -2284,7 +2426,7 @@
           <a:p>
             <a:fld id="{59565D31-7E66-4664-BE9D-8F872B696139}" type="datetimeFigureOut">
               <a:rPr lang="cs-CZ" smtClean="0"/>
-              <a:t>10.01.2023</a:t>
+              <a:t>12.01.2023</a:t>
             </a:fld>
             <a:endParaRPr lang="cs-CZ"/>
           </a:p>
@@ -2561,7 +2703,7 @@
           <a:p>
             <a:fld id="{59565D31-7E66-4664-BE9D-8F872B696139}" type="datetimeFigureOut">
               <a:rPr lang="cs-CZ" smtClean="0"/>
-              <a:t>10.01.2023</a:t>
+              <a:t>12.01.2023</a:t>
             </a:fld>
             <a:endParaRPr lang="cs-CZ"/>
           </a:p>
@@ -2818,7 +2960,7 @@
           <a:p>
             <a:fld id="{59565D31-7E66-4664-BE9D-8F872B696139}" type="datetimeFigureOut">
               <a:rPr lang="cs-CZ" smtClean="0"/>
-              <a:t>10.01.2023</a:t>
+              <a:t>12.01.2023</a:t>
             </a:fld>
             <a:endParaRPr lang="cs-CZ"/>
           </a:p>
@@ -3031,7 +3173,7 @@
           <a:p>
             <a:fld id="{59565D31-7E66-4664-BE9D-8F872B696139}" type="datetimeFigureOut">
               <a:rPr lang="cs-CZ" smtClean="0"/>
-              <a:t>10.01.2023</a:t>
+              <a:t>12.01.2023</a:t>
             </a:fld>
             <a:endParaRPr lang="cs-CZ"/>
           </a:p>
@@ -3459,7 +3601,7 @@
           <a:p>
             <a:r>
               <a:rPr lang="cs-CZ" dirty="0" err="1"/>
-              <a:t>Rasberry</a:t>
+              <a:t>Raspberry</a:t>
             </a:r>
             <a:r>
               <a:rPr lang="cs-CZ" dirty="0"/>
@@ -4238,7 +4380,7 @@
           <p:cNvPr id="2" name="Nadpis 1">
             <a:extLst>
               <a:ext uri="{FF2B5EF4-FFF2-40B4-BE49-F238E27FC236}">
-                <a16:creationId xmlns:a16="http://schemas.microsoft.com/office/drawing/2014/main" id="{7510E4CB-E133-F8ED-0D1F-66F987CB5585}"/>
+                <a16:creationId xmlns:a16="http://schemas.microsoft.com/office/drawing/2014/main" id="{22DBD8F3-A8E9-2263-89FD-4985F0459CEF}"/>
               </a:ext>
             </a:extLst>
           </p:cNvPr>
@@ -4255,9 +4397,10 @@
           <a:lstStyle/>
           <a:p>
             <a:r>
-              <a:rPr lang="cs-CZ" dirty="0"/>
-              <a:t>Zdroje</a:t>
-            </a:r>
+              <a:rPr lang="cs-CZ" dirty="0" err="1"/>
+              <a:t>Iridis-pi</a:t>
+            </a:r>
+            <a:endParaRPr lang="cs-CZ" dirty="0"/>
           </a:p>
         </p:txBody>
       </p:sp>
@@ -4266,7 +4409,7 @@
           <p:cNvPr id="3" name="Zástupný obsah 2">
             <a:extLst>
               <a:ext uri="{FF2B5EF4-FFF2-40B4-BE49-F238E27FC236}">
-                <a16:creationId xmlns:a16="http://schemas.microsoft.com/office/drawing/2014/main" id="{4EBB01A2-4609-7082-B35B-F024DD29F170}"/>
+                <a16:creationId xmlns:a16="http://schemas.microsoft.com/office/drawing/2014/main" id="{DB6B6300-BEDC-8592-1FDD-F6846F21EDC5}"/>
               </a:ext>
             </a:extLst>
           </p:cNvPr>
@@ -4277,30 +4420,427 @@
             <p:ph idx="1"/>
           </p:nvPr>
         </p:nvSpPr>
-        <p:spPr/>
-        <p:txBody>
-          <a:bodyPr/>
-          <a:lstStyle/>
-          <a:p>
-            <a:r>
-              <a:rPr lang="cs-CZ" dirty="0"/>
-              <a:t>Obrázky vygeneroval </a:t>
-            </a:r>
-            <a:r>
-              <a:rPr lang="cs-CZ" dirty="0" err="1"/>
-              <a:t>ai</a:t>
-            </a:r>
-            <a:r>
-              <a:rPr lang="cs-CZ" dirty="0"/>
-              <a:t> takže je nemusím kreditovat</a:t>
-            </a:r>
+        <p:spPr>
+          <a:xfrm>
+            <a:off x="838199" y="1825625"/>
+            <a:ext cx="7971845" cy="591572"/>
+          </a:xfrm>
+        </p:spPr>
+        <p:txBody>
+          <a:bodyPr>
+            <a:normAutofit fontScale="92500"/>
+          </a:bodyPr>
+          <a:lstStyle/>
+          <a:p>
+            <a:r>
+              <a:rPr lang="cs-CZ" dirty="0"/>
+              <a:t>Super počítač z </a:t>
+            </a:r>
+            <a:r>
+              <a:rPr lang="cs-CZ" dirty="0" err="1"/>
+              <a:t>raspberrsy</a:t>
+            </a:r>
+            <a:r>
+              <a:rPr lang="cs-CZ" dirty="0"/>
+              <a:t> </a:t>
+            </a:r>
+            <a:r>
+              <a:rPr lang="cs-CZ" dirty="0" err="1"/>
+              <a:t>pi</a:t>
+            </a:r>
+            <a:r>
+              <a:rPr lang="cs-CZ" dirty="0"/>
+              <a:t> 64 procesorů 1TB paměť</a:t>
+            </a:r>
+          </a:p>
+          <a:p>
+            <a:endParaRPr lang="cs-CZ" dirty="0"/>
           </a:p>
         </p:txBody>
       </p:sp>
     </p:spTree>
     <p:extLst>
       <p:ext uri="{BB962C8B-B14F-4D97-AF65-F5344CB8AC3E}">
-        <p14:creationId xmlns:p14="http://schemas.microsoft.com/office/powerpoint/2010/main" val="634628498"/>
+        <p14:creationId xmlns:p14="http://schemas.microsoft.com/office/powerpoint/2010/main" val="1665891860"/>
+      </p:ext>
+    </p:extLst>
+  </p:cSld>
+  <p:clrMapOvr>
+    <a:masterClrMapping/>
+  </p:clrMapOvr>
+</p:sld>
+</file>
+
+<file path=ppt/slides/slide14.xml><?xml version="1.0" encoding="utf-8"?>
+<p:sld xmlns:a="http://schemas.openxmlformats.org/drawingml/2006/main" xmlns:r="http://schemas.openxmlformats.org/officeDocument/2006/relationships" xmlns:p="http://schemas.openxmlformats.org/presentationml/2006/main">
+  <p:cSld>
+    <p:spTree>
+      <p:nvGrpSpPr>
+        <p:cNvPr id="1" name=""/>
+        <p:cNvGrpSpPr/>
+        <p:nvPr/>
+      </p:nvGrpSpPr>
+      <p:grpSpPr>
+        <a:xfrm>
+          <a:off x="0" y="0"/>
+          <a:ext cx="0" cy="0"/>
+          <a:chOff x="0" y="0"/>
+          <a:chExt cx="0" cy="0"/>
+        </a:xfrm>
+      </p:grpSpPr>
+      <p:sp>
+        <p:nvSpPr>
+          <p:cNvPr id="2" name="Nadpis 1">
+            <a:extLst>
+              <a:ext uri="{FF2B5EF4-FFF2-40B4-BE49-F238E27FC236}">
+                <a16:creationId xmlns:a16="http://schemas.microsoft.com/office/drawing/2014/main" id="{36AD9F29-CEEC-D698-27B0-5962741C7917}"/>
+              </a:ext>
+            </a:extLst>
+          </p:cNvPr>
+          <p:cNvSpPr>
+            <a:spLocks noGrp="1"/>
+          </p:cNvSpPr>
+          <p:nvPr>
+            <p:ph type="title"/>
+          </p:nvPr>
+        </p:nvSpPr>
+        <p:spPr/>
+        <p:txBody>
+          <a:bodyPr/>
+          <a:lstStyle/>
+          <a:p>
+            <a:r>
+              <a:rPr lang="cs-CZ" dirty="0"/>
+              <a:t>Hraní na </a:t>
+            </a:r>
+            <a:r>
+              <a:rPr lang="cs-CZ" dirty="0" err="1"/>
+              <a:t>raspberry</a:t>
+            </a:r>
+            <a:r>
+              <a:rPr lang="cs-CZ" dirty="0"/>
+              <a:t> </a:t>
+            </a:r>
+            <a:r>
+              <a:rPr lang="cs-CZ" dirty="0" err="1"/>
+              <a:t>pi</a:t>
+            </a:r>
+            <a:endParaRPr lang="cs-CZ" dirty="0"/>
+          </a:p>
+        </p:txBody>
+      </p:sp>
+      <p:sp>
+        <p:nvSpPr>
+          <p:cNvPr id="3" name="Zástupný obsah 2">
+            <a:extLst>
+              <a:ext uri="{FF2B5EF4-FFF2-40B4-BE49-F238E27FC236}">
+                <a16:creationId xmlns:a16="http://schemas.microsoft.com/office/drawing/2014/main" id="{16837ACF-CD46-D23B-B1D8-6761830A83BE}"/>
+              </a:ext>
+            </a:extLst>
+          </p:cNvPr>
+          <p:cNvSpPr>
+            <a:spLocks noGrp="1"/>
+          </p:cNvSpPr>
+          <p:nvPr>
+            <p:ph idx="1"/>
+          </p:nvPr>
+        </p:nvSpPr>
+        <p:spPr>
+          <a:xfrm>
+            <a:off x="838200" y="1833576"/>
+            <a:ext cx="8965758" cy="1005040"/>
+          </a:xfrm>
+        </p:spPr>
+        <p:txBody>
+          <a:bodyPr/>
+          <a:lstStyle/>
+          <a:p>
+            <a:r>
+              <a:rPr lang="cs-CZ" dirty="0"/>
+              <a:t>Pomocí </a:t>
+            </a:r>
+            <a:r>
+              <a:rPr lang="cs-CZ" dirty="0" err="1"/>
+              <a:t>Retropie</a:t>
+            </a:r>
+            <a:r>
+              <a:rPr lang="cs-CZ" dirty="0"/>
+              <a:t> lze emulovat </a:t>
+            </a:r>
+          </a:p>
+          <a:p>
+            <a:endParaRPr lang="cs-CZ" dirty="0"/>
+          </a:p>
+        </p:txBody>
+      </p:sp>
+    </p:spTree>
+    <p:extLst>
+      <p:ext uri="{BB962C8B-B14F-4D97-AF65-F5344CB8AC3E}">
+        <p14:creationId xmlns:p14="http://schemas.microsoft.com/office/powerpoint/2010/main" val="1744450364"/>
+      </p:ext>
+    </p:extLst>
+  </p:cSld>
+  <p:clrMapOvr>
+    <a:masterClrMapping/>
+  </p:clrMapOvr>
+</p:sld>
+</file>
+
+<file path=ppt/slides/slide15.xml><?xml version="1.0" encoding="utf-8"?>
+<p:sld xmlns:a="http://schemas.openxmlformats.org/drawingml/2006/main" xmlns:r="http://schemas.openxmlformats.org/officeDocument/2006/relationships" xmlns:p="http://schemas.openxmlformats.org/presentationml/2006/main">
+  <p:cSld>
+    <p:spTree>
+      <p:nvGrpSpPr>
+        <p:cNvPr id="1" name=""/>
+        <p:cNvGrpSpPr/>
+        <p:nvPr/>
+      </p:nvGrpSpPr>
+      <p:grpSpPr>
+        <a:xfrm>
+          <a:off x="0" y="0"/>
+          <a:ext cx="0" cy="0"/>
+          <a:chOff x="0" y="0"/>
+          <a:chExt cx="0" cy="0"/>
+        </a:xfrm>
+      </p:grpSpPr>
+      <p:sp>
+        <p:nvSpPr>
+          <p:cNvPr id="2" name="Nadpis 1">
+            <a:extLst>
+              <a:ext uri="{FF2B5EF4-FFF2-40B4-BE49-F238E27FC236}">
+                <a16:creationId xmlns:a16="http://schemas.microsoft.com/office/drawing/2014/main" id="{C03C6C0A-EC10-0D75-DAC6-A2CD3D3DF158}"/>
+              </a:ext>
+            </a:extLst>
+          </p:cNvPr>
+          <p:cNvSpPr>
+            <a:spLocks noGrp="1"/>
+          </p:cNvSpPr>
+          <p:nvPr>
+            <p:ph type="title"/>
+          </p:nvPr>
+        </p:nvSpPr>
+        <p:spPr/>
+        <p:txBody>
+          <a:bodyPr/>
+          <a:lstStyle/>
+          <a:p>
+            <a:r>
+              <a:rPr lang="cs-CZ" dirty="0"/>
+              <a:t>Webserver</a:t>
+            </a:r>
+          </a:p>
+        </p:txBody>
+      </p:sp>
+      <p:sp>
+        <p:nvSpPr>
+          <p:cNvPr id="3" name="Zástupný obsah 2">
+            <a:extLst>
+              <a:ext uri="{FF2B5EF4-FFF2-40B4-BE49-F238E27FC236}">
+                <a16:creationId xmlns:a16="http://schemas.microsoft.com/office/drawing/2014/main" id="{37DD7230-BBD9-34E6-18AF-2073E1963A67}"/>
+              </a:ext>
+            </a:extLst>
+          </p:cNvPr>
+          <p:cNvSpPr>
+            <a:spLocks noGrp="1"/>
+          </p:cNvSpPr>
+          <p:nvPr>
+            <p:ph idx="1"/>
+          </p:nvPr>
+        </p:nvSpPr>
+        <p:spPr/>
+        <p:txBody>
+          <a:bodyPr/>
+          <a:lstStyle/>
+          <a:p>
+            <a:r>
+              <a:rPr lang="cs-CZ" dirty="0"/>
+              <a:t>Pomocí </a:t>
+            </a:r>
+            <a:r>
+              <a:rPr lang="cs-CZ" dirty="0" err="1"/>
+              <a:t>Apache</a:t>
+            </a:r>
+            <a:endParaRPr lang="cs-CZ" dirty="0"/>
+          </a:p>
+          <a:p>
+            <a:r>
+              <a:rPr lang="cs-CZ" dirty="0"/>
+              <a:t>Ale není to moc rychlý</a:t>
+            </a:r>
+          </a:p>
+        </p:txBody>
+      </p:sp>
+    </p:spTree>
+    <p:extLst>
+      <p:ext uri="{BB962C8B-B14F-4D97-AF65-F5344CB8AC3E}">
+        <p14:creationId xmlns:p14="http://schemas.microsoft.com/office/powerpoint/2010/main" val="767233705"/>
+      </p:ext>
+    </p:extLst>
+  </p:cSld>
+  <p:clrMapOvr>
+    <a:masterClrMapping/>
+  </p:clrMapOvr>
+</p:sld>
+</file>
+
+<file path=ppt/slides/slide16.xml><?xml version="1.0" encoding="utf-8"?>
+<p:sld xmlns:a="http://schemas.openxmlformats.org/drawingml/2006/main" xmlns:r="http://schemas.openxmlformats.org/officeDocument/2006/relationships" xmlns:p="http://schemas.openxmlformats.org/presentationml/2006/main">
+  <p:cSld>
+    <p:spTree>
+      <p:nvGrpSpPr>
+        <p:cNvPr id="1" name=""/>
+        <p:cNvGrpSpPr/>
+        <p:nvPr/>
+      </p:nvGrpSpPr>
+      <p:grpSpPr>
+        <a:xfrm>
+          <a:off x="0" y="0"/>
+          <a:ext cx="0" cy="0"/>
+          <a:chOff x="0" y="0"/>
+          <a:chExt cx="0" cy="0"/>
+        </a:xfrm>
+      </p:grpSpPr>
+      <p:sp>
+        <p:nvSpPr>
+          <p:cNvPr id="2" name="Nadpis 1">
+            <a:extLst>
+              <a:ext uri="{FF2B5EF4-FFF2-40B4-BE49-F238E27FC236}">
+                <a16:creationId xmlns:a16="http://schemas.microsoft.com/office/drawing/2014/main" id="{16A07A6C-38BF-856F-472E-C5B8952F298D}"/>
+              </a:ext>
+            </a:extLst>
+          </p:cNvPr>
+          <p:cNvSpPr>
+            <a:spLocks noGrp="1"/>
+          </p:cNvSpPr>
+          <p:nvPr>
+            <p:ph type="title"/>
+          </p:nvPr>
+        </p:nvSpPr>
+        <p:spPr/>
+        <p:txBody>
+          <a:bodyPr/>
+          <a:lstStyle/>
+          <a:p>
+            <a:endParaRPr lang="cs-CZ"/>
+          </a:p>
+        </p:txBody>
+      </p:sp>
+      <p:sp>
+        <p:nvSpPr>
+          <p:cNvPr id="3" name="Zástupný obsah 2">
+            <a:extLst>
+              <a:ext uri="{FF2B5EF4-FFF2-40B4-BE49-F238E27FC236}">
+                <a16:creationId xmlns:a16="http://schemas.microsoft.com/office/drawing/2014/main" id="{2EA46027-0B2F-673F-2CB1-719C733EA531}"/>
+              </a:ext>
+            </a:extLst>
+          </p:cNvPr>
+          <p:cNvSpPr>
+            <a:spLocks noGrp="1"/>
+          </p:cNvSpPr>
+          <p:nvPr>
+            <p:ph idx="1"/>
+          </p:nvPr>
+        </p:nvSpPr>
+        <p:spPr/>
+        <p:txBody>
+          <a:bodyPr/>
+          <a:lstStyle/>
+          <a:p>
+            <a:endParaRPr lang="cs-CZ"/>
+          </a:p>
+        </p:txBody>
+      </p:sp>
+    </p:spTree>
+    <p:extLst>
+      <p:ext uri="{BB962C8B-B14F-4D97-AF65-F5344CB8AC3E}">
+        <p14:creationId xmlns:p14="http://schemas.microsoft.com/office/powerpoint/2010/main" val="3537417231"/>
+      </p:ext>
+    </p:extLst>
+  </p:cSld>
+  <p:clrMapOvr>
+    <a:masterClrMapping/>
+  </p:clrMapOvr>
+</p:sld>
+</file>
+
+<file path=ppt/slides/slide17.xml><?xml version="1.0" encoding="utf-8"?>
+<p:sld xmlns:a="http://schemas.openxmlformats.org/drawingml/2006/main" xmlns:r="http://schemas.openxmlformats.org/officeDocument/2006/relationships" xmlns:p="http://schemas.openxmlformats.org/presentationml/2006/main">
+  <p:cSld>
+    <p:spTree>
+      <p:nvGrpSpPr>
+        <p:cNvPr id="1" name=""/>
+        <p:cNvGrpSpPr/>
+        <p:nvPr/>
+      </p:nvGrpSpPr>
+      <p:grpSpPr>
+        <a:xfrm>
+          <a:off x="0" y="0"/>
+          <a:ext cx="0" cy="0"/>
+          <a:chOff x="0" y="0"/>
+          <a:chExt cx="0" cy="0"/>
+        </a:xfrm>
+      </p:grpSpPr>
+      <p:sp>
+        <p:nvSpPr>
+          <p:cNvPr id="2" name="Nadpis 1">
+            <a:extLst>
+              <a:ext uri="{FF2B5EF4-FFF2-40B4-BE49-F238E27FC236}">
+                <a16:creationId xmlns:a16="http://schemas.microsoft.com/office/drawing/2014/main" id="{6EB2773D-02E6-61CF-5368-9BED809374DE}"/>
+              </a:ext>
+            </a:extLst>
+          </p:cNvPr>
+          <p:cNvSpPr>
+            <a:spLocks noGrp="1"/>
+          </p:cNvSpPr>
+          <p:nvPr>
+            <p:ph type="title"/>
+          </p:nvPr>
+        </p:nvSpPr>
+        <p:spPr/>
+        <p:txBody>
+          <a:bodyPr/>
+          <a:lstStyle/>
+          <a:p>
+            <a:r>
+              <a:rPr lang="cs-CZ" dirty="0" err="1"/>
+              <a:t>Htpc</a:t>
+            </a:r>
+            <a:endParaRPr lang="cs-CZ" dirty="0"/>
+          </a:p>
+        </p:txBody>
+      </p:sp>
+      <p:sp>
+        <p:nvSpPr>
+          <p:cNvPr id="3" name="Zástupný obsah 2">
+            <a:extLst>
+              <a:ext uri="{FF2B5EF4-FFF2-40B4-BE49-F238E27FC236}">
+                <a16:creationId xmlns:a16="http://schemas.microsoft.com/office/drawing/2014/main" id="{804D1906-CBBF-39A6-B9DB-40519A723C6A}"/>
+              </a:ext>
+            </a:extLst>
+          </p:cNvPr>
+          <p:cNvSpPr>
+            <a:spLocks noGrp="1"/>
+          </p:cNvSpPr>
+          <p:nvPr>
+            <p:ph idx="1"/>
+          </p:nvPr>
+        </p:nvSpPr>
+        <p:spPr/>
+        <p:txBody>
+          <a:bodyPr/>
+          <a:lstStyle/>
+          <a:p>
+            <a:r>
+              <a:rPr lang="cs-CZ" dirty="0"/>
+              <a:t>Velmi jednoduše vylepšíte vaší babičce televizi! </a:t>
+            </a:r>
+          </a:p>
+        </p:txBody>
+      </p:sp>
+    </p:spTree>
+    <p:extLst>
+      <p:ext uri="{BB962C8B-B14F-4D97-AF65-F5344CB8AC3E}">
+        <p14:creationId xmlns:p14="http://schemas.microsoft.com/office/powerpoint/2010/main" val="1464520152"/>
       </p:ext>
     </p:extLst>
   </p:cSld>
@@ -4642,6 +5182,12 @@
             </a:r>
           </a:p>
           <a:p>
+            <a:r>
+              <a:rPr lang="cs-CZ" dirty="0"/>
+              <a:t>Hraní her </a:t>
+            </a:r>
+          </a:p>
+          <a:p>
             <a:endParaRPr lang="cs-CZ" dirty="0"/>
           </a:p>
           <a:p>
@@ -4731,7 +5277,7 @@
         </p:spPr>
         <p:txBody>
           <a:bodyPr>
-            <a:normAutofit lnSpcReduction="10000"/>
+            <a:normAutofit fontScale="92500" lnSpcReduction="10000"/>
           </a:bodyPr>
           <a:lstStyle/>
           <a:p>
@@ -4768,6 +5314,24 @@
             <a:r>
               <a:rPr lang="cs-CZ" dirty="0"/>
               <a:t> model A- levná verze modelu B</a:t>
+            </a:r>
+          </a:p>
+          <a:p>
+            <a:r>
+              <a:rPr lang="cs-CZ" dirty="0" err="1"/>
+              <a:t>Rasberry</a:t>
+            </a:r>
+            <a:r>
+              <a:rPr lang="cs-CZ" dirty="0"/>
+              <a:t> </a:t>
+            </a:r>
+            <a:r>
+              <a:rPr lang="cs-CZ" dirty="0" err="1"/>
+              <a:t>pi</a:t>
+            </a:r>
+            <a:r>
+              <a:rPr lang="cs-CZ" dirty="0"/>
+              <a:t> model B+ - Drahá verze modelu B</a:t>
             </a:r>
           </a:p>
           <a:p>

--- a/formánek.pptx
+++ b/formánek.pptx
@@ -5,13 +5,13 @@
     <p:sldMasterId id="2147483648" r:id="rId1"/>
   </p:sldMasterIdLst>
   <p:notesMasterIdLst>
-    <p:notesMasterId r:id="rId23"/>
+    <p:notesMasterId r:id="rId25"/>
   </p:notesMasterIdLst>
   <p:sldIdLst>
     <p:sldId id="256" r:id="rId2"/>
     <p:sldId id="265" r:id="rId3"/>
-    <p:sldId id="262" r:id="rId4"/>
-    <p:sldId id="261" r:id="rId5"/>
+    <p:sldId id="261" r:id="rId4"/>
+    <p:sldId id="262" r:id="rId5"/>
     <p:sldId id="264" r:id="rId6"/>
     <p:sldId id="263" r:id="rId7"/>
     <p:sldId id="257" r:id="rId8"/>
@@ -28,7 +28,9 @@
     <p:sldId id="266" r:id="rId19"/>
     <p:sldId id="276" r:id="rId20"/>
     <p:sldId id="277" r:id="rId21"/>
-    <p:sldId id="278" r:id="rId22"/>
+    <p:sldId id="282" r:id="rId22"/>
+    <p:sldId id="278" r:id="rId23"/>
+    <p:sldId id="281" r:id="rId24"/>
   </p:sldIdLst>
   <p:sldSz cx="9144000" cy="5143500" type="screen16x9"/>
   <p:notesSz cx="6858000" cy="9144000"/>
@@ -539,7 +541,18 @@
           <a:bodyPr/>
           <a:lstStyle/>
           <a:p>
-            <a:endParaRPr lang="cs-CZ" dirty="0"/>
+            <a:r>
+              <a:rPr lang="cs-CZ" dirty="0"/>
+              <a:t>Za </a:t>
+            </a:r>
+            <a:r>
+              <a:rPr lang="cs-CZ" dirty="0" err="1"/>
+              <a:t>fialovy</a:t>
+            </a:r>
+            <a:r>
+              <a:rPr lang="cs-CZ" dirty="0"/>
+              <a:t> vlády dobrá věc</a:t>
+            </a:r>
           </a:p>
         </p:txBody>
       </p:sp>
@@ -569,7 +582,102 @@
     </p:spTree>
     <p:extLst>
       <p:ext uri="{BB962C8B-B14F-4D97-AF65-F5344CB8AC3E}">
-        <p14:creationId xmlns:p14="http://schemas.microsoft.com/office/powerpoint/2010/main" val="3313033825"/>
+        <p14:creationId xmlns:p14="http://schemas.microsoft.com/office/powerpoint/2010/main" val="3224301684"/>
+      </p:ext>
+    </p:extLst>
+  </p:cSld>
+  <p:clrMapOvr>
+    <a:masterClrMapping/>
+  </p:clrMapOvr>
+</p:notes>
+</file>
+
+<file path=ppt/notesSlides/notesSlide10.xml><?xml version="1.0" encoding="utf-8"?>
+<p:notes xmlns:a="http://schemas.openxmlformats.org/drawingml/2006/main" xmlns:r="http://schemas.openxmlformats.org/officeDocument/2006/relationships" xmlns:p="http://schemas.openxmlformats.org/presentationml/2006/main">
+  <p:cSld>
+    <p:spTree>
+      <p:nvGrpSpPr>
+        <p:cNvPr id="1" name=""/>
+        <p:cNvGrpSpPr/>
+        <p:nvPr/>
+      </p:nvGrpSpPr>
+      <p:grpSpPr>
+        <a:xfrm>
+          <a:off x="0" y="0"/>
+          <a:ext cx="0" cy="0"/>
+          <a:chOff x="0" y="0"/>
+          <a:chExt cx="0" cy="0"/>
+        </a:xfrm>
+      </p:grpSpPr>
+      <p:sp>
+        <p:nvSpPr>
+          <p:cNvPr id="2" name="Zástupný symbol pro obrázek snímku 1"/>
+          <p:cNvSpPr>
+            <a:spLocks noGrp="1" noRot="1" noChangeAspect="1"/>
+          </p:cNvSpPr>
+          <p:nvPr>
+            <p:ph type="sldImg"/>
+          </p:nvPr>
+        </p:nvSpPr>
+        <p:spPr/>
+      </p:sp>
+      <p:sp>
+        <p:nvSpPr>
+          <p:cNvPr id="3" name="Zástupný symbol pro poznámky 2"/>
+          <p:cNvSpPr>
+            <a:spLocks noGrp="1"/>
+          </p:cNvSpPr>
+          <p:nvPr>
+            <p:ph type="body" idx="1"/>
+          </p:nvPr>
+        </p:nvSpPr>
+        <p:spPr/>
+        <p:txBody>
+          <a:bodyPr/>
+          <a:lstStyle/>
+          <a:p>
+            <a:r>
+              <a:rPr lang="cs-CZ" dirty="0"/>
+              <a:t>Borec má záběry na kytky ale lepší </a:t>
+            </a:r>
+            <a:r>
+              <a:rPr lang="cs-CZ" dirty="0" err="1"/>
+              <a:t>screen</a:t>
+            </a:r>
+            <a:r>
+              <a:rPr lang="cs-CZ" dirty="0"/>
+              <a:t> jsem nenašel</a:t>
+            </a:r>
+          </a:p>
+        </p:txBody>
+      </p:sp>
+      <p:sp>
+        <p:nvSpPr>
+          <p:cNvPr id="4" name="Zástupný symbol pro číslo snímku 3"/>
+          <p:cNvSpPr>
+            <a:spLocks noGrp="1"/>
+          </p:cNvSpPr>
+          <p:nvPr>
+            <p:ph type="sldNum" sz="quarter" idx="5"/>
+          </p:nvPr>
+        </p:nvSpPr>
+        <p:spPr/>
+        <p:txBody>
+          <a:bodyPr/>
+          <a:lstStyle/>
+          <a:p>
+            <a:fld id="{AF533E96-F078-4B3D-A8F4-F1AF21EBC357}" type="slidenum">
+              <a:rPr lang="en-US" smtClean="0"/>
+              <a:t>21</a:t>
+            </a:fld>
+            <a:endParaRPr lang="en-US"/>
+          </a:p>
+        </p:txBody>
+      </p:sp>
+    </p:spTree>
+    <p:extLst>
+      <p:ext uri="{BB962C8B-B14F-4D97-AF65-F5344CB8AC3E}">
+        <p14:creationId xmlns:p14="http://schemas.microsoft.com/office/powerpoint/2010/main" val="811148503"/>
       </p:ext>
     </p:extLst>
   </p:cSld>
@@ -625,16 +733,13 @@
           <a:p>
             <a:r>
               <a:rPr lang="cs-CZ" dirty="0"/>
-              <a:t>Za </a:t>
+              <a:t>+spousta </a:t>
             </a:r>
             <a:r>
               <a:rPr lang="cs-CZ" dirty="0" err="1"/>
-              <a:t>fialovy</a:t>
-            </a:r>
-            <a:r>
-              <a:rPr lang="cs-CZ" dirty="0"/>
-              <a:t> vlády dobrá věc</a:t>
-            </a:r>
+              <a:t>jinného</a:t>
+            </a:r>
+            <a:endParaRPr lang="cs-CZ" dirty="0"/>
           </a:p>
         </p:txBody>
       </p:sp>
@@ -664,7 +769,7 @@
     </p:spTree>
     <p:extLst>
       <p:ext uri="{BB962C8B-B14F-4D97-AF65-F5344CB8AC3E}">
-        <p14:creationId xmlns:p14="http://schemas.microsoft.com/office/powerpoint/2010/main" val="3224301684"/>
+        <p14:creationId xmlns:p14="http://schemas.microsoft.com/office/powerpoint/2010/main" val="3313033825"/>
       </p:ext>
     </p:extLst>
   </p:cSld>
@@ -1258,15 +1363,7 @@
           <a:p>
             <a:r>
               <a:rPr lang="cs-CZ" dirty="0"/>
-              <a:t>Nebo téměř jakýkoli </a:t>
-            </a:r>
-            <a:r>
-              <a:rPr lang="cs-CZ" dirty="0" err="1"/>
-              <a:t>jinný</a:t>
-            </a:r>
-            <a:r>
-              <a:rPr lang="cs-CZ" dirty="0"/>
-              <a:t> server</a:t>
+              <a:t>Nebo téměř jakýkoli jiný server</a:t>
             </a:r>
           </a:p>
         </p:txBody>
@@ -5578,6 +5675,14 @@
   <p:clrMapOvr>
     <a:masterClrMapping/>
   </p:clrMapOvr>
+  <mc:AlternateContent xmlns:mc="http://schemas.openxmlformats.org/markup-compatibility/2006">
+    <mc:Choice xmlns:p14="http://schemas.microsoft.com/office/powerpoint/2010/main" Requires="p14">
+      <p:transition spd="slow" p14:dur="2000" advTm="3000"/>
+    </mc:Choice>
+    <mc:Fallback>
+      <p:transition spd="slow" advTm="3000"/>
+    </mc:Fallback>
+  </mc:AlternateContent>
 </p:sld>
 </file>
 
@@ -6398,6 +6503,14 @@
   <p:clrMapOvr>
     <a:masterClrMapping/>
   </p:clrMapOvr>
+  <mc:AlternateContent xmlns:mc="http://schemas.openxmlformats.org/markup-compatibility/2006">
+    <mc:Choice xmlns:p14="http://schemas.microsoft.com/office/powerpoint/2010/main" Requires="p14">
+      <p:transition spd="slow" p14:dur="2000" advClick="0" advTm="3000"/>
+    </mc:Choice>
+    <mc:Fallback>
+      <p:transition spd="slow" advClick="0" advTm="3000"/>
+    </mc:Fallback>
+  </mc:AlternateContent>
 </p:sld>
 </file>
 
@@ -7361,6 +7474,14 @@
   <p:clrMapOvr>
     <a:masterClrMapping/>
   </p:clrMapOvr>
+  <mc:AlternateContent xmlns:mc="http://schemas.openxmlformats.org/markup-compatibility/2006">
+    <mc:Choice xmlns:p14="http://schemas.microsoft.com/office/powerpoint/2010/main" Requires="p14">
+      <p:transition spd="slow" p14:dur="2000" advTm="3000"/>
+    </mc:Choice>
+    <mc:Fallback>
+      <p:transition spd="slow" advTm="3000"/>
+    </mc:Fallback>
+  </mc:AlternateContent>
 </p:sld>
 </file>
 
@@ -7683,6 +7804,14 @@
   <p:clrMapOvr>
     <a:masterClrMapping/>
   </p:clrMapOvr>
+  <mc:AlternateContent xmlns:mc="http://schemas.openxmlformats.org/markup-compatibility/2006">
+    <mc:Choice xmlns:p14="http://schemas.microsoft.com/office/powerpoint/2010/main" Requires="p14">
+      <p:transition spd="slow" p14:dur="2000" advTm="3000"/>
+    </mc:Choice>
+    <mc:Fallback>
+      <p:transition spd="slow" advTm="3000"/>
+    </mc:Fallback>
+  </mc:AlternateContent>
 </p:sld>
 </file>
 
@@ -7933,6 +8062,14 @@
   <p:clrMapOvr>
     <a:masterClrMapping/>
   </p:clrMapOvr>
+  <mc:AlternateContent xmlns:mc="http://schemas.openxmlformats.org/markup-compatibility/2006">
+    <mc:Choice xmlns:p14="http://schemas.microsoft.com/office/powerpoint/2010/main" Requires="p14">
+      <p:transition spd="slow" p14:dur="2000" advTm="3000"/>
+    </mc:Choice>
+    <mc:Fallback>
+      <p:transition spd="slow" advTm="3000"/>
+    </mc:Fallback>
+  </mc:AlternateContent>
 </p:sld>
 </file>
 
@@ -8332,6 +8469,14 @@
   <p:clrMapOvr>
     <a:masterClrMapping/>
   </p:clrMapOvr>
+  <mc:AlternateContent xmlns:mc="http://schemas.openxmlformats.org/markup-compatibility/2006">
+    <mc:Choice xmlns:p14="http://schemas.microsoft.com/office/powerpoint/2010/main" Requires="p14">
+      <p:transition spd="slow" p14:dur="2000" advTm="3000"/>
+    </mc:Choice>
+    <mc:Fallback>
+      <p:transition spd="slow" advTm="3000"/>
+    </mc:Fallback>
+  </mc:AlternateContent>
 </p:sld>
 </file>
 
@@ -8883,6 +9028,14 @@
   <p:clrMapOvr>
     <a:masterClrMapping/>
   </p:clrMapOvr>
+  <mc:AlternateContent xmlns:mc="http://schemas.openxmlformats.org/markup-compatibility/2006">
+    <mc:Choice xmlns:p14="http://schemas.microsoft.com/office/powerpoint/2010/main" Requires="p14">
+      <p:transition spd="slow" p14:dur="2000" advTm="3000"/>
+    </mc:Choice>
+    <mc:Fallback>
+      <p:transition spd="slow" advTm="3000"/>
+    </mc:Fallback>
+  </mc:AlternateContent>
 </p:sld>
 </file>
 
@@ -9141,6 +9294,14 @@
   <p:clrMapOvr>
     <a:masterClrMapping/>
   </p:clrMapOvr>
+  <mc:AlternateContent xmlns:mc="http://schemas.openxmlformats.org/markup-compatibility/2006">
+    <mc:Choice xmlns:p14="http://schemas.microsoft.com/office/powerpoint/2010/main" Requires="p14">
+      <p:transition spd="slow" p14:dur="2000" advTm="3000"/>
+    </mc:Choice>
+    <mc:Fallback>
+      <p:transition spd="slow" advTm="3000"/>
+    </mc:Fallback>
+  </mc:AlternateContent>
 </p:sld>
 </file>
 
@@ -9285,6 +9446,14 @@
   <p:clrMapOvr>
     <a:masterClrMapping/>
   </p:clrMapOvr>
+  <mc:AlternateContent xmlns:mc="http://schemas.openxmlformats.org/markup-compatibility/2006">
+    <mc:Choice xmlns:p14="http://schemas.microsoft.com/office/powerpoint/2010/main" Requires="p14">
+      <p:transition spd="slow" p14:dur="2000" advTm="2000"/>
+    </mc:Choice>
+    <mc:Fallback>
+      <p:transition spd="slow" advTm="2000"/>
+    </mc:Fallback>
+  </mc:AlternateContent>
 </p:sld>
 </file>
 
@@ -9400,6 +9569,14 @@
   <p:clrMapOvr>
     <a:masterClrMapping/>
   </p:clrMapOvr>
+  <mc:AlternateContent xmlns:mc="http://schemas.openxmlformats.org/markup-compatibility/2006">
+    <mc:Choice xmlns:p14="http://schemas.microsoft.com/office/powerpoint/2010/main" Requires="p14">
+      <p:transition spd="slow" p14:dur="2000" advTm="2000"/>
+    </mc:Choice>
+    <mc:Fallback>
+      <p:transition spd="slow" advTm="2000"/>
+    </mc:Fallback>
+  </mc:AlternateContent>
 </p:sld>
 </file>
 
@@ -9487,6 +9664,14 @@
   <p:clrMapOvr>
     <a:masterClrMapping/>
   </p:clrMapOvr>
+  <mc:AlternateContent xmlns:mc="http://schemas.openxmlformats.org/markup-compatibility/2006">
+    <mc:Choice xmlns:p14="http://schemas.microsoft.com/office/powerpoint/2010/main" Requires="p14">
+      <p:transition spd="slow" p14:dur="2000" advTm="4000"/>
+    </mc:Choice>
+    <mc:Fallback>
+      <p:transition spd="slow" advTm="4000"/>
+    </mc:Fallback>
+  </mc:AlternateContent>
 </p:sld>
 </file>
 
@@ -9626,6 +9811,14 @@
   <p:clrMapOvr>
     <a:masterClrMapping/>
   </p:clrMapOvr>
+  <mc:AlternateContent xmlns:mc="http://schemas.openxmlformats.org/markup-compatibility/2006">
+    <mc:Choice xmlns:p14="http://schemas.microsoft.com/office/powerpoint/2010/main" Requires="p14">
+      <p:transition spd="slow" p14:dur="2000" advTm="2000"/>
+    </mc:Choice>
+    <mc:Fallback>
+      <p:transition spd="slow" advTm="2000"/>
+    </mc:Fallback>
+  </mc:AlternateContent>
 </p:sld>
 </file>
 
@@ -9669,6 +9862,210 @@
           <a:p>
             <a:r>
               <a:rPr lang="cs-CZ" dirty="0"/>
+              <a:t>Kamery</a:t>
+            </a:r>
+          </a:p>
+        </p:txBody>
+      </p:sp>
+      <p:sp>
+        <p:nvSpPr>
+          <p:cNvPr id="3" name="Zástupný obsah 2">
+            <a:extLst>
+              <a:ext uri="{FF2B5EF4-FFF2-40B4-BE49-F238E27FC236}">
+                <a16:creationId xmlns:a16="http://schemas.microsoft.com/office/drawing/2014/main" id="{BFAB83BD-BB36-AE91-7271-175032ABF946}"/>
+              </a:ext>
+            </a:extLst>
+          </p:cNvPr>
+          <p:cNvSpPr>
+            <a:spLocks noGrp="1"/>
+          </p:cNvSpPr>
+          <p:nvPr>
+            <p:ph idx="1"/>
+          </p:nvPr>
+        </p:nvSpPr>
+        <p:spPr/>
+        <p:txBody>
+          <a:bodyPr/>
+          <a:lstStyle/>
+          <a:p>
+            <a:r>
+              <a:rPr lang="cs-CZ" dirty="0"/>
+              <a:t>Pomocí </a:t>
+            </a:r>
+            <a:r>
+              <a:rPr lang="cs-CZ" dirty="0" err="1"/>
+              <a:t>Motion</a:t>
+            </a:r>
+            <a:r>
+              <a:rPr lang="cs-CZ" dirty="0"/>
+              <a:t> </a:t>
+            </a:r>
+            <a:r>
+              <a:rPr lang="cs-CZ" dirty="0" err="1"/>
+              <a:t>eyes</a:t>
+            </a:r>
+            <a:r>
+              <a:rPr lang="cs-CZ" dirty="0"/>
+              <a:t> OS</a:t>
+            </a:r>
+          </a:p>
+        </p:txBody>
+      </p:sp>
+      <p:pic>
+        <p:nvPicPr>
+          <p:cNvPr id="1026" name="Picture 2" descr="Modul kamery Raspberry Pi Camera Module V2.1 Raspberry Pi | RS">
+            <a:extLst>
+              <a:ext uri="{FF2B5EF4-FFF2-40B4-BE49-F238E27FC236}">
+                <a16:creationId xmlns:a16="http://schemas.microsoft.com/office/drawing/2014/main" id="{D554D3CE-13FE-08F7-D18D-D0E78DECE83B}"/>
+              </a:ext>
+            </a:extLst>
+          </p:cNvPr>
+          <p:cNvPicPr>
+            <a:picLocks noChangeAspect="1" noChangeArrowheads="1"/>
+          </p:cNvPicPr>
+          <p:nvPr/>
+        </p:nvPicPr>
+        <p:blipFill>
+          <a:blip r:embed="rId3" cstate="print">
+            <a:extLst>
+              <a:ext uri="{28A0092B-C50C-407E-A947-70E740481C1C}">
+                <a14:useLocalDpi xmlns:a14="http://schemas.microsoft.com/office/drawing/2010/main" val="0"/>
+              </a:ext>
+            </a:extLst>
+          </a:blip>
+          <a:srcRect/>
+          <a:stretch>
+            <a:fillRect/>
+          </a:stretch>
+        </p:blipFill>
+        <p:spPr bwMode="auto">
+          <a:xfrm>
+            <a:off x="126388" y="1972371"/>
+            <a:ext cx="4639962" cy="2605145"/>
+          </a:xfrm>
+          <a:prstGeom prst="rect">
+            <a:avLst/>
+          </a:prstGeom>
+          <a:noFill/>
+          <a:extLst>
+            <a:ext uri="{909E8E84-426E-40DD-AFC4-6F175D3DCCD1}">
+              <a14:hiddenFill xmlns:a14="http://schemas.microsoft.com/office/drawing/2010/main">
+                <a:solidFill>
+                  <a:srgbClr val="FFFFFF"/>
+                </a:solidFill>
+              </a14:hiddenFill>
+            </a:ext>
+          </a:extLst>
+        </p:spPr>
+      </p:pic>
+      <p:pic>
+        <p:nvPicPr>
+          <p:cNvPr id="1030" name="Picture 6" descr="Raspberry Pi Multiple Cameras">
+            <a:extLst>
+              <a:ext uri="{FF2B5EF4-FFF2-40B4-BE49-F238E27FC236}">
+                <a16:creationId xmlns:a16="http://schemas.microsoft.com/office/drawing/2014/main" id="{EBE405CF-F316-1EF6-1580-FBD907CE386F}"/>
+              </a:ext>
+            </a:extLst>
+          </p:cNvPr>
+          <p:cNvPicPr>
+            <a:picLocks noChangeAspect="1" noChangeArrowheads="1"/>
+          </p:cNvPicPr>
+          <p:nvPr/>
+        </p:nvPicPr>
+        <p:blipFill>
+          <a:blip r:embed="rId4" cstate="print">
+            <a:extLst>
+              <a:ext uri="{28A0092B-C50C-407E-A947-70E740481C1C}">
+                <a14:useLocalDpi xmlns:a14="http://schemas.microsoft.com/office/drawing/2010/main" val="0"/>
+              </a:ext>
+            </a:extLst>
+          </a:blip>
+          <a:srcRect/>
+          <a:stretch>
+            <a:fillRect/>
+          </a:stretch>
+        </p:blipFill>
+        <p:spPr bwMode="auto">
+          <a:xfrm>
+            <a:off x="4675599" y="1843708"/>
+            <a:ext cx="4520458" cy="1540566"/>
+          </a:xfrm>
+          <a:prstGeom prst="rect">
+            <a:avLst/>
+          </a:prstGeom>
+          <a:noFill/>
+          <a:extLst>
+            <a:ext uri="{909E8E84-426E-40DD-AFC4-6F175D3DCCD1}">
+              <a14:hiddenFill xmlns:a14="http://schemas.microsoft.com/office/drawing/2010/main">
+                <a:solidFill>
+                  <a:srgbClr val="FFFFFF"/>
+                </a:solidFill>
+              </a14:hiddenFill>
+            </a:ext>
+          </a:extLst>
+        </p:spPr>
+      </p:pic>
+    </p:spTree>
+    <p:extLst>
+      <p:ext uri="{BB962C8B-B14F-4D97-AF65-F5344CB8AC3E}">
+        <p14:creationId xmlns:p14="http://schemas.microsoft.com/office/powerpoint/2010/main" val="1631009053"/>
+      </p:ext>
+    </p:extLst>
+  </p:cSld>
+  <p:clrMapOvr>
+    <a:masterClrMapping/>
+  </p:clrMapOvr>
+  <mc:AlternateContent xmlns:mc="http://schemas.openxmlformats.org/markup-compatibility/2006">
+    <mc:Choice xmlns:p14="http://schemas.microsoft.com/office/powerpoint/2010/main" Requires="p14">
+      <p:transition spd="slow" p14:dur="2000" advTm="2000"/>
+    </mc:Choice>
+    <mc:Fallback>
+      <p:transition spd="slow" advTm="2000"/>
+    </mc:Fallback>
+  </mc:AlternateContent>
+</p:sld>
+</file>
+
+<file path=ppt/slides/slide22.xml><?xml version="1.0" encoding="utf-8"?>
+<p:sld xmlns:a="http://schemas.openxmlformats.org/drawingml/2006/main" xmlns:r="http://schemas.openxmlformats.org/officeDocument/2006/relationships" xmlns:p="http://schemas.openxmlformats.org/presentationml/2006/main">
+  <p:cSld>
+    <p:spTree>
+      <p:nvGrpSpPr>
+        <p:cNvPr id="1" name=""/>
+        <p:cNvGrpSpPr/>
+        <p:nvPr/>
+      </p:nvGrpSpPr>
+      <p:grpSpPr>
+        <a:xfrm>
+          <a:off x="0" y="0"/>
+          <a:ext cx="0" cy="0"/>
+          <a:chOff x="0" y="0"/>
+          <a:chExt cx="0" cy="0"/>
+        </a:xfrm>
+      </p:grpSpPr>
+      <p:sp>
+        <p:nvSpPr>
+          <p:cNvPr id="2" name="Nadpis 1">
+            <a:extLst>
+              <a:ext uri="{FF2B5EF4-FFF2-40B4-BE49-F238E27FC236}">
+                <a16:creationId xmlns:a16="http://schemas.microsoft.com/office/drawing/2014/main" id="{4F1299D8-7192-853C-3BB3-63AAE6120142}"/>
+              </a:ext>
+            </a:extLst>
+          </p:cNvPr>
+          <p:cNvSpPr>
+            <a:spLocks noGrp="1"/>
+          </p:cNvSpPr>
+          <p:nvPr>
+            <p:ph type="title"/>
+          </p:nvPr>
+        </p:nvSpPr>
+        <p:spPr/>
+        <p:txBody>
+          <a:bodyPr/>
+          <a:lstStyle/>
+          <a:p>
+            <a:r>
+              <a:rPr lang="cs-CZ" dirty="0"/>
               <a:t>Citace</a:t>
             </a:r>
           </a:p>
@@ -9988,22 +10385,185 @@
           </a:p>
           <a:p>
             <a:r>
-              <a:rPr lang="cs-CZ" sz="1600" dirty="0">
-                <a:latin typeface="gg sans"/>
+              <a:rPr lang="cs-CZ" sz="1100" b="0" i="0" dirty="0" err="1">
+                <a:solidFill>
+                  <a:srgbClr val="000000"/>
+                </a:solidFill>
+                <a:effectLst/>
+                <a:latin typeface="Roboto Slab" pitchFamily="2" charset="0"/>
               </a:rPr>
-              <a:t>19.01 </a:t>
-            </a:r>
-            <a:r>
-              <a:rPr lang="cs-CZ" sz="1600" dirty="0" err="1">
-                <a:latin typeface="gg sans"/>
+              <a:t>Raspberry</a:t>
+            </a:r>
+            <a:r>
+              <a:rPr lang="cs-CZ" sz="1100" b="0" i="0" dirty="0">
+                <a:solidFill>
+                  <a:srgbClr val="000000"/>
+                </a:solidFill>
+                <a:effectLst/>
+                <a:latin typeface="Roboto Slab" pitchFamily="2" charset="0"/>
               </a:rPr>
-              <a:t>Fireship</a:t>
-            </a:r>
-            <a:r>
-              <a:rPr lang="cs-CZ" sz="1600" dirty="0">
-                <a:latin typeface="gg sans"/>
+              <a:t> </a:t>
+            </a:r>
+            <a:r>
+              <a:rPr lang="cs-CZ" sz="1100" b="0" i="0" dirty="0" err="1">
+                <a:solidFill>
+                  <a:srgbClr val="000000"/>
+                </a:solidFill>
+                <a:effectLst/>
+                <a:latin typeface="Roboto Slab" pitchFamily="2" charset="0"/>
               </a:rPr>
-              <a:t> https://youtu.be/eZ74x6dVYes</a:t>
+              <a:t>Pi</a:t>
+            </a:r>
+            <a:r>
+              <a:rPr lang="cs-CZ" sz="1100" b="0" i="0" dirty="0">
+                <a:solidFill>
+                  <a:srgbClr val="000000"/>
+                </a:solidFill>
+                <a:effectLst/>
+                <a:latin typeface="Roboto Slab" pitchFamily="2" charset="0"/>
+              </a:rPr>
+              <a:t> </a:t>
+            </a:r>
+            <a:r>
+              <a:rPr lang="cs-CZ" sz="1100" b="0" i="0" dirty="0" err="1">
+                <a:solidFill>
+                  <a:srgbClr val="000000"/>
+                </a:solidFill>
+                <a:effectLst/>
+                <a:latin typeface="Roboto Slab" pitchFamily="2" charset="0"/>
+              </a:rPr>
+              <a:t>Explained</a:t>
+            </a:r>
+            <a:r>
+              <a:rPr lang="cs-CZ" sz="1100" b="0" i="0" dirty="0">
+                <a:solidFill>
+                  <a:srgbClr val="000000"/>
+                </a:solidFill>
+                <a:effectLst/>
+                <a:latin typeface="Roboto Slab" pitchFamily="2" charset="0"/>
+              </a:rPr>
+              <a:t> in 100 </a:t>
+            </a:r>
+            <a:r>
+              <a:rPr lang="cs-CZ" sz="1100" b="0" i="0" dirty="0" err="1">
+                <a:solidFill>
+                  <a:srgbClr val="000000"/>
+                </a:solidFill>
+                <a:effectLst/>
+                <a:latin typeface="Roboto Slab" pitchFamily="2" charset="0"/>
+              </a:rPr>
+              <a:t>Seconds</a:t>
+            </a:r>
+            <a:r>
+              <a:rPr lang="cs-CZ" sz="1100" b="0" i="0" dirty="0">
+                <a:solidFill>
+                  <a:srgbClr val="000000"/>
+                </a:solidFill>
+                <a:effectLst/>
+                <a:latin typeface="Roboto Slab" pitchFamily="2" charset="0"/>
+              </a:rPr>
+              <a:t> - YouTube. </a:t>
+            </a:r>
+            <a:r>
+              <a:rPr lang="cs-CZ" sz="1100" b="0" i="1" dirty="0">
+                <a:solidFill>
+                  <a:srgbClr val="000000"/>
+                </a:solidFill>
+                <a:effectLst/>
+                <a:latin typeface="Roboto Slab" pitchFamily="2" charset="0"/>
+              </a:rPr>
+              <a:t>YouTube</a:t>
+            </a:r>
+            <a:r>
+              <a:rPr lang="cs-CZ" sz="1100" b="0" i="0" dirty="0">
+                <a:solidFill>
+                  <a:srgbClr val="000000"/>
+                </a:solidFill>
+                <a:effectLst/>
+                <a:latin typeface="Roboto Slab" pitchFamily="2" charset="0"/>
+              </a:rPr>
+              <a:t> [online]. Copyright © 2023 Google LLC [cit. 19.01.2023]. Dostupné z: </a:t>
+            </a:r>
+            <a:r>
+              <a:rPr lang="cs-CZ" sz="1100" b="0" i="0" u="none" strike="noStrike" dirty="0">
+                <a:solidFill>
+                  <a:srgbClr val="000000"/>
+                </a:solidFill>
+                <a:effectLst/>
+                <a:latin typeface="Roboto Slab" pitchFamily="2" charset="0"/>
+                <a:hlinkClick r:id="rId6"/>
+              </a:rPr>
+              <a:t>https://www.youtube.com/watch?v=eZ74x6dVYes</a:t>
+            </a:r>
+            <a:endParaRPr lang="cs-CZ" sz="1100" b="0" i="0" u="none" strike="noStrike" dirty="0">
+              <a:solidFill>
+                <a:srgbClr val="000000"/>
+              </a:solidFill>
+              <a:effectLst/>
+              <a:latin typeface="Roboto Slab" pitchFamily="2" charset="0"/>
+            </a:endParaRPr>
+          </a:p>
+          <a:p>
+            <a:r>
+              <a:rPr lang="en-US" sz="1100" b="0" i="0" dirty="0">
+                <a:solidFill>
+                  <a:srgbClr val="000000"/>
+                </a:solidFill>
+                <a:effectLst/>
+                <a:latin typeface="Roboto Slab" panose="020B0604020202020204" pitchFamily="2" charset="0"/>
+              </a:rPr>
+              <a:t>Coding Index - Pi My Life Up. </a:t>
+            </a:r>
+            <a:r>
+              <a:rPr lang="en-US" sz="1100" b="0" i="1" dirty="0">
+                <a:solidFill>
+                  <a:srgbClr val="000000"/>
+                </a:solidFill>
+                <a:effectLst/>
+                <a:latin typeface="Roboto Slab" panose="020B0604020202020204" pitchFamily="2" charset="0"/>
+              </a:rPr>
+              <a:t>Pi My Life Up - 500+ DIY Projects, Tutorials &amp; Guides</a:t>
+            </a:r>
+            <a:r>
+              <a:rPr lang="en-US" sz="1100" b="0" i="0" dirty="0">
+                <a:solidFill>
+                  <a:srgbClr val="000000"/>
+                </a:solidFill>
+                <a:effectLst/>
+                <a:latin typeface="Roboto Slab" panose="020B0604020202020204" pitchFamily="2" charset="0"/>
+              </a:rPr>
+              <a:t> [online]. Copyright © 2023 Pi My Life Up [cit. 19.01.2023]. </a:t>
+            </a:r>
+            <a:r>
+              <a:rPr lang="en-US" sz="1100" b="0" i="0" dirty="0" err="1">
+                <a:solidFill>
+                  <a:srgbClr val="000000"/>
+                </a:solidFill>
+                <a:effectLst/>
+                <a:latin typeface="Roboto Slab" panose="020B0604020202020204" pitchFamily="2" charset="0"/>
+              </a:rPr>
+              <a:t>Dostupné</a:t>
+            </a:r>
+            <a:r>
+              <a:rPr lang="en-US" sz="1100" b="0" i="0" dirty="0">
+                <a:solidFill>
+                  <a:srgbClr val="000000"/>
+                </a:solidFill>
+                <a:effectLst/>
+                <a:latin typeface="Roboto Slab" panose="020B0604020202020204" pitchFamily="2" charset="0"/>
+              </a:rPr>
+              <a:t> z: </a:t>
+            </a:r>
+            <a:r>
+              <a:rPr lang="en-US" sz="1100" b="0" i="0" u="none" strike="noStrike" dirty="0">
+                <a:solidFill>
+                  <a:srgbClr val="000000"/>
+                </a:solidFill>
+                <a:effectLst/>
+                <a:latin typeface="Roboto Slab" panose="020B0604020202020204" pitchFamily="2" charset="0"/>
+                <a:hlinkClick r:id="rId7"/>
+              </a:rPr>
+              <a:t>https://pimylifeup.com/coding-index/</a:t>
             </a:r>
             <a:endParaRPr lang="cs-CZ" dirty="0"/>
           </a:p>
@@ -10013,6 +10573,93 @@
     <p:extLst>
       <p:ext uri="{BB962C8B-B14F-4D97-AF65-F5344CB8AC3E}">
         <p14:creationId xmlns:p14="http://schemas.microsoft.com/office/powerpoint/2010/main" val="2369494010"/>
+      </p:ext>
+    </p:extLst>
+  </p:cSld>
+  <p:clrMapOvr>
+    <a:masterClrMapping/>
+  </p:clrMapOvr>
+</p:sld>
+</file>
+
+<file path=ppt/slides/slide23.xml><?xml version="1.0" encoding="utf-8"?>
+<p:sld xmlns:a="http://schemas.openxmlformats.org/drawingml/2006/main" xmlns:r="http://schemas.openxmlformats.org/officeDocument/2006/relationships" xmlns:p="http://schemas.openxmlformats.org/presentationml/2006/main">
+  <p:cSld>
+    <p:spTree>
+      <p:nvGrpSpPr>
+        <p:cNvPr id="1" name=""/>
+        <p:cNvGrpSpPr/>
+        <p:nvPr/>
+      </p:nvGrpSpPr>
+      <p:grpSpPr>
+        <a:xfrm>
+          <a:off x="0" y="0"/>
+          <a:ext cx="0" cy="0"/>
+          <a:chOff x="0" y="0"/>
+          <a:chExt cx="0" cy="0"/>
+        </a:xfrm>
+      </p:grpSpPr>
+      <p:sp>
+        <p:nvSpPr>
+          <p:cNvPr id="2" name="Nadpis 1">
+            <a:extLst>
+              <a:ext uri="{FF2B5EF4-FFF2-40B4-BE49-F238E27FC236}">
+                <a16:creationId xmlns:a16="http://schemas.microsoft.com/office/drawing/2014/main" id="{F305072A-C742-49C1-B7E9-1D61C090D648}"/>
+              </a:ext>
+            </a:extLst>
+          </p:cNvPr>
+          <p:cNvSpPr>
+            <a:spLocks noGrp="1"/>
+          </p:cNvSpPr>
+          <p:nvPr>
+            <p:ph type="title"/>
+          </p:nvPr>
+        </p:nvSpPr>
+        <p:spPr/>
+        <p:txBody>
+          <a:bodyPr/>
+          <a:lstStyle/>
+          <a:p>
+            <a:r>
+              <a:rPr lang="cs-CZ" dirty="0" err="1"/>
+              <a:t>Github</a:t>
+            </a:r>
+            <a:endParaRPr lang="cs-CZ" dirty="0"/>
+          </a:p>
+        </p:txBody>
+      </p:sp>
+      <p:sp>
+        <p:nvSpPr>
+          <p:cNvPr id="3" name="Zástupný obsah 2">
+            <a:extLst>
+              <a:ext uri="{FF2B5EF4-FFF2-40B4-BE49-F238E27FC236}">
+                <a16:creationId xmlns:a16="http://schemas.microsoft.com/office/drawing/2014/main" id="{61089568-C1E5-22F8-AB04-B81D460998F6}"/>
+              </a:ext>
+            </a:extLst>
+          </p:cNvPr>
+          <p:cNvSpPr>
+            <a:spLocks noGrp="1"/>
+          </p:cNvSpPr>
+          <p:nvPr>
+            <p:ph idx="1"/>
+          </p:nvPr>
+        </p:nvSpPr>
+        <p:spPr/>
+        <p:txBody>
+          <a:bodyPr/>
+          <a:lstStyle/>
+          <a:p>
+            <a:r>
+              <a:rPr lang="cs-CZ" dirty="0"/>
+              <a:t>https://github.com/rfc79/Prezentace.git</a:t>
+            </a:r>
+          </a:p>
+        </p:txBody>
+      </p:sp>
+    </p:spTree>
+    <p:extLst>
+      <p:ext uri="{BB962C8B-B14F-4D97-AF65-F5344CB8AC3E}">
+        <p14:creationId xmlns:p14="http://schemas.microsoft.com/office/powerpoint/2010/main" val="3138424732"/>
       </p:ext>
     </p:extLst>
   </p:cSld>
@@ -10058,7 +10705,7 @@
           <a:p>
             <a:r>
               <a:rPr lang="cs-CZ" dirty="0"/>
-              <a:t>Využití</a:t>
+              <a:t>Vlastnosti</a:t>
             </a:r>
             <a:endParaRPr lang="en-US" dirty="0"/>
           </a:p>
@@ -10080,35 +10727,27 @@
           <a:lstStyle/>
           <a:p>
             <a:r>
-              <a:rPr lang="cs-CZ" dirty="0" err="1"/>
-              <a:t>Htpc</a:t>
-            </a:r>
-            <a:endParaRPr lang="cs-CZ" dirty="0"/>
-          </a:p>
-          <a:p>
-            <a:r>
               <a:rPr lang="cs-CZ" dirty="0"/>
-              <a:t>Krypto </a:t>
-            </a:r>
-            <a:r>
-              <a:rPr lang="cs-CZ" dirty="0" err="1"/>
-              <a:t>Miner</a:t>
-            </a:r>
-            <a:endParaRPr lang="cs-CZ" dirty="0"/>
+              <a:t>Velmi levný</a:t>
+            </a:r>
           </a:p>
           <a:p>
             <a:r>
               <a:rPr lang="cs-CZ" dirty="0"/>
-              <a:t>Minecraft server</a:t>
+              <a:t>Nízká spotřeba</a:t>
             </a:r>
           </a:p>
           <a:p>
             <a:r>
               <a:rPr lang="cs-CZ" dirty="0"/>
-              <a:t>Emulace</a:t>
-            </a:r>
-          </a:p>
-          <a:p>
+              <a:t>Je malý</a:t>
+            </a:r>
+          </a:p>
+          <a:p>
+            <a:r>
+              <a:rPr lang="cs-CZ" dirty="0"/>
+              <a:t>Dobrý pro seznámení s </a:t>
+            </a:r>
             <a:r>
               <a:rPr lang="cs-CZ" dirty="0" err="1"/>
               <a:t>IoT</a:t>
@@ -10116,10 +10755,9 @@
             <a:endParaRPr lang="cs-CZ" dirty="0"/>
           </a:p>
           <a:p>
-            <a:r>
-              <a:rPr lang="cs-CZ" dirty="0"/>
-              <a:t>Normální počítač</a:t>
-            </a:r>
+            <a:endParaRPr lang="en-US" dirty="0"/>
+          </a:p>
+          <a:p>
             <a:endParaRPr lang="en-US" dirty="0"/>
           </a:p>
         </p:txBody>
@@ -10127,13 +10765,21 @@
     </p:spTree>
     <p:extLst>
       <p:ext uri="{BB962C8B-B14F-4D97-AF65-F5344CB8AC3E}">
-        <p14:creationId xmlns:p14="http://schemas.microsoft.com/office/powerpoint/2010/main" val="1193606724"/>
+        <p14:creationId xmlns:p14="http://schemas.microsoft.com/office/powerpoint/2010/main" val="2688616617"/>
       </p:ext>
     </p:extLst>
   </p:cSld>
   <p:clrMapOvr>
     <a:masterClrMapping/>
   </p:clrMapOvr>
+  <mc:AlternateContent xmlns:mc="http://schemas.openxmlformats.org/markup-compatibility/2006">
+    <mc:Choice xmlns:p14="http://schemas.microsoft.com/office/powerpoint/2010/main" Requires="p14">
+      <p:transition spd="slow" p14:dur="2000" advTm="5000"/>
+    </mc:Choice>
+    <mc:Fallback>
+      <p:transition spd="slow" advTm="5000"/>
+    </mc:Fallback>
+  </mc:AlternateContent>
 </p:sld>
 </file>
 
@@ -10173,7 +10819,7 @@
           <a:p>
             <a:r>
               <a:rPr lang="cs-CZ" dirty="0"/>
-              <a:t>Vlastnosti</a:t>
+              <a:t>Využití</a:t>
             </a:r>
             <a:endParaRPr lang="en-US" dirty="0"/>
           </a:p>
@@ -10195,27 +10841,35 @@
           <a:lstStyle/>
           <a:p>
             <a:r>
+              <a:rPr lang="cs-CZ" dirty="0" err="1"/>
+              <a:t>Htpc</a:t>
+            </a:r>
+            <a:endParaRPr lang="cs-CZ" dirty="0"/>
+          </a:p>
+          <a:p>
+            <a:r>
               <a:rPr lang="cs-CZ" dirty="0"/>
-              <a:t>Velmi levný</a:t>
-            </a:r>
+              <a:t>Krypto </a:t>
+            </a:r>
+            <a:r>
+              <a:rPr lang="cs-CZ" dirty="0" err="1"/>
+              <a:t>Miner</a:t>
+            </a:r>
+            <a:endParaRPr lang="cs-CZ" dirty="0"/>
           </a:p>
           <a:p>
             <a:r>
               <a:rPr lang="cs-CZ" dirty="0"/>
-              <a:t>Nízká spotřeba</a:t>
+              <a:t>Minecraft server</a:t>
             </a:r>
           </a:p>
           <a:p>
             <a:r>
               <a:rPr lang="cs-CZ" dirty="0"/>
-              <a:t>Je malý</a:t>
-            </a:r>
-          </a:p>
-          <a:p>
-            <a:r>
-              <a:rPr lang="cs-CZ" dirty="0"/>
-              <a:t>Dobrý pro seznámení s </a:t>
-            </a:r>
+              <a:t>Emulace</a:t>
+            </a:r>
+          </a:p>
+          <a:p>
             <a:r>
               <a:rPr lang="cs-CZ" dirty="0" err="1"/>
               <a:t>IoT</a:t>
@@ -10223,9 +10877,15 @@
             <a:endParaRPr lang="cs-CZ" dirty="0"/>
           </a:p>
           <a:p>
-            <a:endParaRPr lang="en-US" dirty="0"/>
-          </a:p>
-          <a:p>
+            <a:r>
+              <a:rPr lang="cs-CZ" dirty="0"/>
+              <a:t>Normální počítač</a:t>
+            </a:r>
+          </a:p>
+          <a:p>
+            <a:pPr marL="0" indent="0">
+              <a:buNone/>
+            </a:pPr>
             <a:endParaRPr lang="en-US" dirty="0"/>
           </a:p>
         </p:txBody>
@@ -10233,13 +10893,21 @@
     </p:spTree>
     <p:extLst>
       <p:ext uri="{BB962C8B-B14F-4D97-AF65-F5344CB8AC3E}">
-        <p14:creationId xmlns:p14="http://schemas.microsoft.com/office/powerpoint/2010/main" val="2688616617"/>
+        <p14:creationId xmlns:p14="http://schemas.microsoft.com/office/powerpoint/2010/main" val="1193606724"/>
       </p:ext>
     </p:extLst>
   </p:cSld>
   <p:clrMapOvr>
     <a:masterClrMapping/>
   </p:clrMapOvr>
+  <mc:AlternateContent xmlns:mc="http://schemas.openxmlformats.org/markup-compatibility/2006">
+    <mc:Choice xmlns:p14="http://schemas.microsoft.com/office/powerpoint/2010/main" Requires="p14">
+      <p:transition spd="slow" p14:dur="2000" advTm="6000"/>
+    </mc:Choice>
+    <mc:Fallback>
+      <p:transition spd="slow" advTm="6000"/>
+    </mc:Fallback>
+  </mc:AlternateContent>
 </p:sld>
 </file>
 
@@ -10453,6 +11121,14 @@
   <p:clrMapOvr>
     <a:masterClrMapping/>
   </p:clrMapOvr>
+  <mc:AlternateContent xmlns:mc="http://schemas.openxmlformats.org/markup-compatibility/2006">
+    <mc:Choice xmlns:p14="http://schemas.microsoft.com/office/powerpoint/2010/main" Requires="p14">
+      <p:transition spd="slow" p14:dur="2000" advTm="11000"/>
+    </mc:Choice>
+    <mc:Fallback>
+      <p:transition spd="slow" advTm="11000"/>
+    </mc:Fallback>
+  </mc:AlternateContent>
 </p:sld>
 </file>
 
@@ -10679,6 +11355,14 @@
   <p:clrMapOvr>
     <a:masterClrMapping/>
   </p:clrMapOvr>
+  <mc:AlternateContent xmlns:mc="http://schemas.openxmlformats.org/markup-compatibility/2006">
+    <mc:Choice xmlns:p14="http://schemas.microsoft.com/office/powerpoint/2010/main" Requires="p14">
+      <p:transition spd="slow" p14:dur="2000" advTm="17000"/>
+    </mc:Choice>
+    <mc:Fallback>
+      <p:transition spd="slow" advTm="17000"/>
+    </mc:Fallback>
+  </mc:AlternateContent>
 </p:sld>
 </file>
 
@@ -10780,6 +11464,14 @@
   <p:clrMapOvr>
     <a:masterClrMapping/>
   </p:clrMapOvr>
+  <mc:AlternateContent xmlns:mc="http://schemas.openxmlformats.org/markup-compatibility/2006">
+    <mc:Choice xmlns:p14="http://schemas.microsoft.com/office/powerpoint/2010/main" Requires="p14">
+      <p:transition spd="slow" p14:dur="2000" advTm="3000"/>
+    </mc:Choice>
+    <mc:Fallback>
+      <p:transition spd="slow" advTm="3000"/>
+    </mc:Fallback>
+  </mc:AlternateContent>
 </p:sld>
 </file>
 
@@ -11028,6 +11720,14 @@
   <p:clrMapOvr>
     <a:masterClrMapping/>
   </p:clrMapOvr>
+  <mc:AlternateContent xmlns:mc="http://schemas.openxmlformats.org/markup-compatibility/2006">
+    <mc:Choice xmlns:p14="http://schemas.microsoft.com/office/powerpoint/2010/main" Requires="p14">
+      <p:transition spd="slow" p14:dur="2000" advTm="3000"/>
+    </mc:Choice>
+    <mc:Fallback>
+      <p:transition spd="slow" advTm="3000"/>
+    </mc:Fallback>
+  </mc:AlternateContent>
 </p:sld>
 </file>
 
@@ -11562,6 +12262,14 @@
   <p:clrMapOvr>
     <a:masterClrMapping/>
   </p:clrMapOvr>
+  <mc:AlternateContent xmlns:mc="http://schemas.openxmlformats.org/markup-compatibility/2006">
+    <mc:Choice xmlns:p14="http://schemas.microsoft.com/office/powerpoint/2010/main" Requires="p14">
+      <p:transition spd="slow" p14:dur="2000" advTm="3000"/>
+    </mc:Choice>
+    <mc:Fallback>
+      <p:transition spd="slow" advTm="3000"/>
+    </mc:Fallback>
+  </mc:AlternateContent>
 </p:sld>
 </file>
 

--- a/formánek.pptx
+++ b/formánek.pptx
@@ -5,7 +5,7 @@
     <p:sldMasterId id="2147483648" r:id="rId1"/>
   </p:sldMasterIdLst>
   <p:notesMasterIdLst>
-    <p:notesMasterId r:id="rId25"/>
+    <p:notesMasterId r:id="rId26"/>
   </p:notesMasterIdLst>
   <p:sldIdLst>
     <p:sldId id="256" r:id="rId2"/>
@@ -15,22 +15,23 @@
     <p:sldId id="264" r:id="rId6"/>
     <p:sldId id="263" r:id="rId7"/>
     <p:sldId id="257" r:id="rId8"/>
-    <p:sldId id="270" r:id="rId9"/>
+    <p:sldId id="283" r:id="rId9"/>
     <p:sldId id="271" r:id="rId10"/>
     <p:sldId id="272" r:id="rId11"/>
-    <p:sldId id="273" r:id="rId12"/>
-    <p:sldId id="280" r:id="rId13"/>
-    <p:sldId id="274" r:id="rId14"/>
-    <p:sldId id="268" r:id="rId15"/>
-    <p:sldId id="275" r:id="rId16"/>
-    <p:sldId id="279" r:id="rId17"/>
-    <p:sldId id="267" r:id="rId18"/>
-    <p:sldId id="266" r:id="rId19"/>
-    <p:sldId id="276" r:id="rId20"/>
-    <p:sldId id="277" r:id="rId21"/>
-    <p:sldId id="282" r:id="rId22"/>
-    <p:sldId id="278" r:id="rId23"/>
-    <p:sldId id="281" r:id="rId24"/>
+    <p:sldId id="280" r:id="rId12"/>
+    <p:sldId id="274" r:id="rId13"/>
+    <p:sldId id="268" r:id="rId14"/>
+    <p:sldId id="275" r:id="rId15"/>
+    <p:sldId id="279" r:id="rId16"/>
+    <p:sldId id="267" r:id="rId17"/>
+    <p:sldId id="266" r:id="rId18"/>
+    <p:sldId id="276" r:id="rId19"/>
+    <p:sldId id="277" r:id="rId20"/>
+    <p:sldId id="282" r:id="rId21"/>
+    <p:sldId id="285" r:id="rId22"/>
+    <p:sldId id="286" r:id="rId23"/>
+    <p:sldId id="278" r:id="rId24"/>
+    <p:sldId id="281" r:id="rId25"/>
   </p:sldIdLst>
   <p:sldSz cx="9144000" cy="5143500" type="screen16x9"/>
   <p:notesSz cx="6858000" cy="9144000"/>
@@ -230,7 +231,7 @@
           <a:p>
             <a:fld id="{C8D18E60-4300-4729-A0D7-6AB984C3922D}" type="datetimeFigureOut">
               <a:rPr lang="en-US" smtClean="0"/>
-              <a:t>1/19/2023</a:t>
+              <a:t>1/29/2023</a:t>
             </a:fld>
             <a:endParaRPr lang="en-US"/>
           </a:p>
@@ -638,16 +639,45 @@
           <a:p>
             <a:r>
               <a:rPr lang="cs-CZ" dirty="0"/>
-              <a:t>Borec má záběry na kytky ale lepší </a:t>
+              <a:t>Je to </a:t>
             </a:r>
             <a:r>
               <a:rPr lang="cs-CZ" dirty="0" err="1"/>
-              <a:t>screen</a:t>
+              <a:t>Jeos</a:t>
             </a:r>
             <a:r>
               <a:rPr lang="cs-CZ" dirty="0"/>
-              <a:t> jsem nenašel</a:t>
-            </a:r>
+              <a:t> = </a:t>
+            </a:r>
+            <a:r>
+              <a:rPr lang="cs-CZ" dirty="0" err="1"/>
+              <a:t>juest</a:t>
+            </a:r>
+            <a:r>
+              <a:rPr lang="cs-CZ" dirty="0"/>
+              <a:t> </a:t>
+            </a:r>
+            <a:r>
+              <a:rPr lang="cs-CZ" dirty="0" err="1"/>
+              <a:t>enough</a:t>
+            </a:r>
+            <a:r>
+              <a:rPr lang="cs-CZ" dirty="0"/>
+              <a:t> os </a:t>
+            </a:r>
+            <a:r>
+              <a:rPr lang="cs-CZ" dirty="0" err="1"/>
+              <a:t>for</a:t>
+            </a:r>
+            <a:r>
+              <a:rPr lang="cs-CZ" dirty="0"/>
+              <a:t> neboli jediný co umí je </a:t>
+            </a:r>
+            <a:r>
+              <a:rPr lang="cs-CZ" dirty="0" err="1"/>
+              <a:t>Kodi</a:t>
+            </a:r>
+            <a:endParaRPr lang="cs-CZ" dirty="0"/>
           </a:p>
         </p:txBody>
       </p:sp>
@@ -668,7 +698,102 @@
           <a:p>
             <a:fld id="{AF533E96-F078-4B3D-A8F4-F1AF21EBC357}" type="slidenum">
               <a:rPr lang="en-US" smtClean="0"/>
-              <a:t>21</a:t>
+              <a:t>19</a:t>
+            </a:fld>
+            <a:endParaRPr lang="en-US"/>
+          </a:p>
+        </p:txBody>
+      </p:sp>
+    </p:spTree>
+    <p:extLst>
+      <p:ext uri="{BB962C8B-B14F-4D97-AF65-F5344CB8AC3E}">
+        <p14:creationId xmlns:p14="http://schemas.microsoft.com/office/powerpoint/2010/main" val="1675410391"/>
+      </p:ext>
+    </p:extLst>
+  </p:cSld>
+  <p:clrMapOvr>
+    <a:masterClrMapping/>
+  </p:clrMapOvr>
+</p:notes>
+</file>
+
+<file path=ppt/notesSlides/notesSlide11.xml><?xml version="1.0" encoding="utf-8"?>
+<p:notes xmlns:a="http://schemas.openxmlformats.org/drawingml/2006/main" xmlns:r="http://schemas.openxmlformats.org/officeDocument/2006/relationships" xmlns:p="http://schemas.openxmlformats.org/presentationml/2006/main">
+  <p:cSld>
+    <p:spTree>
+      <p:nvGrpSpPr>
+        <p:cNvPr id="1" name=""/>
+        <p:cNvGrpSpPr/>
+        <p:nvPr/>
+      </p:nvGrpSpPr>
+      <p:grpSpPr>
+        <a:xfrm>
+          <a:off x="0" y="0"/>
+          <a:ext cx="0" cy="0"/>
+          <a:chOff x="0" y="0"/>
+          <a:chExt cx="0" cy="0"/>
+        </a:xfrm>
+      </p:grpSpPr>
+      <p:sp>
+        <p:nvSpPr>
+          <p:cNvPr id="2" name="Zástupný symbol pro obrázek snímku 1"/>
+          <p:cNvSpPr>
+            <a:spLocks noGrp="1" noRot="1" noChangeAspect="1"/>
+          </p:cNvSpPr>
+          <p:nvPr>
+            <p:ph type="sldImg"/>
+          </p:nvPr>
+        </p:nvSpPr>
+        <p:spPr/>
+      </p:sp>
+      <p:sp>
+        <p:nvSpPr>
+          <p:cNvPr id="3" name="Zástupný symbol pro poznámky 2"/>
+          <p:cNvSpPr>
+            <a:spLocks noGrp="1"/>
+          </p:cNvSpPr>
+          <p:nvPr>
+            <p:ph type="body" idx="1"/>
+          </p:nvPr>
+        </p:nvSpPr>
+        <p:spPr/>
+        <p:txBody>
+          <a:bodyPr/>
+          <a:lstStyle/>
+          <a:p>
+            <a:r>
+              <a:rPr lang="cs-CZ" dirty="0"/>
+              <a:t>Borec má záběry na kytky ale lepší </a:t>
+            </a:r>
+            <a:r>
+              <a:rPr lang="cs-CZ" dirty="0" err="1"/>
+              <a:t>screen</a:t>
+            </a:r>
+            <a:r>
+              <a:rPr lang="cs-CZ" dirty="0"/>
+              <a:t> jsem nenašel</a:t>
+            </a:r>
+          </a:p>
+        </p:txBody>
+      </p:sp>
+      <p:sp>
+        <p:nvSpPr>
+          <p:cNvPr id="4" name="Zástupný symbol pro číslo snímku 3"/>
+          <p:cNvSpPr>
+            <a:spLocks noGrp="1"/>
+          </p:cNvSpPr>
+          <p:nvPr>
+            <p:ph type="sldNum" sz="quarter" idx="5"/>
+          </p:nvPr>
+        </p:nvSpPr>
+        <p:spPr/>
+        <p:txBody>
+          <a:bodyPr/>
+          <a:lstStyle/>
+          <a:p>
+            <a:fld id="{AF533E96-F078-4B3D-A8F4-F1AF21EBC357}" type="slidenum">
+              <a:rPr lang="en-US" smtClean="0"/>
+              <a:t>20</a:t>
             </a:fld>
             <a:endParaRPr lang="en-US"/>
           </a:p>
@@ -678,6 +803,93 @@
     <p:extLst>
       <p:ext uri="{BB962C8B-B14F-4D97-AF65-F5344CB8AC3E}">
         <p14:creationId xmlns:p14="http://schemas.microsoft.com/office/powerpoint/2010/main" val="811148503"/>
+      </p:ext>
+    </p:extLst>
+  </p:cSld>
+  <p:clrMapOvr>
+    <a:masterClrMapping/>
+  </p:clrMapOvr>
+</p:notes>
+</file>
+
+<file path=ppt/notesSlides/notesSlide12.xml><?xml version="1.0" encoding="utf-8"?>
+<p:notes xmlns:a="http://schemas.openxmlformats.org/drawingml/2006/main" xmlns:r="http://schemas.openxmlformats.org/officeDocument/2006/relationships" xmlns:p="http://schemas.openxmlformats.org/presentationml/2006/main">
+  <p:cSld>
+    <p:spTree>
+      <p:nvGrpSpPr>
+        <p:cNvPr id="1" name=""/>
+        <p:cNvGrpSpPr/>
+        <p:nvPr/>
+      </p:nvGrpSpPr>
+      <p:grpSpPr>
+        <a:xfrm>
+          <a:off x="0" y="0"/>
+          <a:ext cx="0" cy="0"/>
+          <a:chOff x="0" y="0"/>
+          <a:chExt cx="0" cy="0"/>
+        </a:xfrm>
+      </p:grpSpPr>
+      <p:sp>
+        <p:nvSpPr>
+          <p:cNvPr id="2" name="Zástupný symbol pro obrázek snímku 1"/>
+          <p:cNvSpPr>
+            <a:spLocks noGrp="1" noRot="1" noChangeAspect="1"/>
+          </p:cNvSpPr>
+          <p:nvPr>
+            <p:ph type="sldImg"/>
+          </p:nvPr>
+        </p:nvSpPr>
+        <p:spPr/>
+      </p:sp>
+      <p:sp>
+        <p:nvSpPr>
+          <p:cNvPr id="3" name="Zástupný symbol pro poznámky 2"/>
+          <p:cNvSpPr>
+            <a:spLocks noGrp="1"/>
+          </p:cNvSpPr>
+          <p:nvPr>
+            <p:ph type="body" idx="1"/>
+          </p:nvPr>
+        </p:nvSpPr>
+        <p:spPr/>
+        <p:txBody>
+          <a:bodyPr/>
+          <a:lstStyle/>
+          <a:p>
+            <a:r>
+              <a:rPr lang="cs-CZ" dirty="0"/>
+              <a:t>HAT je hardware on top</a:t>
+            </a:r>
+          </a:p>
+        </p:txBody>
+      </p:sp>
+      <p:sp>
+        <p:nvSpPr>
+          <p:cNvPr id="4" name="Zástupný symbol pro číslo snímku 3"/>
+          <p:cNvSpPr>
+            <a:spLocks noGrp="1"/>
+          </p:cNvSpPr>
+          <p:nvPr>
+            <p:ph type="sldNum" sz="quarter" idx="5"/>
+          </p:nvPr>
+        </p:nvSpPr>
+        <p:spPr/>
+        <p:txBody>
+          <a:bodyPr/>
+          <a:lstStyle/>
+          <a:p>
+            <a:fld id="{AF533E96-F078-4B3D-A8F4-F1AF21EBC357}" type="slidenum">
+              <a:rPr lang="en-US" smtClean="0"/>
+              <a:t>21</a:t>
+            </a:fld>
+            <a:endParaRPr lang="en-US"/>
+          </a:p>
+        </p:txBody>
+      </p:sp>
+    </p:spTree>
+    <p:extLst>
+      <p:ext uri="{BB962C8B-B14F-4D97-AF65-F5344CB8AC3E}">
+        <p14:creationId xmlns:p14="http://schemas.microsoft.com/office/powerpoint/2010/main" val="997255341"/>
       </p:ext>
     </p:extLst>
   </p:cSld>
@@ -1025,7 +1237,7 @@
           <a:p>
             <a:fld id="{AF533E96-F078-4B3D-A8F4-F1AF21EBC357}" type="slidenum">
               <a:rPr lang="en-US" smtClean="0"/>
-              <a:t>14</a:t>
+              <a:t>13</a:t>
             </a:fld>
             <a:endParaRPr lang="en-US"/>
           </a:p>
@@ -1112,7 +1324,7 @@
           <a:p>
             <a:fld id="{AF533E96-F078-4B3D-A8F4-F1AF21EBC357}" type="slidenum">
               <a:rPr lang="en-US" smtClean="0"/>
-              <a:t>15</a:t>
+              <a:t>14</a:t>
             </a:fld>
             <a:endParaRPr lang="en-US"/>
           </a:p>
@@ -1199,7 +1411,7 @@
           <a:p>
             <a:fld id="{AF533E96-F078-4B3D-A8F4-F1AF21EBC357}" type="slidenum">
               <a:rPr lang="en-US" smtClean="0"/>
-              <a:t>16</a:t>
+              <a:t>15</a:t>
             </a:fld>
             <a:endParaRPr lang="en-US"/>
           </a:p>
@@ -1298,7 +1510,7 @@
           <a:p>
             <a:fld id="{AF533E96-F078-4B3D-A8F4-F1AF21EBC357}" type="slidenum">
               <a:rPr lang="en-US" smtClean="0"/>
-              <a:t>18</a:t>
+              <a:t>17</a:t>
             </a:fld>
             <a:endParaRPr lang="en-US"/>
           </a:p>
@@ -1363,8 +1575,21 @@
           <a:p>
             <a:r>
               <a:rPr lang="cs-CZ" dirty="0"/>
-              <a:t>Nebo téměř jakýkoli jiný server</a:t>
-            </a:r>
+              <a:t>Nebo téměř jakýkoli jiný server potřebujete rychlou </a:t>
+            </a:r>
+            <a:r>
+              <a:rPr lang="cs-CZ" dirty="0" err="1"/>
+              <a:t>sd</a:t>
+            </a:r>
+            <a:r>
+              <a:rPr lang="cs-CZ" dirty="0"/>
+              <a:t> kartu nebo externí </a:t>
+            </a:r>
+            <a:r>
+              <a:rPr lang="cs-CZ" dirty="0" err="1"/>
+              <a:t>ssd</a:t>
+            </a:r>
+            <a:endParaRPr lang="cs-CZ" dirty="0"/>
           </a:p>
         </p:txBody>
       </p:sp>
@@ -1385,7 +1610,7 @@
           <a:p>
             <a:fld id="{AF533E96-F078-4B3D-A8F4-F1AF21EBC357}" type="slidenum">
               <a:rPr lang="en-US" smtClean="0"/>
-              <a:t>19</a:t>
+              <a:t>18</a:t>
             </a:fld>
             <a:endParaRPr lang="en-US"/>
           </a:p>
@@ -1623,7 +1848,7 @@
             <a:fld id="{53074F12-AA26-4AC8-9962-C36BB8F32554}" type="datetimeFigureOut">
               <a:rPr lang="en-US" smtClean="0"/>
               <a:pPr/>
-              <a:t>1/19/2023</a:t>
+              <a:t>1/29/2023</a:t>
             </a:fld>
             <a:endParaRPr lang="en-US"/>
           </a:p>
@@ -1880,7 +2105,7 @@
             <a:fld id="{53074F12-AA26-4AC8-9962-C36BB8F32554}" type="datetimeFigureOut">
               <a:rPr lang="en-US" smtClean="0"/>
               <a:pPr/>
-              <a:t>1/19/2023</a:t>
+              <a:t>1/29/2023</a:t>
             </a:fld>
             <a:endParaRPr lang="en-US"/>
           </a:p>
@@ -2053,7 +2278,7 @@
             <a:fld id="{53074F12-AA26-4AC8-9962-C36BB8F32554}" type="datetimeFigureOut">
               <a:rPr lang="en-US" smtClean="0"/>
               <a:pPr/>
-              <a:t>1/19/2023</a:t>
+              <a:t>1/29/2023</a:t>
             </a:fld>
             <a:endParaRPr lang="en-US"/>
           </a:p>
@@ -2236,7 +2461,7 @@
             <a:fld id="{53074F12-AA26-4AC8-9962-C36BB8F32554}" type="datetimeFigureOut">
               <a:rPr lang="en-US" smtClean="0"/>
               <a:pPr/>
-              <a:t>1/19/2023</a:t>
+              <a:t>1/29/2023</a:t>
             </a:fld>
             <a:endParaRPr lang="en-US"/>
           </a:p>
@@ -2521,7 +2746,7 @@
             <a:fld id="{53074F12-AA26-4AC8-9962-C36BB8F32554}" type="datetimeFigureOut">
               <a:rPr lang="en-US" smtClean="0"/>
               <a:pPr/>
-              <a:t>1/19/2023</a:t>
+              <a:t>1/29/2023</a:t>
             </a:fld>
             <a:endParaRPr lang="en-US"/>
           </a:p>
@@ -2771,7 +2996,7 @@
             <a:fld id="{53074F12-AA26-4AC8-9962-C36BB8F32554}" type="datetimeFigureOut">
               <a:rPr lang="en-US" smtClean="0"/>
               <a:pPr/>
-              <a:t>1/19/2023</a:t>
+              <a:t>1/29/2023</a:t>
             </a:fld>
             <a:endParaRPr lang="en-US"/>
           </a:p>
@@ -3021,7 +3246,7 @@
             <a:fld id="{53074F12-AA26-4AC8-9962-C36BB8F32554}" type="datetimeFigureOut">
               <a:rPr lang="en-US" smtClean="0"/>
               <a:pPr/>
-              <a:t>1/19/2023</a:t>
+              <a:t>1/29/2023</a:t>
             </a:fld>
             <a:endParaRPr lang="en-US"/>
           </a:p>
@@ -3311,7 +3536,7 @@
             <a:fld id="{53074F12-AA26-4AC8-9962-C36BB8F32554}" type="datetimeFigureOut">
               <a:rPr lang="en-US" smtClean="0"/>
               <a:pPr/>
-              <a:t>1/19/2023</a:t>
+              <a:t>1/29/2023</a:t>
             </a:fld>
             <a:endParaRPr lang="en-US"/>
           </a:p>
@@ -3801,7 +4026,7 @@
             <a:fld id="{53074F12-AA26-4AC8-9962-C36BB8F32554}" type="datetimeFigureOut">
               <a:rPr lang="en-US" smtClean="0"/>
               <a:pPr/>
-              <a:t>1/19/2023</a:t>
+              <a:t>1/29/2023</a:t>
             </a:fld>
             <a:endParaRPr lang="en-US"/>
           </a:p>
@@ -3923,7 +4148,7 @@
             <a:fld id="{53074F12-AA26-4AC8-9962-C36BB8F32554}" type="datetimeFigureOut">
               <a:rPr lang="en-US" smtClean="0"/>
               <a:pPr/>
-              <a:t>1/19/2023</a:t>
+              <a:t>1/29/2023</a:t>
             </a:fld>
             <a:endParaRPr lang="en-US"/>
           </a:p>
@@ -4023,7 +4248,7 @@
             <a:fld id="{53074F12-AA26-4AC8-9962-C36BB8F32554}" type="datetimeFigureOut">
               <a:rPr lang="en-US" smtClean="0"/>
               <a:pPr/>
-              <a:t>1/19/2023</a:t>
+              <a:t>1/29/2023</a:t>
             </a:fld>
             <a:endParaRPr lang="en-US"/>
           </a:p>
@@ -4303,7 +4528,7 @@
             <a:fld id="{53074F12-AA26-4AC8-9962-C36BB8F32554}" type="datetimeFigureOut">
               <a:rPr lang="en-US" smtClean="0"/>
               <a:pPr/>
-              <a:t>1/19/2023</a:t>
+              <a:t>1/29/2023</a:t>
             </a:fld>
             <a:endParaRPr lang="en-US"/>
           </a:p>
@@ -4528,7 +4753,7 @@
             <a:fld id="{53074F12-AA26-4AC8-9962-C36BB8F32554}" type="datetimeFigureOut">
               <a:rPr lang="en-US" smtClean="0"/>
               <a:pPr/>
-              <a:t>1/19/2023</a:t>
+              <a:t>1/29/2023</a:t>
             </a:fld>
             <a:endParaRPr lang="en-US"/>
           </a:p>
@@ -6167,1143 +6392,6 @@
         </p:blipFill>
         <p:spPr bwMode="auto">
           <a:xfrm>
-            <a:off x="1938129" y="940340"/>
-            <a:ext cx="4615949" cy="3081579"/>
-          </a:xfrm>
-          <a:prstGeom prst="rect">
-            <a:avLst/>
-          </a:prstGeom>
-          <a:noFill/>
-          <a:extLst>
-            <a:ext uri="{909E8E84-426E-40DD-AFC4-6F175D3DCCD1}">
-              <a14:hiddenFill xmlns:a14="http://schemas.microsoft.com/office/drawing/2010/main">
-                <a:solidFill>
-                  <a:srgbClr val="FFFFFF"/>
-                </a:solidFill>
-              </a14:hiddenFill>
-            </a:ext>
-          </a:extLst>
-        </p:spPr>
-      </p:pic>
-      <p:sp>
-        <p:nvSpPr>
-          <p:cNvPr id="6" name="Obdélník: se zakulacenými rohy 5">
-            <a:extLst>
-              <a:ext uri="{FF2B5EF4-FFF2-40B4-BE49-F238E27FC236}">
-                <a16:creationId xmlns:a16="http://schemas.microsoft.com/office/drawing/2014/main" id="{84CD457A-5AE6-C3B9-D878-A8144167B42C}"/>
-              </a:ext>
-            </a:extLst>
-          </p:cNvPr>
-          <p:cNvSpPr/>
-          <p:nvPr/>
-        </p:nvSpPr>
-        <p:spPr>
-          <a:xfrm>
-            <a:off x="3076161" y="3417854"/>
-            <a:ext cx="1272208" cy="584228"/>
-          </a:xfrm>
-          <a:prstGeom prst="roundRect">
-            <a:avLst/>
-          </a:prstGeom>
-          <a:noFill/>
-          <a:ln>
-            <a:solidFill>
-              <a:schemeClr val="accent6">
-                <a:lumMod val="75000"/>
-              </a:schemeClr>
-            </a:solidFill>
-          </a:ln>
-        </p:spPr>
-        <p:style>
-          <a:lnRef idx="2">
-            <a:schemeClr val="accent1">
-              <a:shade val="50000"/>
-            </a:schemeClr>
-          </a:lnRef>
-          <a:fillRef idx="1">
-            <a:schemeClr val="accent1"/>
-          </a:fillRef>
-          <a:effectRef idx="0">
-            <a:schemeClr val="accent1"/>
-          </a:effectRef>
-          <a:fontRef idx="minor">
-            <a:schemeClr val="lt1"/>
-          </a:fontRef>
-        </p:style>
-        <p:txBody>
-          <a:bodyPr rtlCol="0" anchor="ctr"/>
-          <a:lstStyle/>
-          <a:p>
-            <a:pPr algn="ctr"/>
-            <a:endParaRPr lang="cs-CZ"/>
-          </a:p>
-        </p:txBody>
-      </p:sp>
-      <p:sp>
-        <p:nvSpPr>
-          <p:cNvPr id="10" name="Šipka: doprava 9">
-            <a:extLst>
-              <a:ext uri="{FF2B5EF4-FFF2-40B4-BE49-F238E27FC236}">
-                <a16:creationId xmlns:a16="http://schemas.microsoft.com/office/drawing/2014/main" id="{62463D27-2004-48E8-4E05-8208B7555F7C}"/>
-              </a:ext>
-            </a:extLst>
-          </p:cNvPr>
-          <p:cNvSpPr/>
-          <p:nvPr/>
-        </p:nvSpPr>
-        <p:spPr>
-          <a:xfrm rot="19465730">
-            <a:off x="2116898" y="4209345"/>
-            <a:ext cx="1088335" cy="264381"/>
-          </a:xfrm>
-          <a:prstGeom prst="rightArrow">
-            <a:avLst/>
-          </a:prstGeom>
-          <a:solidFill>
-            <a:schemeClr val="accent6">
-              <a:lumMod val="75000"/>
-            </a:schemeClr>
-          </a:solidFill>
-          <a:ln>
-            <a:noFill/>
-          </a:ln>
-        </p:spPr>
-        <p:style>
-          <a:lnRef idx="2">
-            <a:schemeClr val="accent1">
-              <a:shade val="50000"/>
-            </a:schemeClr>
-          </a:lnRef>
-          <a:fillRef idx="1">
-            <a:schemeClr val="accent1"/>
-          </a:fillRef>
-          <a:effectRef idx="0">
-            <a:schemeClr val="accent1"/>
-          </a:effectRef>
-          <a:fontRef idx="minor">
-            <a:schemeClr val="lt1"/>
-          </a:fontRef>
-        </p:style>
-        <p:txBody>
-          <a:bodyPr rtlCol="0" anchor="ctr"/>
-          <a:lstStyle/>
-          <a:p>
-            <a:pPr algn="ctr"/>
-            <a:endParaRPr lang="cs-CZ"/>
-          </a:p>
-        </p:txBody>
-      </p:sp>
-      <p:sp>
-        <p:nvSpPr>
-          <p:cNvPr id="5" name="Obdélník: se zakulacenými rohy 4">
-            <a:extLst>
-              <a:ext uri="{FF2B5EF4-FFF2-40B4-BE49-F238E27FC236}">
-                <a16:creationId xmlns:a16="http://schemas.microsoft.com/office/drawing/2014/main" id="{34BB2EDA-903D-4446-6FED-1837F52CEF89}"/>
-              </a:ext>
-            </a:extLst>
-          </p:cNvPr>
-          <p:cNvSpPr/>
-          <p:nvPr/>
-        </p:nvSpPr>
-        <p:spPr>
-          <a:xfrm>
-            <a:off x="5610639" y="2107096"/>
-            <a:ext cx="1083365" cy="763526"/>
-          </a:xfrm>
-          <a:prstGeom prst="roundRect">
-            <a:avLst/>
-          </a:prstGeom>
-          <a:noFill/>
-          <a:ln>
-            <a:solidFill>
-              <a:schemeClr val="accent6">
-                <a:lumMod val="75000"/>
-              </a:schemeClr>
-            </a:solidFill>
-          </a:ln>
-        </p:spPr>
-        <p:style>
-          <a:lnRef idx="2">
-            <a:schemeClr val="accent1">
-              <a:shade val="50000"/>
-            </a:schemeClr>
-          </a:lnRef>
-          <a:fillRef idx="1">
-            <a:schemeClr val="accent1"/>
-          </a:fillRef>
-          <a:effectRef idx="0">
-            <a:schemeClr val="accent1"/>
-          </a:effectRef>
-          <a:fontRef idx="minor">
-            <a:schemeClr val="lt1"/>
-          </a:fontRef>
-        </p:style>
-        <p:txBody>
-          <a:bodyPr rtlCol="0" anchor="ctr"/>
-          <a:lstStyle/>
-          <a:p>
-            <a:pPr algn="ctr"/>
-            <a:endParaRPr lang="cs-CZ"/>
-          </a:p>
-        </p:txBody>
-      </p:sp>
-      <p:sp>
-        <p:nvSpPr>
-          <p:cNvPr id="7" name="Šipka: doprava 6">
-            <a:extLst>
-              <a:ext uri="{FF2B5EF4-FFF2-40B4-BE49-F238E27FC236}">
-                <a16:creationId xmlns:a16="http://schemas.microsoft.com/office/drawing/2014/main" id="{ED4817C5-76AB-37A5-3AE5-27883F5651BB}"/>
-              </a:ext>
-            </a:extLst>
-          </p:cNvPr>
-          <p:cNvSpPr/>
-          <p:nvPr/>
-        </p:nvSpPr>
-        <p:spPr>
-          <a:xfrm>
-            <a:off x="6768548" y="2449996"/>
-            <a:ext cx="899491" cy="198782"/>
-          </a:xfrm>
-          <a:prstGeom prst="rightArrow">
-            <a:avLst/>
-          </a:prstGeom>
-          <a:solidFill>
-            <a:schemeClr val="accent6">
-              <a:lumMod val="75000"/>
-            </a:schemeClr>
-          </a:solidFill>
-          <a:ln>
-            <a:noFill/>
-          </a:ln>
-        </p:spPr>
-        <p:style>
-          <a:lnRef idx="2">
-            <a:schemeClr val="accent1">
-              <a:shade val="50000"/>
-            </a:schemeClr>
-          </a:lnRef>
-          <a:fillRef idx="1">
-            <a:schemeClr val="accent1"/>
-          </a:fillRef>
-          <a:effectRef idx="0">
-            <a:schemeClr val="accent1"/>
-          </a:effectRef>
-          <a:fontRef idx="minor">
-            <a:schemeClr val="lt1"/>
-          </a:fontRef>
-        </p:style>
-        <p:txBody>
-          <a:bodyPr rtlCol="0" anchor="ctr"/>
-          <a:lstStyle/>
-          <a:p>
-            <a:pPr algn="ctr"/>
-            <a:endParaRPr lang="cs-CZ"/>
-          </a:p>
-        </p:txBody>
-      </p:sp>
-      <p:sp>
-        <p:nvSpPr>
-          <p:cNvPr id="8" name="TextovéPole 7">
-            <a:extLst>
-              <a:ext uri="{FF2B5EF4-FFF2-40B4-BE49-F238E27FC236}">
-                <a16:creationId xmlns:a16="http://schemas.microsoft.com/office/drawing/2014/main" id="{7FCE000F-587B-62B6-BB13-C6E0031DD435}"/>
-              </a:ext>
-            </a:extLst>
-          </p:cNvPr>
-          <p:cNvSpPr txBox="1"/>
-          <p:nvPr/>
-        </p:nvSpPr>
-        <p:spPr>
-          <a:xfrm>
-            <a:off x="7767430" y="2395330"/>
-            <a:ext cx="1306996" cy="646331"/>
-          </a:xfrm>
-          <a:prstGeom prst="rect">
-            <a:avLst/>
-          </a:prstGeom>
-          <a:noFill/>
-        </p:spPr>
-        <p:txBody>
-          <a:bodyPr wrap="square" rtlCol="0">
-            <a:spAutoFit/>
-          </a:bodyPr>
-          <a:lstStyle/>
-          <a:p>
-            <a:r>
-              <a:rPr lang="cs-CZ" dirty="0"/>
-              <a:t>2x USB 3.0	</a:t>
-            </a:r>
-          </a:p>
-        </p:txBody>
-      </p:sp>
-      <p:sp>
-        <p:nvSpPr>
-          <p:cNvPr id="11" name="Obdélník: se zakulacenými rohy 10">
-            <a:extLst>
-              <a:ext uri="{FF2B5EF4-FFF2-40B4-BE49-F238E27FC236}">
-                <a16:creationId xmlns:a16="http://schemas.microsoft.com/office/drawing/2014/main" id="{8233F873-BA1B-8B49-9BF9-7E3EEE75FFD2}"/>
-              </a:ext>
-            </a:extLst>
-          </p:cNvPr>
-          <p:cNvSpPr/>
-          <p:nvPr/>
-        </p:nvSpPr>
-        <p:spPr>
-          <a:xfrm>
-            <a:off x="5635706" y="3054589"/>
-            <a:ext cx="1083365" cy="763526"/>
-          </a:xfrm>
-          <a:prstGeom prst="roundRect">
-            <a:avLst/>
-          </a:prstGeom>
-          <a:noFill/>
-          <a:ln>
-            <a:solidFill>
-              <a:schemeClr val="accent6">
-                <a:lumMod val="75000"/>
-              </a:schemeClr>
-            </a:solidFill>
-          </a:ln>
-        </p:spPr>
-        <p:style>
-          <a:lnRef idx="2">
-            <a:schemeClr val="accent1">
-              <a:shade val="50000"/>
-            </a:schemeClr>
-          </a:lnRef>
-          <a:fillRef idx="1">
-            <a:schemeClr val="accent1"/>
-          </a:fillRef>
-          <a:effectRef idx="0">
-            <a:schemeClr val="accent1"/>
-          </a:effectRef>
-          <a:fontRef idx="minor">
-            <a:schemeClr val="lt1"/>
-          </a:fontRef>
-        </p:style>
-        <p:txBody>
-          <a:bodyPr rtlCol="0" anchor="ctr"/>
-          <a:lstStyle/>
-          <a:p>
-            <a:pPr algn="ctr"/>
-            <a:endParaRPr lang="cs-CZ"/>
-          </a:p>
-        </p:txBody>
-      </p:sp>
-      <p:sp>
-        <p:nvSpPr>
-          <p:cNvPr id="12" name="Šipka: doprava 11">
-            <a:extLst>
-              <a:ext uri="{FF2B5EF4-FFF2-40B4-BE49-F238E27FC236}">
-                <a16:creationId xmlns:a16="http://schemas.microsoft.com/office/drawing/2014/main" id="{8CA11E1B-ED8D-EB31-2046-BFD2E86EDC1C}"/>
-              </a:ext>
-            </a:extLst>
-          </p:cNvPr>
-          <p:cNvSpPr/>
-          <p:nvPr/>
-        </p:nvSpPr>
-        <p:spPr>
-          <a:xfrm>
-            <a:off x="6761093" y="3318463"/>
-            <a:ext cx="899491" cy="198782"/>
-          </a:xfrm>
-          <a:prstGeom prst="rightArrow">
-            <a:avLst/>
-          </a:prstGeom>
-          <a:solidFill>
-            <a:schemeClr val="accent6">
-              <a:lumMod val="75000"/>
-            </a:schemeClr>
-          </a:solidFill>
-          <a:ln>
-            <a:noFill/>
-          </a:ln>
-        </p:spPr>
-        <p:style>
-          <a:lnRef idx="2">
-            <a:schemeClr val="accent1">
-              <a:shade val="50000"/>
-            </a:schemeClr>
-          </a:lnRef>
-          <a:fillRef idx="1">
-            <a:schemeClr val="accent1"/>
-          </a:fillRef>
-          <a:effectRef idx="0">
-            <a:schemeClr val="accent1"/>
-          </a:effectRef>
-          <a:fontRef idx="minor">
-            <a:schemeClr val="lt1"/>
-          </a:fontRef>
-        </p:style>
-        <p:txBody>
-          <a:bodyPr rtlCol="0" anchor="ctr"/>
-          <a:lstStyle/>
-          <a:p>
-            <a:pPr algn="ctr"/>
-            <a:endParaRPr lang="cs-CZ"/>
-          </a:p>
-        </p:txBody>
-      </p:sp>
-      <p:sp>
-        <p:nvSpPr>
-          <p:cNvPr id="13" name="TextovéPole 12">
-            <a:extLst>
-              <a:ext uri="{FF2B5EF4-FFF2-40B4-BE49-F238E27FC236}">
-                <a16:creationId xmlns:a16="http://schemas.microsoft.com/office/drawing/2014/main" id="{3A7F057B-1AFF-7A7F-8A15-BDBC9DE7EDB1}"/>
-              </a:ext>
-            </a:extLst>
-          </p:cNvPr>
-          <p:cNvSpPr txBox="1"/>
-          <p:nvPr/>
-        </p:nvSpPr>
-        <p:spPr>
-          <a:xfrm>
-            <a:off x="7717735" y="3255065"/>
-            <a:ext cx="1257300" cy="369332"/>
-          </a:xfrm>
-          <a:prstGeom prst="rect">
-            <a:avLst/>
-          </a:prstGeom>
-          <a:noFill/>
-        </p:spPr>
-        <p:txBody>
-          <a:bodyPr wrap="square" rtlCol="0">
-            <a:spAutoFit/>
-          </a:bodyPr>
-          <a:lstStyle/>
-          <a:p>
-            <a:r>
-              <a:rPr lang="cs-CZ" dirty="0"/>
-              <a:t>2x USB 2.0</a:t>
-            </a:r>
-          </a:p>
-        </p:txBody>
-      </p:sp>
-      <p:sp>
-        <p:nvSpPr>
-          <p:cNvPr id="14" name="Obdélník: se zakulacenými rohy 13">
-            <a:extLst>
-              <a:ext uri="{FF2B5EF4-FFF2-40B4-BE49-F238E27FC236}">
-                <a16:creationId xmlns:a16="http://schemas.microsoft.com/office/drawing/2014/main" id="{91B98A9E-66DA-05E9-0B0D-257D40A81849}"/>
-              </a:ext>
-            </a:extLst>
-          </p:cNvPr>
-          <p:cNvSpPr/>
-          <p:nvPr/>
-        </p:nvSpPr>
-        <p:spPr>
-          <a:xfrm>
-            <a:off x="4390391" y="3126281"/>
-            <a:ext cx="803232" cy="875801"/>
-          </a:xfrm>
-          <a:prstGeom prst="roundRect">
-            <a:avLst/>
-          </a:prstGeom>
-          <a:noFill/>
-          <a:ln>
-            <a:solidFill>
-              <a:schemeClr val="accent6">
-                <a:lumMod val="75000"/>
-              </a:schemeClr>
-            </a:solidFill>
-          </a:ln>
-        </p:spPr>
-        <p:style>
-          <a:lnRef idx="2">
-            <a:schemeClr val="accent1">
-              <a:shade val="50000"/>
-            </a:schemeClr>
-          </a:lnRef>
-          <a:fillRef idx="1">
-            <a:schemeClr val="accent1"/>
-          </a:fillRef>
-          <a:effectRef idx="0">
-            <a:schemeClr val="accent1"/>
-          </a:effectRef>
-          <a:fontRef idx="minor">
-            <a:schemeClr val="lt1"/>
-          </a:fontRef>
-        </p:style>
-        <p:txBody>
-          <a:bodyPr rtlCol="0" anchor="ctr"/>
-          <a:lstStyle/>
-          <a:p>
-            <a:pPr algn="ctr"/>
-            <a:endParaRPr lang="cs-CZ"/>
-          </a:p>
-        </p:txBody>
-      </p:sp>
-      <p:sp>
-        <p:nvSpPr>
-          <p:cNvPr id="15" name="Šipka: doprava 14">
-            <a:extLst>
-              <a:ext uri="{FF2B5EF4-FFF2-40B4-BE49-F238E27FC236}">
-                <a16:creationId xmlns:a16="http://schemas.microsoft.com/office/drawing/2014/main" id="{6F995E6A-8567-5EBF-F01D-CC68D5523C49}"/>
-              </a:ext>
-            </a:extLst>
-          </p:cNvPr>
-          <p:cNvSpPr/>
-          <p:nvPr/>
-        </p:nvSpPr>
-        <p:spPr>
-          <a:xfrm rot="14411457">
-            <a:off x="4992954" y="4195041"/>
-            <a:ext cx="601322" cy="264381"/>
-          </a:xfrm>
-          <a:prstGeom prst="rightArrow">
-            <a:avLst/>
-          </a:prstGeom>
-          <a:solidFill>
-            <a:schemeClr val="accent6">
-              <a:lumMod val="75000"/>
-            </a:schemeClr>
-          </a:solidFill>
-          <a:ln>
-            <a:noFill/>
-          </a:ln>
-        </p:spPr>
-        <p:style>
-          <a:lnRef idx="2">
-            <a:schemeClr val="accent1">
-              <a:shade val="50000"/>
-            </a:schemeClr>
-          </a:lnRef>
-          <a:fillRef idx="1">
-            <a:schemeClr val="accent1"/>
-          </a:fillRef>
-          <a:effectRef idx="0">
-            <a:schemeClr val="accent1"/>
-          </a:effectRef>
-          <a:fontRef idx="minor">
-            <a:schemeClr val="lt1"/>
-          </a:fontRef>
-        </p:style>
-        <p:txBody>
-          <a:bodyPr rtlCol="0" anchor="ctr"/>
-          <a:lstStyle/>
-          <a:p>
-            <a:pPr algn="ctr"/>
-            <a:endParaRPr lang="cs-CZ"/>
-          </a:p>
-        </p:txBody>
-      </p:sp>
-      <p:sp>
-        <p:nvSpPr>
-          <p:cNvPr id="16" name="TextovéPole 15">
-            <a:extLst>
-              <a:ext uri="{FF2B5EF4-FFF2-40B4-BE49-F238E27FC236}">
-                <a16:creationId xmlns:a16="http://schemas.microsoft.com/office/drawing/2014/main" id="{64D964CA-55A8-4556-CBA3-6BCA4F640114}"/>
-              </a:ext>
-            </a:extLst>
-          </p:cNvPr>
-          <p:cNvSpPr txBox="1"/>
-          <p:nvPr/>
-        </p:nvSpPr>
-        <p:spPr>
-          <a:xfrm>
-            <a:off x="4765908" y="4617191"/>
-            <a:ext cx="2330473" cy="369332"/>
-          </a:xfrm>
-          <a:prstGeom prst="rect">
-            <a:avLst/>
-          </a:prstGeom>
-          <a:noFill/>
-        </p:spPr>
-        <p:txBody>
-          <a:bodyPr wrap="square" rtlCol="0">
-            <a:spAutoFit/>
-          </a:bodyPr>
-          <a:lstStyle/>
-          <a:p>
-            <a:r>
-              <a:rPr lang="cs-CZ" dirty="0"/>
-              <a:t>Audio Jack</a:t>
-            </a:r>
-          </a:p>
-        </p:txBody>
-      </p:sp>
-      <p:sp>
-        <p:nvSpPr>
-          <p:cNvPr id="9" name="Obdélník: se zakulacenými rohy 8">
-            <a:extLst>
-              <a:ext uri="{FF2B5EF4-FFF2-40B4-BE49-F238E27FC236}">
-                <a16:creationId xmlns:a16="http://schemas.microsoft.com/office/drawing/2014/main" id="{C8E9DAA3-1934-9F25-7BD8-0B46F6A864A5}"/>
-              </a:ext>
-            </a:extLst>
-          </p:cNvPr>
-          <p:cNvSpPr/>
-          <p:nvPr/>
-        </p:nvSpPr>
-        <p:spPr>
-          <a:xfrm>
-            <a:off x="5319530" y="1099800"/>
-            <a:ext cx="1374473" cy="863177"/>
-          </a:xfrm>
-          <a:prstGeom prst="roundRect">
-            <a:avLst/>
-          </a:prstGeom>
-          <a:noFill/>
-          <a:ln>
-            <a:solidFill>
-              <a:schemeClr val="accent6">
-                <a:lumMod val="75000"/>
-              </a:schemeClr>
-            </a:solidFill>
-          </a:ln>
-        </p:spPr>
-        <p:style>
-          <a:lnRef idx="2">
-            <a:schemeClr val="accent1">
-              <a:shade val="50000"/>
-            </a:schemeClr>
-          </a:lnRef>
-          <a:fillRef idx="1">
-            <a:schemeClr val="accent1"/>
-          </a:fillRef>
-          <a:effectRef idx="0">
-            <a:schemeClr val="accent1"/>
-          </a:effectRef>
-          <a:fontRef idx="minor">
-            <a:schemeClr val="lt1"/>
-          </a:fontRef>
-        </p:style>
-        <p:txBody>
-          <a:bodyPr rtlCol="0" anchor="ctr"/>
-          <a:lstStyle/>
-          <a:p>
-            <a:pPr algn="ctr"/>
-            <a:endParaRPr lang="cs-CZ"/>
-          </a:p>
-        </p:txBody>
-      </p:sp>
-      <p:sp>
-        <p:nvSpPr>
-          <p:cNvPr id="17" name="Šipka: doprava 16">
-            <a:extLst>
-              <a:ext uri="{FF2B5EF4-FFF2-40B4-BE49-F238E27FC236}">
-                <a16:creationId xmlns:a16="http://schemas.microsoft.com/office/drawing/2014/main" id="{0B6DA0B1-5897-7746-6010-12B3F000B33B}"/>
-              </a:ext>
-            </a:extLst>
-          </p:cNvPr>
-          <p:cNvSpPr/>
-          <p:nvPr/>
-        </p:nvSpPr>
-        <p:spPr>
-          <a:xfrm>
-            <a:off x="6736446" y="1308293"/>
-            <a:ext cx="1088335" cy="264381"/>
-          </a:xfrm>
-          <a:prstGeom prst="rightArrow">
-            <a:avLst/>
-          </a:prstGeom>
-          <a:solidFill>
-            <a:schemeClr val="accent6">
-              <a:lumMod val="75000"/>
-            </a:schemeClr>
-          </a:solidFill>
-          <a:ln>
-            <a:noFill/>
-          </a:ln>
-        </p:spPr>
-        <p:style>
-          <a:lnRef idx="2">
-            <a:schemeClr val="accent1">
-              <a:shade val="50000"/>
-            </a:schemeClr>
-          </a:lnRef>
-          <a:fillRef idx="1">
-            <a:schemeClr val="accent1"/>
-          </a:fillRef>
-          <a:effectRef idx="0">
-            <a:schemeClr val="accent1"/>
-          </a:effectRef>
-          <a:fontRef idx="minor">
-            <a:schemeClr val="lt1"/>
-          </a:fontRef>
-        </p:style>
-        <p:txBody>
-          <a:bodyPr rtlCol="0" anchor="ctr"/>
-          <a:lstStyle/>
-          <a:p>
-            <a:pPr algn="ctr"/>
-            <a:endParaRPr lang="cs-CZ"/>
-          </a:p>
-        </p:txBody>
-      </p:sp>
-      <p:sp>
-        <p:nvSpPr>
-          <p:cNvPr id="19" name="TextovéPole 18">
-            <a:extLst>
-              <a:ext uri="{FF2B5EF4-FFF2-40B4-BE49-F238E27FC236}">
-                <a16:creationId xmlns:a16="http://schemas.microsoft.com/office/drawing/2014/main" id="{0E34ACD8-B758-A15F-11CA-B960955BC4B1}"/>
-              </a:ext>
-            </a:extLst>
-          </p:cNvPr>
-          <p:cNvSpPr txBox="1"/>
-          <p:nvPr/>
-        </p:nvSpPr>
-        <p:spPr>
-          <a:xfrm>
-            <a:off x="7906578" y="1237422"/>
-            <a:ext cx="1088335" cy="369332"/>
-          </a:xfrm>
-          <a:prstGeom prst="rect">
-            <a:avLst/>
-          </a:prstGeom>
-          <a:noFill/>
-        </p:spPr>
-        <p:txBody>
-          <a:bodyPr wrap="square" rtlCol="0">
-            <a:spAutoFit/>
-          </a:bodyPr>
-          <a:lstStyle/>
-          <a:p>
-            <a:r>
-              <a:rPr lang="cs-CZ" dirty="0"/>
-              <a:t>Ethernet</a:t>
-            </a:r>
-          </a:p>
-        </p:txBody>
-      </p:sp>
-    </p:spTree>
-    <p:extLst>
-      <p:ext uri="{BB962C8B-B14F-4D97-AF65-F5344CB8AC3E}">
-        <p14:creationId xmlns:p14="http://schemas.microsoft.com/office/powerpoint/2010/main" val="3461268915"/>
-      </p:ext>
-    </p:extLst>
-  </p:cSld>
-  <p:clrMapOvr>
-    <a:masterClrMapping/>
-  </p:clrMapOvr>
-  <p:transition spd="med" advTm="3000">
-    <p:pull/>
-  </p:transition>
-  <p:timing>
-    <p:tnLst>
-      <p:par>
-        <p:cTn id="1" dur="indefinite" restart="never" nodeType="tmRoot">
-          <p:childTnLst>
-            <p:seq concurrent="1" nextAc="seek">
-              <p:cTn id="2" dur="indefinite" nodeType="mainSeq">
-                <p:childTnLst>
-                  <p:par>
-                    <p:cTn id="3" fill="hold">
-                      <p:stCondLst>
-                        <p:cond delay="indefinite"/>
-                      </p:stCondLst>
-                      <p:childTnLst>
-                        <p:par>
-                          <p:cTn id="4" fill="hold">
-                            <p:stCondLst>
-                              <p:cond delay="0"/>
-                            </p:stCondLst>
-                            <p:childTnLst>
-                              <p:par>
-                                <p:cTn id="5" presetID="42" presetClass="entr" presetSubtype="0" fill="hold" grpId="0" nodeType="clickEffect">
-                                  <p:stCondLst>
-                                    <p:cond delay="0"/>
-                                  </p:stCondLst>
-                                  <p:childTnLst>
-                                    <p:set>
-                                      <p:cBhvr>
-                                        <p:cTn id="6" dur="1" fill="hold">
-                                          <p:stCondLst>
-                                            <p:cond delay="0"/>
-                                          </p:stCondLst>
-                                        </p:cTn>
-                                        <p:tgtEl>
-                                          <p:spTgt spid="15"/>
-                                        </p:tgtEl>
-                                        <p:attrNameLst>
-                                          <p:attrName>style.visibility</p:attrName>
-                                        </p:attrNameLst>
-                                      </p:cBhvr>
-                                      <p:to>
-                                        <p:strVal val="visible"/>
-                                      </p:to>
-                                    </p:set>
-                                    <p:animEffect transition="in" filter="fade">
-                                      <p:cBhvr>
-                                        <p:cTn id="7" dur="1000"/>
-                                        <p:tgtEl>
-                                          <p:spTgt spid="15"/>
-                                        </p:tgtEl>
-                                      </p:cBhvr>
-                                    </p:animEffect>
-                                    <p:anim calcmode="lin" valueType="num">
-                                      <p:cBhvr>
-                                        <p:cTn id="8" dur="1000" fill="hold"/>
-                                        <p:tgtEl>
-                                          <p:spTgt spid="15"/>
-                                        </p:tgtEl>
-                                        <p:attrNameLst>
-                                          <p:attrName>ppt_x</p:attrName>
-                                        </p:attrNameLst>
-                                      </p:cBhvr>
-                                      <p:tavLst>
-                                        <p:tav tm="0">
-                                          <p:val>
-                                            <p:strVal val="#ppt_x"/>
-                                          </p:val>
-                                        </p:tav>
-                                        <p:tav tm="100000">
-                                          <p:val>
-                                            <p:strVal val="#ppt_x"/>
-                                          </p:val>
-                                        </p:tav>
-                                      </p:tavLst>
-                                    </p:anim>
-                                    <p:anim calcmode="lin" valueType="num">
-                                      <p:cBhvr>
-                                        <p:cTn id="9" dur="1000" fill="hold"/>
-                                        <p:tgtEl>
-                                          <p:spTgt spid="15"/>
-                                        </p:tgtEl>
-                                        <p:attrNameLst>
-                                          <p:attrName>ppt_y</p:attrName>
-                                        </p:attrNameLst>
-                                      </p:cBhvr>
-                                      <p:tavLst>
-                                        <p:tav tm="0">
-                                          <p:val>
-                                            <p:strVal val="#ppt_y+.1"/>
-                                          </p:val>
-                                        </p:tav>
-                                        <p:tav tm="100000">
-                                          <p:val>
-                                            <p:strVal val="#ppt_y"/>
-                                          </p:val>
-                                        </p:tav>
-                                      </p:tavLst>
-                                    </p:anim>
-                                  </p:childTnLst>
-                                </p:cTn>
-                              </p:par>
-                              <p:par>
-                                <p:cTn id="10" presetID="42" presetClass="entr" presetSubtype="0" fill="hold" grpId="0" nodeType="withEffect">
-                                  <p:stCondLst>
-                                    <p:cond delay="0"/>
-                                  </p:stCondLst>
-                                  <p:childTnLst>
-                                    <p:set>
-                                      <p:cBhvr>
-                                        <p:cTn id="11" dur="1" fill="hold">
-                                          <p:stCondLst>
-                                            <p:cond delay="0"/>
-                                          </p:stCondLst>
-                                        </p:cTn>
-                                        <p:tgtEl>
-                                          <p:spTgt spid="16"/>
-                                        </p:tgtEl>
-                                        <p:attrNameLst>
-                                          <p:attrName>style.visibility</p:attrName>
-                                        </p:attrNameLst>
-                                      </p:cBhvr>
-                                      <p:to>
-                                        <p:strVal val="visible"/>
-                                      </p:to>
-                                    </p:set>
-                                    <p:animEffect transition="in" filter="fade">
-                                      <p:cBhvr>
-                                        <p:cTn id="12" dur="1000"/>
-                                        <p:tgtEl>
-                                          <p:spTgt spid="16"/>
-                                        </p:tgtEl>
-                                      </p:cBhvr>
-                                    </p:animEffect>
-                                    <p:anim calcmode="lin" valueType="num">
-                                      <p:cBhvr>
-                                        <p:cTn id="13" dur="1000" fill="hold"/>
-                                        <p:tgtEl>
-                                          <p:spTgt spid="16"/>
-                                        </p:tgtEl>
-                                        <p:attrNameLst>
-                                          <p:attrName>ppt_x</p:attrName>
-                                        </p:attrNameLst>
-                                      </p:cBhvr>
-                                      <p:tavLst>
-                                        <p:tav tm="0">
-                                          <p:val>
-                                            <p:strVal val="#ppt_x"/>
-                                          </p:val>
-                                        </p:tav>
-                                        <p:tav tm="100000">
-                                          <p:val>
-                                            <p:strVal val="#ppt_x"/>
-                                          </p:val>
-                                        </p:tav>
-                                      </p:tavLst>
-                                    </p:anim>
-                                    <p:anim calcmode="lin" valueType="num">
-                                      <p:cBhvr>
-                                        <p:cTn id="14" dur="1000" fill="hold"/>
-                                        <p:tgtEl>
-                                          <p:spTgt spid="16"/>
-                                        </p:tgtEl>
-                                        <p:attrNameLst>
-                                          <p:attrName>ppt_y</p:attrName>
-                                        </p:attrNameLst>
-                                      </p:cBhvr>
-                                      <p:tavLst>
-                                        <p:tav tm="0">
-                                          <p:val>
-                                            <p:strVal val="#ppt_y+.1"/>
-                                          </p:val>
-                                        </p:tav>
-                                        <p:tav tm="100000">
-                                          <p:val>
-                                            <p:strVal val="#ppt_y"/>
-                                          </p:val>
-                                        </p:tav>
-                                      </p:tavLst>
-                                    </p:anim>
-                                  </p:childTnLst>
-                                </p:cTn>
-                              </p:par>
-                            </p:childTnLst>
-                          </p:cTn>
-                        </p:par>
-                      </p:childTnLst>
-                    </p:cTn>
-                  </p:par>
-                  <p:par>
-                    <p:cTn id="15" fill="hold">
-                      <p:stCondLst>
-                        <p:cond delay="indefinite"/>
-                      </p:stCondLst>
-                      <p:childTnLst>
-                        <p:par>
-                          <p:cTn id="16" fill="hold">
-                            <p:stCondLst>
-                              <p:cond delay="0"/>
-                            </p:stCondLst>
-                            <p:childTnLst>
-                              <p:par>
-                                <p:cTn id="17" presetID="42" presetClass="entr" presetSubtype="0" fill="hold" grpId="0" nodeType="clickEffect">
-                                  <p:stCondLst>
-                                    <p:cond delay="0"/>
-                                  </p:stCondLst>
-                                  <p:childTnLst>
-                                    <p:set>
-                                      <p:cBhvr>
-                                        <p:cTn id="18" dur="1" fill="hold">
-                                          <p:stCondLst>
-                                            <p:cond delay="0"/>
-                                          </p:stCondLst>
-                                        </p:cTn>
-                                        <p:tgtEl>
-                                          <p:spTgt spid="14"/>
-                                        </p:tgtEl>
-                                        <p:attrNameLst>
-                                          <p:attrName>style.visibility</p:attrName>
-                                        </p:attrNameLst>
-                                      </p:cBhvr>
-                                      <p:to>
-                                        <p:strVal val="visible"/>
-                                      </p:to>
-                                    </p:set>
-                                    <p:animEffect transition="in" filter="fade">
-                                      <p:cBhvr>
-                                        <p:cTn id="19" dur="1000"/>
-                                        <p:tgtEl>
-                                          <p:spTgt spid="14"/>
-                                        </p:tgtEl>
-                                      </p:cBhvr>
-                                    </p:animEffect>
-                                    <p:anim calcmode="lin" valueType="num">
-                                      <p:cBhvr>
-                                        <p:cTn id="20" dur="1000" fill="hold"/>
-                                        <p:tgtEl>
-                                          <p:spTgt spid="14"/>
-                                        </p:tgtEl>
-                                        <p:attrNameLst>
-                                          <p:attrName>ppt_x</p:attrName>
-                                        </p:attrNameLst>
-                                      </p:cBhvr>
-                                      <p:tavLst>
-                                        <p:tav tm="0">
-                                          <p:val>
-                                            <p:strVal val="#ppt_x"/>
-                                          </p:val>
-                                        </p:tav>
-                                        <p:tav tm="100000">
-                                          <p:val>
-                                            <p:strVal val="#ppt_x"/>
-                                          </p:val>
-                                        </p:tav>
-                                      </p:tavLst>
-                                    </p:anim>
-                                    <p:anim calcmode="lin" valueType="num">
-                                      <p:cBhvr>
-                                        <p:cTn id="21" dur="1000" fill="hold"/>
-                                        <p:tgtEl>
-                                          <p:spTgt spid="14"/>
-                                        </p:tgtEl>
-                                        <p:attrNameLst>
-                                          <p:attrName>ppt_y</p:attrName>
-                                        </p:attrNameLst>
-                                      </p:cBhvr>
-                                      <p:tavLst>
-                                        <p:tav tm="0">
-                                          <p:val>
-                                            <p:strVal val="#ppt_y+.1"/>
-                                          </p:val>
-                                        </p:tav>
-                                        <p:tav tm="100000">
-                                          <p:val>
-                                            <p:strVal val="#ppt_y"/>
-                                          </p:val>
-                                        </p:tav>
-                                      </p:tavLst>
-                                    </p:anim>
-                                  </p:childTnLst>
-                                </p:cTn>
-                              </p:par>
-                            </p:childTnLst>
-                          </p:cTn>
-                        </p:par>
-                      </p:childTnLst>
-                    </p:cTn>
-                  </p:par>
-                </p:childTnLst>
-              </p:cTn>
-              <p:prevCondLst>
-                <p:cond evt="onPrev" delay="0">
-                  <p:tgtEl>
-                    <p:sldTgt/>
-                  </p:tgtEl>
-                </p:cond>
-              </p:prevCondLst>
-              <p:nextCondLst>
-                <p:cond evt="onNext" delay="0">
-                  <p:tgtEl>
-                    <p:sldTgt/>
-                  </p:tgtEl>
-                </p:cond>
-              </p:nextCondLst>
-            </p:seq>
-          </p:childTnLst>
-        </p:cTn>
-      </p:par>
-    </p:tnLst>
-    <p:bldLst>
-      <p:bldP spid="14" grpId="0" animBg="1"/>
-      <p:bldP spid="15" grpId="0" animBg="1"/>
-      <p:bldP spid="16" grpId="0"/>
-    </p:bldLst>
-  </p:timing>
-</p:sld>
-</file>
-
-<file path=ppt/slides/slide12.xml><?xml version="1.0" encoding="utf-8"?>
-<p:sld xmlns:a="http://schemas.openxmlformats.org/drawingml/2006/main" xmlns:r="http://schemas.openxmlformats.org/officeDocument/2006/relationships" xmlns:p="http://schemas.openxmlformats.org/presentationml/2006/main">
-  <p:cSld>
-    <p:spTree>
-      <p:nvGrpSpPr>
-        <p:cNvPr id="1" name=""/>
-        <p:cNvGrpSpPr/>
-        <p:nvPr/>
-      </p:nvGrpSpPr>
-      <p:grpSpPr>
-        <a:xfrm>
-          <a:off x="0" y="0"/>
-          <a:ext cx="0" cy="0"/>
-          <a:chOff x="0" y="0"/>
-          <a:chExt cx="0" cy="0"/>
-        </a:xfrm>
-      </p:grpSpPr>
-      <p:sp>
-        <p:nvSpPr>
-          <p:cNvPr id="2" name="Title 1"/>
-          <p:cNvSpPr>
-            <a:spLocks noGrp="1"/>
-          </p:cNvSpPr>
-          <p:nvPr>
-            <p:ph type="title"/>
-          </p:nvPr>
-        </p:nvSpPr>
-        <p:spPr>
-          <a:xfrm>
-            <a:off x="529926" y="156977"/>
-            <a:ext cx="8259098" cy="763526"/>
-          </a:xfrm>
-        </p:spPr>
-        <p:txBody>
-          <a:bodyPr>
-            <a:normAutofit/>
-          </a:bodyPr>
-          <a:lstStyle/>
-          <a:p>
-            <a:r>
-              <a:rPr lang="cs-CZ" dirty="0"/>
-              <a:t>Porty</a:t>
-            </a:r>
-            <a:endParaRPr lang="en-US" dirty="0"/>
-          </a:p>
-        </p:txBody>
-      </p:sp>
-      <p:sp>
-        <p:nvSpPr>
-          <p:cNvPr id="3" name="Content Placeholder 2"/>
-          <p:cNvSpPr>
-            <a:spLocks noGrp="1"/>
-          </p:cNvSpPr>
-          <p:nvPr>
-            <p:ph idx="1"/>
-          </p:nvPr>
-        </p:nvSpPr>
-        <p:spPr>
-          <a:xfrm>
-            <a:off x="1505298" y="4651512"/>
-            <a:ext cx="3508993" cy="375764"/>
-          </a:xfrm>
-        </p:spPr>
-        <p:txBody>
-          <a:bodyPr>
-            <a:normAutofit fontScale="77500" lnSpcReduction="20000"/>
-          </a:bodyPr>
-          <a:lstStyle/>
-          <a:p>
-            <a:pPr marL="0" indent="0">
-              <a:buNone/>
-            </a:pPr>
-            <a:r>
-              <a:rPr lang="cs-CZ" dirty="0"/>
-              <a:t>2xmicro HDMI </a:t>
-            </a:r>
-            <a:endParaRPr lang="en-US" dirty="0"/>
-          </a:p>
-        </p:txBody>
-      </p:sp>
-      <p:pic>
-        <p:nvPicPr>
-          <p:cNvPr id="4" name="Picture 2">
-            <a:extLst>
-              <a:ext uri="{FF2B5EF4-FFF2-40B4-BE49-F238E27FC236}">
-                <a16:creationId xmlns:a16="http://schemas.microsoft.com/office/drawing/2014/main" id="{6F4B8022-85DB-8976-D85E-B1235B8F6C84}"/>
-              </a:ext>
-            </a:extLst>
-          </p:cNvPr>
-          <p:cNvPicPr>
-            <a:picLocks noChangeAspect="1" noChangeArrowheads="1"/>
-          </p:cNvPicPr>
-          <p:nvPr/>
-        </p:nvPicPr>
-        <p:blipFill>
-          <a:blip r:embed="rId2" cstate="print">
-            <a:extLst>
-              <a:ext uri="{28A0092B-C50C-407E-A947-70E740481C1C}">
-                <a14:useLocalDpi xmlns:a14="http://schemas.microsoft.com/office/drawing/2010/main" val="0"/>
-              </a:ext>
-            </a:extLst>
-          </a:blip>
-          <a:srcRect/>
-          <a:stretch>
-            <a:fillRect/>
-          </a:stretch>
-        </p:blipFill>
-        <p:spPr bwMode="auto">
-          <a:xfrm>
             <a:off x="1975790" y="920503"/>
             <a:ext cx="4615949" cy="3081579"/>
           </a:xfrm>
@@ -8438,7 +7526,7 @@
                                           </p:stCondLst>
                                         </p:cTn>
                                         <p:tgtEl>
-                                          <p:spTgt spid="11"/>
+                                          <p:spTgt spid="12"/>
                                         </p:tgtEl>
                                         <p:attrNameLst>
                                           <p:attrName>style.visibility</p:attrName>
@@ -8452,7 +7540,7 @@
                                       <p:cBhvr>
                                         <p:cTn id="22" dur="1000"/>
                                         <p:tgtEl>
-                                          <p:spTgt spid="11"/>
+                                          <p:spTgt spid="12"/>
                                         </p:tgtEl>
                                       </p:cBhvr>
                                     </p:animEffect>
@@ -8460,7 +7548,7 @@
                                       <p:cBhvr>
                                         <p:cTn id="23" dur="1000" fill="hold"/>
                                         <p:tgtEl>
-                                          <p:spTgt spid="11"/>
+                                          <p:spTgt spid="12"/>
                                         </p:tgtEl>
                                         <p:attrNameLst>
                                           <p:attrName>ppt_x</p:attrName>
@@ -8483,7 +7571,7 @@
                                       <p:cBhvr>
                                         <p:cTn id="24" dur="1000" fill="hold"/>
                                         <p:tgtEl>
-                                          <p:spTgt spid="11"/>
+                                          <p:spTgt spid="12"/>
                                         </p:tgtEl>
                                         <p:attrNameLst>
                                           <p:attrName>ppt_y</p:attrName>
@@ -8519,7 +7607,7 @@
                                           </p:stCondLst>
                                         </p:cTn>
                                         <p:tgtEl>
-                                          <p:spTgt spid="12"/>
+                                          <p:spTgt spid="13"/>
                                         </p:tgtEl>
                                         <p:attrNameLst>
                                           <p:attrName>style.visibility</p:attrName>
@@ -8533,7 +7621,7 @@
                                       <p:cBhvr>
                                         <p:cTn id="27" dur="1000"/>
                                         <p:tgtEl>
-                                          <p:spTgt spid="12"/>
+                                          <p:spTgt spid="13"/>
                                         </p:tgtEl>
                                       </p:cBhvr>
                                     </p:animEffect>
@@ -8541,7 +7629,7 @@
                                       <p:cBhvr>
                                         <p:cTn id="28" dur="1000" fill="hold"/>
                                         <p:tgtEl>
-                                          <p:spTgt spid="12"/>
+                                          <p:spTgt spid="13"/>
                                         </p:tgtEl>
                                         <p:attrNameLst>
                                           <p:attrName>ppt_x</p:attrName>
@@ -8564,7 +7652,7 @@
                                       <p:cBhvr>
                                         <p:cTn id="29" dur="1000" fill="hold"/>
                                         <p:tgtEl>
-                                          <p:spTgt spid="12"/>
+                                          <p:spTgt spid="13"/>
                                         </p:tgtEl>
                                         <p:attrNameLst>
                                           <p:attrName>ppt_y</p:attrName>
@@ -8600,7 +7688,7 @@
                                           </p:stCondLst>
                                         </p:cTn>
                                         <p:tgtEl>
-                                          <p:spTgt spid="13"/>
+                                          <p:spTgt spid="17"/>
                                         </p:tgtEl>
                                         <p:attrNameLst>
                                           <p:attrName>style.visibility</p:attrName>
@@ -8614,7 +7702,7 @@
                                       <p:cBhvr>
                                         <p:cTn id="32" dur="1000"/>
                                         <p:tgtEl>
-                                          <p:spTgt spid="13"/>
+                                          <p:spTgt spid="17"/>
                                         </p:tgtEl>
                                       </p:cBhvr>
                                     </p:animEffect>
@@ -8622,7 +7710,7 @@
                                       <p:cBhvr>
                                         <p:cTn id="33" dur="1000" fill="hold"/>
                                         <p:tgtEl>
-                                          <p:spTgt spid="13"/>
+                                          <p:spTgt spid="17"/>
                                         </p:tgtEl>
                                         <p:attrNameLst>
                                           <p:attrName>ppt_x</p:attrName>
@@ -8645,7 +7733,7 @@
                                       <p:cBhvr>
                                         <p:cTn id="34" dur="1000" fill="hold"/>
                                         <p:tgtEl>
-                                          <p:spTgt spid="13"/>
+                                          <p:spTgt spid="17"/>
                                         </p:tgtEl>
                                         <p:attrNameLst>
                                           <p:attrName>ppt_y</p:attrName>
@@ -8681,7 +7769,7 @@
                                           </p:stCondLst>
                                         </p:cTn>
                                         <p:tgtEl>
-                                          <p:spTgt spid="14"/>
+                                          <p:spTgt spid="19"/>
                                         </p:tgtEl>
                                         <p:attrNameLst>
                                           <p:attrName>style.visibility</p:attrName>
@@ -8695,7 +7783,7 @@
                                       <p:cBhvr>
                                         <p:cTn id="37" dur="1000"/>
                                         <p:tgtEl>
-                                          <p:spTgt spid="14"/>
+                                          <p:spTgt spid="19"/>
                                         </p:tgtEl>
                                       </p:cBhvr>
                                     </p:animEffect>
@@ -8703,7 +7791,7 @@
                                       <p:cBhvr>
                                         <p:cTn id="38" dur="1000" fill="hold"/>
                                         <p:tgtEl>
-                                          <p:spTgt spid="14"/>
+                                          <p:spTgt spid="19"/>
                                         </p:tgtEl>
                                         <p:attrNameLst>
                                           <p:attrName>ppt_x</p:attrName>
@@ -8726,7 +7814,7 @@
                                       <p:cBhvr>
                                         <p:cTn id="39" dur="1000" fill="hold"/>
                                         <p:tgtEl>
-                                          <p:spTgt spid="14"/>
+                                          <p:spTgt spid="19"/>
                                         </p:tgtEl>
                                         <p:attrNameLst>
                                           <p:attrName>ppt_y</p:attrName>
@@ -8762,7 +7850,7 @@
                                           </p:stCondLst>
                                         </p:cTn>
                                         <p:tgtEl>
-                                          <p:spTgt spid="17"/>
+                                          <p:spTgt spid="18"/>
                                         </p:tgtEl>
                                         <p:attrNameLst>
                                           <p:attrName>style.visibility</p:attrName>
@@ -8776,7 +7864,7 @@
                                       <p:cBhvr>
                                         <p:cTn id="42" dur="1000"/>
                                         <p:tgtEl>
-                                          <p:spTgt spid="17"/>
+                                          <p:spTgt spid="18"/>
                                         </p:tgtEl>
                                       </p:cBhvr>
                                     </p:animEffect>
@@ -8784,7 +7872,7 @@
                                       <p:cBhvr>
                                         <p:cTn id="43" dur="1000" fill="hold"/>
                                         <p:tgtEl>
-                                          <p:spTgt spid="17"/>
+                                          <p:spTgt spid="18"/>
                                         </p:tgtEl>
                                         <p:attrNameLst>
                                           <p:attrName>ppt_x</p:attrName>
@@ -8807,7 +7895,7 @@
                                       <p:cBhvr>
                                         <p:cTn id="44" dur="1000" fill="hold"/>
                                         <p:tgtEl>
-                                          <p:spTgt spid="17"/>
+                                          <p:spTgt spid="18"/>
                                         </p:tgtEl>
                                         <p:attrNameLst>
                                           <p:attrName>ppt_y</p:attrName>
@@ -8843,7 +7931,7 @@
                                           </p:stCondLst>
                                         </p:cTn>
                                         <p:tgtEl>
-                                          <p:spTgt spid="19"/>
+                                          <p:spTgt spid="21"/>
                                         </p:tgtEl>
                                         <p:attrNameLst>
                                           <p:attrName>style.visibility</p:attrName>
@@ -8857,7 +7945,7 @@
                                       <p:cBhvr>
                                         <p:cTn id="47" dur="1000"/>
                                         <p:tgtEl>
-                                          <p:spTgt spid="19"/>
+                                          <p:spTgt spid="21"/>
                                         </p:tgtEl>
                                       </p:cBhvr>
                                     </p:animEffect>
@@ -8865,7 +7953,7 @@
                                       <p:cBhvr>
                                         <p:cTn id="48" dur="1000" fill="hold"/>
                                         <p:tgtEl>
-                                          <p:spTgt spid="19"/>
+                                          <p:spTgt spid="21"/>
                                         </p:tgtEl>
                                         <p:attrNameLst>
                                           <p:attrName>ppt_x</p:attrName>
@@ -8887,168 +7975,6 @@
                                     <p:anim calcmode="lin" valueType="num">
                                       <p:cBhvr>
                                         <p:cTn id="49" dur="1000" fill="hold"/>
-                                        <p:tgtEl>
-                                          <p:spTgt spid="19"/>
-                                        </p:tgtEl>
-                                        <p:attrNameLst>
-                                          <p:attrName>ppt_y</p:attrName>
-                                        </p:attrNameLst>
-                                      </p:cBhvr>
-                                      <p:tavLst>
-                                        <p:tav tm="0">
-                                          <p:val>
-                                            <p:strVal val="#ppt_y+.1"/>
-                                          </p:val>
-                                        </p:tav>
-                                        <p:tav tm="100000">
-                                          <p:val>
-                                            <p:strVal val="#ppt_y"/>
-                                          </p:val>
-                                        </p:tav>
-                                      </p:tavLst>
-                                    </p:anim>
-                                  </p:childTnLst>
-                                </p:cTn>
-                              </p:par>
-                              <p:par>
-                                <p:cTn id="50" presetID="42" presetClass="entr" presetSubtype="0" fill="hold" grpId="0" nodeType="withEffect">
-                                  <p:stCondLst>
-                                    <p:cond delay="0"/>
-                                  </p:stCondLst>
-                                  <p:childTnLst>
-                                    <p:set>
-                                      <p:cBhvr>
-                                        <p:cTn id="51" dur="1" fill="hold">
-                                          <p:stCondLst>
-                                            <p:cond delay="0"/>
-                                          </p:stCondLst>
-                                        </p:cTn>
-                                        <p:tgtEl>
-                                          <p:spTgt spid="18"/>
-                                        </p:tgtEl>
-                                        <p:attrNameLst>
-                                          <p:attrName>style.visibility</p:attrName>
-                                        </p:attrNameLst>
-                                      </p:cBhvr>
-                                      <p:to>
-                                        <p:strVal val="visible"/>
-                                      </p:to>
-                                    </p:set>
-                                    <p:animEffect transition="in" filter="fade">
-                                      <p:cBhvr>
-                                        <p:cTn id="52" dur="1000"/>
-                                        <p:tgtEl>
-                                          <p:spTgt spid="18"/>
-                                        </p:tgtEl>
-                                      </p:cBhvr>
-                                    </p:animEffect>
-                                    <p:anim calcmode="lin" valueType="num">
-                                      <p:cBhvr>
-                                        <p:cTn id="53" dur="1000" fill="hold"/>
-                                        <p:tgtEl>
-                                          <p:spTgt spid="18"/>
-                                        </p:tgtEl>
-                                        <p:attrNameLst>
-                                          <p:attrName>ppt_x</p:attrName>
-                                        </p:attrNameLst>
-                                      </p:cBhvr>
-                                      <p:tavLst>
-                                        <p:tav tm="0">
-                                          <p:val>
-                                            <p:strVal val="#ppt_x"/>
-                                          </p:val>
-                                        </p:tav>
-                                        <p:tav tm="100000">
-                                          <p:val>
-                                            <p:strVal val="#ppt_x"/>
-                                          </p:val>
-                                        </p:tav>
-                                      </p:tavLst>
-                                    </p:anim>
-                                    <p:anim calcmode="lin" valueType="num">
-                                      <p:cBhvr>
-                                        <p:cTn id="54" dur="1000" fill="hold"/>
-                                        <p:tgtEl>
-                                          <p:spTgt spid="18"/>
-                                        </p:tgtEl>
-                                        <p:attrNameLst>
-                                          <p:attrName>ppt_y</p:attrName>
-                                        </p:attrNameLst>
-                                      </p:cBhvr>
-                                      <p:tavLst>
-                                        <p:tav tm="0">
-                                          <p:val>
-                                            <p:strVal val="#ppt_y+.1"/>
-                                          </p:val>
-                                        </p:tav>
-                                        <p:tav tm="100000">
-                                          <p:val>
-                                            <p:strVal val="#ppt_y"/>
-                                          </p:val>
-                                        </p:tav>
-                                      </p:tavLst>
-                                    </p:anim>
-                                  </p:childTnLst>
-                                </p:cTn>
-                              </p:par>
-                              <p:par>
-                                <p:cTn id="55" presetID="42" presetClass="entr" presetSubtype="0" fill="hold" grpId="0" nodeType="withEffect">
-                                  <p:stCondLst>
-                                    <p:cond delay="0"/>
-                                  </p:stCondLst>
-                                  <p:childTnLst>
-                                    <p:set>
-                                      <p:cBhvr>
-                                        <p:cTn id="56" dur="1" fill="hold">
-                                          <p:stCondLst>
-                                            <p:cond delay="0"/>
-                                          </p:stCondLst>
-                                        </p:cTn>
-                                        <p:tgtEl>
-                                          <p:spTgt spid="21"/>
-                                        </p:tgtEl>
-                                        <p:attrNameLst>
-                                          <p:attrName>style.visibility</p:attrName>
-                                        </p:attrNameLst>
-                                      </p:cBhvr>
-                                      <p:to>
-                                        <p:strVal val="visible"/>
-                                      </p:to>
-                                    </p:set>
-                                    <p:animEffect transition="in" filter="fade">
-                                      <p:cBhvr>
-                                        <p:cTn id="57" dur="1000"/>
-                                        <p:tgtEl>
-                                          <p:spTgt spid="21"/>
-                                        </p:tgtEl>
-                                      </p:cBhvr>
-                                    </p:animEffect>
-                                    <p:anim calcmode="lin" valueType="num">
-                                      <p:cBhvr>
-                                        <p:cTn id="58" dur="1000" fill="hold"/>
-                                        <p:tgtEl>
-                                          <p:spTgt spid="21"/>
-                                        </p:tgtEl>
-                                        <p:attrNameLst>
-                                          <p:attrName>ppt_x</p:attrName>
-                                        </p:attrNameLst>
-                                      </p:cBhvr>
-                                      <p:tavLst>
-                                        <p:tav tm="0">
-                                          <p:val>
-                                            <p:strVal val="#ppt_x"/>
-                                          </p:val>
-                                        </p:tav>
-                                        <p:tav tm="100000">
-                                          <p:val>
-                                            <p:strVal val="#ppt_x"/>
-                                          </p:val>
-                                        </p:tav>
-                                      </p:tavLst>
-                                    </p:anim>
-                                    <p:anim calcmode="lin" valueType="num">
-                                      <p:cBhvr>
-                                        <p:cTn id="59" dur="1000" fill="hold"/>
                                         <p:tgtEl>
                                           <p:spTgt spid="21"/>
                                         </p:tgtEl>
@@ -9103,10 +8029,8 @@
       <p:bldP spid="5" grpId="0" animBg="1"/>
       <p:bldP spid="7" grpId="0" animBg="1"/>
       <p:bldP spid="8" grpId="0"/>
-      <p:bldP spid="11" grpId="0" animBg="1"/>
       <p:bldP spid="12" grpId="0" animBg="1"/>
       <p:bldP spid="13" grpId="0"/>
-      <p:bldP spid="14" grpId="0" animBg="1"/>
       <p:bldP spid="17" grpId="0" animBg="1"/>
       <p:bldP spid="19" grpId="0"/>
       <p:bldP spid="18" grpId="0" animBg="1"/>
@@ -9116,7 +8040,7 @@
 </p:sld>
 </file>
 
-<file path=ppt/slides/slide13.xml><?xml version="1.0" encoding="utf-8"?>
+<file path=ppt/slides/slide12.xml><?xml version="1.0" encoding="utf-8"?>
 <p:sld xmlns:a="http://schemas.openxmlformats.org/drawingml/2006/main" xmlns:r="http://schemas.openxmlformats.org/officeDocument/2006/relationships" xmlns:p="http://schemas.openxmlformats.org/presentationml/2006/main">
   <p:cSld>
     <p:spTree>
@@ -9686,7 +8610,7 @@
 </p:sld>
 </file>
 
-<file path=ppt/slides/slide14.xml><?xml version="1.0" encoding="utf-8"?>
+<file path=ppt/slides/slide13.xml><?xml version="1.0" encoding="utf-8"?>
 <p:sld xmlns:a="http://schemas.openxmlformats.org/drawingml/2006/main" xmlns:r="http://schemas.openxmlformats.org/officeDocument/2006/relationships" xmlns:p="http://schemas.openxmlformats.org/presentationml/2006/main">
   <p:cSld>
     <p:spTree>
@@ -10414,7 +9338,7 @@
 </p:sld>
 </file>
 
-<file path=ppt/slides/slide15.xml><?xml version="1.0" encoding="utf-8"?>
+<file path=ppt/slides/slide14.xml><?xml version="1.0" encoding="utf-8"?>
 <p:sld xmlns:a="http://schemas.openxmlformats.org/drawingml/2006/main" xmlns:r="http://schemas.openxmlformats.org/officeDocument/2006/relationships" xmlns:p="http://schemas.openxmlformats.org/presentationml/2006/main">
   <p:cSld>
     <p:spTree>
@@ -11118,7 +10042,7 @@
 </p:sld>
 </file>
 
-<file path=ppt/slides/slide16.xml><?xml version="1.0" encoding="utf-8"?>
+<file path=ppt/slides/slide15.xml><?xml version="1.0" encoding="utf-8"?>
 <p:sld xmlns:a="http://schemas.openxmlformats.org/drawingml/2006/main" xmlns:r="http://schemas.openxmlformats.org/officeDocument/2006/relationships" xmlns:p="http://schemas.openxmlformats.org/presentationml/2006/main">
   <p:cSld>
     <p:spTree>
@@ -11971,7 +10895,7 @@
 </p:sld>
 </file>
 
-<file path=ppt/slides/slide17.xml><?xml version="1.0" encoding="utf-8"?>
+<file path=ppt/slides/slide16.xml><?xml version="1.0" encoding="utf-8"?>
 <p:sld xmlns:a="http://schemas.openxmlformats.org/drawingml/2006/main" xmlns:r="http://schemas.openxmlformats.org/officeDocument/2006/relationships" xmlns:p="http://schemas.openxmlformats.org/presentationml/2006/main">
   <p:cSld>
     <p:spTree>
@@ -12707,7 +11631,7 @@
 </p:sld>
 </file>
 
-<file path=ppt/slides/slide18.xml><?xml version="1.0" encoding="utf-8"?>
+<file path=ppt/slides/slide17.xml><?xml version="1.0" encoding="utf-8"?>
 <p:sld xmlns:a="http://schemas.openxmlformats.org/drawingml/2006/main" xmlns:r="http://schemas.openxmlformats.org/officeDocument/2006/relationships" xmlns:p="http://schemas.openxmlformats.org/presentationml/2006/main">
   <p:cSld>
     <p:spTree>
@@ -13165,7 +12089,7 @@
 </p:sld>
 </file>
 
-<file path=ppt/slides/slide19.xml><?xml version="1.0" encoding="utf-8"?>
+<file path=ppt/slides/slide18.xml><?xml version="1.0" encoding="utf-8"?>
 <p:sld xmlns:a="http://schemas.openxmlformats.org/drawingml/2006/main" xmlns:r="http://schemas.openxmlformats.org/officeDocument/2006/relationships" xmlns:p="http://schemas.openxmlformats.org/presentationml/2006/main">
   <p:cSld>
     <p:spTree>
@@ -13591,6 +12515,148 @@
       <p:bldP spid="3" grpId="0" build="p"/>
     </p:bldLst>
   </p:timing>
+</p:sld>
+</file>
+
+<file path=ppt/slides/slide19.xml><?xml version="1.0" encoding="utf-8"?>
+<p:sld xmlns:a="http://schemas.openxmlformats.org/drawingml/2006/main" xmlns:r="http://schemas.openxmlformats.org/officeDocument/2006/relationships" xmlns:p="http://schemas.openxmlformats.org/presentationml/2006/main">
+  <p:cSld>
+    <p:spTree>
+      <p:nvGrpSpPr>
+        <p:cNvPr id="1" name=""/>
+        <p:cNvGrpSpPr/>
+        <p:nvPr/>
+      </p:nvGrpSpPr>
+      <p:grpSpPr>
+        <a:xfrm>
+          <a:off x="0" y="0"/>
+          <a:ext cx="0" cy="0"/>
+          <a:chOff x="0" y="0"/>
+          <a:chExt cx="0" cy="0"/>
+        </a:xfrm>
+      </p:grpSpPr>
+      <p:sp>
+        <p:nvSpPr>
+          <p:cNvPr id="2" name="Nadpis 1">
+            <a:extLst>
+              <a:ext uri="{FF2B5EF4-FFF2-40B4-BE49-F238E27FC236}">
+                <a16:creationId xmlns:a16="http://schemas.microsoft.com/office/drawing/2014/main" id="{4F1299D8-7192-853C-3BB3-63AAE6120142}"/>
+              </a:ext>
+            </a:extLst>
+          </p:cNvPr>
+          <p:cNvSpPr>
+            <a:spLocks noGrp="1"/>
+          </p:cNvSpPr>
+          <p:nvPr>
+            <p:ph type="title"/>
+          </p:nvPr>
+        </p:nvSpPr>
+        <p:spPr/>
+        <p:txBody>
+          <a:bodyPr/>
+          <a:lstStyle/>
+          <a:p>
+            <a:r>
+              <a:rPr lang="cs-CZ" dirty="0" err="1"/>
+              <a:t>Htpc</a:t>
+            </a:r>
+            <a:endParaRPr lang="cs-CZ" dirty="0"/>
+          </a:p>
+        </p:txBody>
+      </p:sp>
+      <p:sp>
+        <p:nvSpPr>
+          <p:cNvPr id="3" name="Zástupný obsah 2">
+            <a:extLst>
+              <a:ext uri="{FF2B5EF4-FFF2-40B4-BE49-F238E27FC236}">
+                <a16:creationId xmlns:a16="http://schemas.microsoft.com/office/drawing/2014/main" id="{BFAB83BD-BB36-AE91-7271-175032ABF946}"/>
+              </a:ext>
+            </a:extLst>
+          </p:cNvPr>
+          <p:cNvSpPr>
+            <a:spLocks noGrp="1"/>
+          </p:cNvSpPr>
+          <p:nvPr>
+            <p:ph idx="1"/>
+          </p:nvPr>
+        </p:nvSpPr>
+        <p:spPr/>
+        <p:txBody>
+          <a:bodyPr/>
+          <a:lstStyle/>
+          <a:p>
+            <a:r>
+              <a:rPr lang="cs-CZ" dirty="0"/>
+              <a:t>Pomocí </a:t>
+            </a:r>
+            <a:r>
+              <a:rPr lang="cs-CZ" dirty="0" err="1"/>
+              <a:t>LibreElec</a:t>
+            </a:r>
+            <a:endParaRPr lang="cs-CZ" dirty="0"/>
+          </a:p>
+        </p:txBody>
+      </p:sp>
+      <p:pic>
+        <p:nvPicPr>
+          <p:cNvPr id="3080" name="Picture 8" descr="LibreELEC - Wikipedia">
+            <a:extLst>
+              <a:ext uri="{FF2B5EF4-FFF2-40B4-BE49-F238E27FC236}">
+                <a16:creationId xmlns:a16="http://schemas.microsoft.com/office/drawing/2014/main" id="{4E816829-24CA-3BDC-E89A-68AA36EB3739}"/>
+              </a:ext>
+            </a:extLst>
+          </p:cNvPr>
+          <p:cNvPicPr>
+            <a:picLocks noChangeAspect="1" noChangeArrowheads="1"/>
+          </p:cNvPicPr>
+          <p:nvPr/>
+        </p:nvPicPr>
+        <p:blipFill>
+          <a:blip r:embed="rId3" cstate="print">
+            <a:extLst>
+              <a:ext uri="{28A0092B-C50C-407E-A947-70E740481C1C}">
+                <a14:useLocalDpi xmlns:a14="http://schemas.microsoft.com/office/drawing/2010/main" val="0"/>
+              </a:ext>
+            </a:extLst>
+          </a:blip>
+          <a:srcRect/>
+          <a:stretch>
+            <a:fillRect/>
+          </a:stretch>
+        </p:blipFill>
+        <p:spPr bwMode="auto">
+          <a:xfrm>
+            <a:off x="690769" y="1729407"/>
+            <a:ext cx="5177182" cy="2912165"/>
+          </a:xfrm>
+          <a:prstGeom prst="rect">
+            <a:avLst/>
+          </a:prstGeom>
+          <a:noFill/>
+          <a:extLst>
+            <a:ext uri="{909E8E84-426E-40DD-AFC4-6F175D3DCCD1}">
+              <a14:hiddenFill xmlns:a14="http://schemas.microsoft.com/office/drawing/2010/main">
+                <a:solidFill>
+                  <a:srgbClr val="FFFFFF"/>
+                </a:solidFill>
+              </a14:hiddenFill>
+            </a:ext>
+          </a:extLst>
+        </p:spPr>
+      </p:pic>
+    </p:spTree>
+    <p:extLst>
+      <p:ext uri="{BB962C8B-B14F-4D97-AF65-F5344CB8AC3E}">
+        <p14:creationId xmlns:p14="http://schemas.microsoft.com/office/powerpoint/2010/main" val="1203150466"/>
+      </p:ext>
+    </p:extLst>
+  </p:cSld>
+  <p:clrMapOvr>
+    <a:masterClrMapping/>
+  </p:clrMapOvr>
+  <p:transition spd="med" advTm="3000">
+    <p:pull/>
+  </p:transition>
 </p:sld>
 </file>
 
@@ -14062,148 +13128,6 @@
           <a:lstStyle/>
           <a:p>
             <a:r>
-              <a:rPr lang="cs-CZ" dirty="0" err="1"/>
-              <a:t>Htpc</a:t>
-            </a:r>
-            <a:endParaRPr lang="cs-CZ" dirty="0"/>
-          </a:p>
-        </p:txBody>
-      </p:sp>
-      <p:sp>
-        <p:nvSpPr>
-          <p:cNvPr id="3" name="Zástupný obsah 2">
-            <a:extLst>
-              <a:ext uri="{FF2B5EF4-FFF2-40B4-BE49-F238E27FC236}">
-                <a16:creationId xmlns:a16="http://schemas.microsoft.com/office/drawing/2014/main" id="{BFAB83BD-BB36-AE91-7271-175032ABF946}"/>
-              </a:ext>
-            </a:extLst>
-          </p:cNvPr>
-          <p:cNvSpPr>
-            <a:spLocks noGrp="1"/>
-          </p:cNvSpPr>
-          <p:nvPr>
-            <p:ph idx="1"/>
-          </p:nvPr>
-        </p:nvSpPr>
-        <p:spPr/>
-        <p:txBody>
-          <a:bodyPr/>
-          <a:lstStyle/>
-          <a:p>
-            <a:r>
-              <a:rPr lang="cs-CZ" dirty="0"/>
-              <a:t>Pomocí </a:t>
-            </a:r>
-            <a:r>
-              <a:rPr lang="cs-CZ" dirty="0" err="1"/>
-              <a:t>LibreElec</a:t>
-            </a:r>
-            <a:endParaRPr lang="cs-CZ" dirty="0"/>
-          </a:p>
-        </p:txBody>
-      </p:sp>
-      <p:pic>
-        <p:nvPicPr>
-          <p:cNvPr id="3080" name="Picture 8" descr="LibreELEC - Wikipedia">
-            <a:extLst>
-              <a:ext uri="{FF2B5EF4-FFF2-40B4-BE49-F238E27FC236}">
-                <a16:creationId xmlns:a16="http://schemas.microsoft.com/office/drawing/2014/main" id="{4E816829-24CA-3BDC-E89A-68AA36EB3739}"/>
-              </a:ext>
-            </a:extLst>
-          </p:cNvPr>
-          <p:cNvPicPr>
-            <a:picLocks noChangeAspect="1" noChangeArrowheads="1"/>
-          </p:cNvPicPr>
-          <p:nvPr/>
-        </p:nvPicPr>
-        <p:blipFill>
-          <a:blip r:embed="rId2" cstate="print">
-            <a:extLst>
-              <a:ext uri="{28A0092B-C50C-407E-A947-70E740481C1C}">
-                <a14:useLocalDpi xmlns:a14="http://schemas.microsoft.com/office/drawing/2010/main" val="0"/>
-              </a:ext>
-            </a:extLst>
-          </a:blip>
-          <a:srcRect/>
-          <a:stretch>
-            <a:fillRect/>
-          </a:stretch>
-        </p:blipFill>
-        <p:spPr bwMode="auto">
-          <a:xfrm>
-            <a:off x="690769" y="1729407"/>
-            <a:ext cx="5177182" cy="2912165"/>
-          </a:xfrm>
-          <a:prstGeom prst="rect">
-            <a:avLst/>
-          </a:prstGeom>
-          <a:noFill/>
-          <a:extLst>
-            <a:ext uri="{909E8E84-426E-40DD-AFC4-6F175D3DCCD1}">
-              <a14:hiddenFill xmlns:a14="http://schemas.microsoft.com/office/drawing/2010/main">
-                <a:solidFill>
-                  <a:srgbClr val="FFFFFF"/>
-                </a:solidFill>
-              </a14:hiddenFill>
-            </a:ext>
-          </a:extLst>
-        </p:spPr>
-      </p:pic>
-    </p:spTree>
-    <p:extLst>
-      <p:ext uri="{BB962C8B-B14F-4D97-AF65-F5344CB8AC3E}">
-        <p14:creationId xmlns:p14="http://schemas.microsoft.com/office/powerpoint/2010/main" val="1203150466"/>
-      </p:ext>
-    </p:extLst>
-  </p:cSld>
-  <p:clrMapOvr>
-    <a:masterClrMapping/>
-  </p:clrMapOvr>
-  <p:transition spd="med" advTm="3000">
-    <p:pull/>
-  </p:transition>
-</p:sld>
-</file>
-
-<file path=ppt/slides/slide21.xml><?xml version="1.0" encoding="utf-8"?>
-<p:sld xmlns:a="http://schemas.openxmlformats.org/drawingml/2006/main" xmlns:r="http://schemas.openxmlformats.org/officeDocument/2006/relationships" xmlns:p="http://schemas.openxmlformats.org/presentationml/2006/main">
-  <p:cSld>
-    <p:spTree>
-      <p:nvGrpSpPr>
-        <p:cNvPr id="1" name=""/>
-        <p:cNvGrpSpPr/>
-        <p:nvPr/>
-      </p:nvGrpSpPr>
-      <p:grpSpPr>
-        <a:xfrm>
-          <a:off x="0" y="0"/>
-          <a:ext cx="0" cy="0"/>
-          <a:chOff x="0" y="0"/>
-          <a:chExt cx="0" cy="0"/>
-        </a:xfrm>
-      </p:grpSpPr>
-      <p:sp>
-        <p:nvSpPr>
-          <p:cNvPr id="2" name="Nadpis 1">
-            <a:extLst>
-              <a:ext uri="{FF2B5EF4-FFF2-40B4-BE49-F238E27FC236}">
-                <a16:creationId xmlns:a16="http://schemas.microsoft.com/office/drawing/2014/main" id="{4F1299D8-7192-853C-3BB3-63AAE6120142}"/>
-              </a:ext>
-            </a:extLst>
-          </p:cNvPr>
-          <p:cNvSpPr>
-            <a:spLocks noGrp="1"/>
-          </p:cNvSpPr>
-          <p:nvPr>
-            <p:ph type="title"/>
-          </p:nvPr>
-        </p:nvSpPr>
-        <p:spPr/>
-        <p:txBody>
-          <a:bodyPr/>
-          <a:lstStyle/>
-          <a:p>
-            <a:r>
               <a:rPr lang="cs-CZ" dirty="0"/>
               <a:t>Kamery</a:t>
             </a:r>
@@ -14283,7 +13207,7 @@
         </p:blipFill>
         <p:spPr bwMode="auto">
           <a:xfrm>
-            <a:off x="126388" y="1972371"/>
+            <a:off x="36435" y="2081701"/>
             <a:ext cx="4639962" cy="2605145"/>
           </a:xfrm>
           <a:prstGeom prst="rect">
@@ -14364,6 +13288,591 @@
 </p:sld>
 </file>
 
+<file path=ppt/slides/slide21.xml><?xml version="1.0" encoding="utf-8"?>
+<p:sld xmlns:a="http://schemas.openxmlformats.org/drawingml/2006/main" xmlns:r="http://schemas.openxmlformats.org/officeDocument/2006/relationships" xmlns:p="http://schemas.openxmlformats.org/presentationml/2006/main">
+  <p:cSld>
+    <p:spTree>
+      <p:nvGrpSpPr>
+        <p:cNvPr id="1" name=""/>
+        <p:cNvGrpSpPr/>
+        <p:nvPr/>
+      </p:nvGrpSpPr>
+      <p:grpSpPr>
+        <a:xfrm>
+          <a:off x="0" y="0"/>
+          <a:ext cx="0" cy="0"/>
+          <a:chOff x="0" y="0"/>
+          <a:chExt cx="0" cy="0"/>
+        </a:xfrm>
+      </p:grpSpPr>
+      <p:sp>
+        <p:nvSpPr>
+          <p:cNvPr id="2" name="Nadpis 1">
+            <a:extLst>
+              <a:ext uri="{FF2B5EF4-FFF2-40B4-BE49-F238E27FC236}">
+                <a16:creationId xmlns:a16="http://schemas.microsoft.com/office/drawing/2014/main" id="{B7294586-F797-F30C-96DA-0047B293F85A}"/>
+              </a:ext>
+            </a:extLst>
+          </p:cNvPr>
+          <p:cNvSpPr>
+            <a:spLocks noGrp="1"/>
+          </p:cNvSpPr>
+          <p:nvPr>
+            <p:ph type="title"/>
+          </p:nvPr>
+        </p:nvSpPr>
+        <p:spPr/>
+        <p:txBody>
+          <a:bodyPr/>
+          <a:lstStyle/>
+          <a:p>
+            <a:r>
+              <a:rPr lang="cs-CZ" dirty="0"/>
+              <a:t>Krypto na solární energii?</a:t>
+            </a:r>
+          </a:p>
+        </p:txBody>
+      </p:sp>
+      <p:sp>
+        <p:nvSpPr>
+          <p:cNvPr id="3" name="Zástupný obsah 2">
+            <a:extLst>
+              <a:ext uri="{FF2B5EF4-FFF2-40B4-BE49-F238E27FC236}">
+                <a16:creationId xmlns:a16="http://schemas.microsoft.com/office/drawing/2014/main" id="{D8265C0A-E8DC-45F3-F53E-F8B7F1053C61}"/>
+              </a:ext>
+            </a:extLst>
+          </p:cNvPr>
+          <p:cNvSpPr>
+            <a:spLocks noGrp="1"/>
+          </p:cNvSpPr>
+          <p:nvPr>
+            <p:ph idx="1"/>
+          </p:nvPr>
+        </p:nvSpPr>
+        <p:spPr>
+          <a:xfrm>
+            <a:off x="457200" y="1273389"/>
+            <a:ext cx="8229600" cy="3569110"/>
+          </a:xfrm>
+        </p:spPr>
+        <p:txBody>
+          <a:bodyPr>
+            <a:normAutofit/>
+          </a:bodyPr>
+          <a:lstStyle/>
+          <a:p>
+            <a:r>
+              <a:rPr lang="cs-CZ" dirty="0" err="1"/>
+              <a:t>Pi</a:t>
+            </a:r>
+            <a:r>
+              <a:rPr lang="cs-CZ" dirty="0"/>
+              <a:t> </a:t>
+            </a:r>
+            <a:r>
+              <a:rPr lang="cs-CZ" dirty="0" err="1"/>
+              <a:t>juice</a:t>
+            </a:r>
+            <a:r>
+              <a:rPr lang="cs-CZ" dirty="0"/>
+              <a:t> + </a:t>
+            </a:r>
+            <a:r>
+              <a:rPr lang="cs-CZ" dirty="0" err="1"/>
+              <a:t>Raspberry</a:t>
+            </a:r>
+            <a:r>
+              <a:rPr lang="cs-CZ" dirty="0"/>
+              <a:t> </a:t>
+            </a:r>
+            <a:r>
+              <a:rPr lang="cs-CZ" dirty="0" err="1"/>
+              <a:t>pi</a:t>
+            </a:r>
+            <a:r>
+              <a:rPr lang="cs-CZ" dirty="0"/>
+              <a:t> 4b + solární panel + </a:t>
+            </a:r>
+            <a:r>
+              <a:rPr lang="cs-CZ" dirty="0" err="1"/>
+              <a:t>wireless</a:t>
+            </a:r>
+            <a:r>
+              <a:rPr lang="cs-CZ" dirty="0"/>
+              <a:t> </a:t>
+            </a:r>
+            <a:r>
+              <a:rPr lang="cs-CZ" dirty="0" err="1"/>
+              <a:t>raspberry</a:t>
+            </a:r>
+            <a:r>
+              <a:rPr lang="cs-CZ" dirty="0"/>
+              <a:t> </a:t>
+            </a:r>
+            <a:r>
+              <a:rPr lang="cs-CZ" dirty="0" err="1"/>
+              <a:t>pi</a:t>
+            </a:r>
+            <a:r>
+              <a:rPr lang="cs-CZ" dirty="0"/>
+              <a:t> </a:t>
+            </a:r>
+            <a:r>
+              <a:rPr lang="cs-CZ" dirty="0" err="1"/>
+              <a:t>starter</a:t>
+            </a:r>
+            <a:r>
+              <a:rPr lang="cs-CZ" dirty="0"/>
+              <a:t> </a:t>
+            </a:r>
+            <a:r>
+              <a:rPr lang="cs-CZ" dirty="0" err="1"/>
+              <a:t>kit</a:t>
+            </a:r>
+            <a:endParaRPr lang="cs-CZ" dirty="0"/>
+          </a:p>
+          <a:p>
+            <a:r>
+              <a:rPr lang="cs-CZ" dirty="0" err="1"/>
+              <a:t>Pi</a:t>
+            </a:r>
+            <a:r>
+              <a:rPr lang="cs-CZ" dirty="0"/>
+              <a:t> </a:t>
+            </a:r>
+            <a:r>
+              <a:rPr lang="cs-CZ" dirty="0" err="1"/>
+              <a:t>juice</a:t>
+            </a:r>
+            <a:r>
+              <a:rPr lang="cs-CZ" dirty="0"/>
+              <a:t> je HAT s 1820mAh baterií a </a:t>
+            </a:r>
+            <a:r>
+              <a:rPr lang="cs-CZ" dirty="0" err="1"/>
+              <a:t>micro</a:t>
+            </a:r>
+            <a:r>
+              <a:rPr lang="cs-CZ" dirty="0"/>
+              <a:t> </a:t>
+            </a:r>
+            <a:r>
+              <a:rPr lang="cs-CZ" dirty="0" err="1"/>
+              <a:t>usb</a:t>
+            </a:r>
+            <a:r>
+              <a:rPr lang="cs-CZ" dirty="0"/>
+              <a:t> konektorem </a:t>
+            </a:r>
+          </a:p>
+          <a:p>
+            <a:r>
+              <a:rPr lang="cs-CZ" dirty="0"/>
+              <a:t>1820mAh stačí tak na hodinu těžení potom se to vypne a zapne se to až se to zase nabije </a:t>
+            </a:r>
+          </a:p>
+          <a:p>
+            <a:pPr marL="0" indent="0">
+              <a:buNone/>
+            </a:pPr>
+            <a:endParaRPr lang="cs-CZ" dirty="0"/>
+          </a:p>
+        </p:txBody>
+      </p:sp>
+    </p:spTree>
+    <p:extLst>
+      <p:ext uri="{BB962C8B-B14F-4D97-AF65-F5344CB8AC3E}">
+        <p14:creationId xmlns:p14="http://schemas.microsoft.com/office/powerpoint/2010/main" val="861372978"/>
+      </p:ext>
+    </p:extLst>
+  </p:cSld>
+  <p:clrMapOvr>
+    <a:masterClrMapping/>
+  </p:clrMapOvr>
+  <p:transition spd="med" advTm="10000">
+    <p:pull/>
+  </p:transition>
+  <p:timing>
+    <p:tnLst>
+      <p:par>
+        <p:cTn id="1" dur="indefinite" restart="never" nodeType="tmRoot">
+          <p:childTnLst>
+            <p:seq concurrent="1" nextAc="seek">
+              <p:cTn id="2" dur="indefinite" nodeType="mainSeq">
+                <p:childTnLst>
+                  <p:par>
+                    <p:cTn id="3" fill="hold">
+                      <p:stCondLst>
+                        <p:cond delay="indefinite"/>
+                      </p:stCondLst>
+                      <p:childTnLst>
+                        <p:par>
+                          <p:cTn id="4" fill="hold">
+                            <p:stCondLst>
+                              <p:cond delay="0"/>
+                            </p:stCondLst>
+                            <p:childTnLst>
+                              <p:par>
+                                <p:cTn id="5" presetID="42" presetClass="entr" presetSubtype="0" fill="hold" grpId="0" nodeType="clickEffect">
+                                  <p:stCondLst>
+                                    <p:cond delay="0"/>
+                                  </p:stCondLst>
+                                  <p:childTnLst>
+                                    <p:set>
+                                      <p:cBhvr>
+                                        <p:cTn id="6" dur="1" fill="hold">
+                                          <p:stCondLst>
+                                            <p:cond delay="0"/>
+                                          </p:stCondLst>
+                                        </p:cTn>
+                                        <p:tgtEl>
+                                          <p:spTgt spid="3">
+                                            <p:txEl>
+                                              <p:pRg st="0" end="0"/>
+                                            </p:txEl>
+                                          </p:spTgt>
+                                        </p:tgtEl>
+                                        <p:attrNameLst>
+                                          <p:attrName>style.visibility</p:attrName>
+                                        </p:attrNameLst>
+                                      </p:cBhvr>
+                                      <p:to>
+                                        <p:strVal val="visible"/>
+                                      </p:to>
+                                    </p:set>
+                                    <p:animEffect transition="in" filter="fade">
+                                      <p:cBhvr>
+                                        <p:cTn id="7" dur="1000"/>
+                                        <p:tgtEl>
+                                          <p:spTgt spid="3">
+                                            <p:txEl>
+                                              <p:pRg st="0" end="0"/>
+                                            </p:txEl>
+                                          </p:spTgt>
+                                        </p:tgtEl>
+                                      </p:cBhvr>
+                                    </p:animEffect>
+                                    <p:anim calcmode="lin" valueType="num">
+                                      <p:cBhvr>
+                                        <p:cTn id="8" dur="1000" fill="hold"/>
+                                        <p:tgtEl>
+                                          <p:spTgt spid="3">
+                                            <p:txEl>
+                                              <p:pRg st="0" end="0"/>
+                                            </p:txEl>
+                                          </p:spTgt>
+                                        </p:tgtEl>
+                                        <p:attrNameLst>
+                                          <p:attrName>ppt_x</p:attrName>
+                                        </p:attrNameLst>
+                                      </p:cBhvr>
+                                      <p:tavLst>
+                                        <p:tav tm="0">
+                                          <p:val>
+                                            <p:strVal val="#ppt_x"/>
+                                          </p:val>
+                                        </p:tav>
+                                        <p:tav tm="100000">
+                                          <p:val>
+                                            <p:strVal val="#ppt_x"/>
+                                          </p:val>
+                                        </p:tav>
+                                      </p:tavLst>
+                                    </p:anim>
+                                    <p:anim calcmode="lin" valueType="num">
+                                      <p:cBhvr>
+                                        <p:cTn id="9" dur="1000" fill="hold"/>
+                                        <p:tgtEl>
+                                          <p:spTgt spid="3">
+                                            <p:txEl>
+                                              <p:pRg st="0" end="0"/>
+                                            </p:txEl>
+                                          </p:spTgt>
+                                        </p:tgtEl>
+                                        <p:attrNameLst>
+                                          <p:attrName>ppt_y</p:attrName>
+                                        </p:attrNameLst>
+                                      </p:cBhvr>
+                                      <p:tavLst>
+                                        <p:tav tm="0">
+                                          <p:val>
+                                            <p:strVal val="#ppt_y+.1"/>
+                                          </p:val>
+                                        </p:tav>
+                                        <p:tav tm="100000">
+                                          <p:val>
+                                            <p:strVal val="#ppt_y"/>
+                                          </p:val>
+                                        </p:tav>
+                                      </p:tavLst>
+                                    </p:anim>
+                                  </p:childTnLst>
+                                </p:cTn>
+                              </p:par>
+                            </p:childTnLst>
+                          </p:cTn>
+                        </p:par>
+                      </p:childTnLst>
+                    </p:cTn>
+                  </p:par>
+                  <p:par>
+                    <p:cTn id="10" fill="hold">
+                      <p:stCondLst>
+                        <p:cond delay="indefinite"/>
+                      </p:stCondLst>
+                      <p:childTnLst>
+                        <p:par>
+                          <p:cTn id="11" fill="hold">
+                            <p:stCondLst>
+                              <p:cond delay="0"/>
+                            </p:stCondLst>
+                            <p:childTnLst>
+                              <p:par>
+                                <p:cTn id="12" presetID="42" presetClass="entr" presetSubtype="0" fill="hold" grpId="0" nodeType="clickEffect">
+                                  <p:stCondLst>
+                                    <p:cond delay="0"/>
+                                  </p:stCondLst>
+                                  <p:childTnLst>
+                                    <p:set>
+                                      <p:cBhvr>
+                                        <p:cTn id="13" dur="1" fill="hold">
+                                          <p:stCondLst>
+                                            <p:cond delay="0"/>
+                                          </p:stCondLst>
+                                        </p:cTn>
+                                        <p:tgtEl>
+                                          <p:spTgt spid="3">
+                                            <p:txEl>
+                                              <p:pRg st="1" end="1"/>
+                                            </p:txEl>
+                                          </p:spTgt>
+                                        </p:tgtEl>
+                                        <p:attrNameLst>
+                                          <p:attrName>style.visibility</p:attrName>
+                                        </p:attrNameLst>
+                                      </p:cBhvr>
+                                      <p:to>
+                                        <p:strVal val="visible"/>
+                                      </p:to>
+                                    </p:set>
+                                    <p:animEffect transition="in" filter="fade">
+                                      <p:cBhvr>
+                                        <p:cTn id="14" dur="1000"/>
+                                        <p:tgtEl>
+                                          <p:spTgt spid="3">
+                                            <p:txEl>
+                                              <p:pRg st="1" end="1"/>
+                                            </p:txEl>
+                                          </p:spTgt>
+                                        </p:tgtEl>
+                                      </p:cBhvr>
+                                    </p:animEffect>
+                                    <p:anim calcmode="lin" valueType="num">
+                                      <p:cBhvr>
+                                        <p:cTn id="15" dur="1000" fill="hold"/>
+                                        <p:tgtEl>
+                                          <p:spTgt spid="3">
+                                            <p:txEl>
+                                              <p:pRg st="1" end="1"/>
+                                            </p:txEl>
+                                          </p:spTgt>
+                                        </p:tgtEl>
+                                        <p:attrNameLst>
+                                          <p:attrName>ppt_x</p:attrName>
+                                        </p:attrNameLst>
+                                      </p:cBhvr>
+                                      <p:tavLst>
+                                        <p:tav tm="0">
+                                          <p:val>
+                                            <p:strVal val="#ppt_x"/>
+                                          </p:val>
+                                        </p:tav>
+                                        <p:tav tm="100000">
+                                          <p:val>
+                                            <p:strVal val="#ppt_x"/>
+                                          </p:val>
+                                        </p:tav>
+                                      </p:tavLst>
+                                    </p:anim>
+                                    <p:anim calcmode="lin" valueType="num">
+                                      <p:cBhvr>
+                                        <p:cTn id="16" dur="1000" fill="hold"/>
+                                        <p:tgtEl>
+                                          <p:spTgt spid="3">
+                                            <p:txEl>
+                                              <p:pRg st="1" end="1"/>
+                                            </p:txEl>
+                                          </p:spTgt>
+                                        </p:tgtEl>
+                                        <p:attrNameLst>
+                                          <p:attrName>ppt_y</p:attrName>
+                                        </p:attrNameLst>
+                                      </p:cBhvr>
+                                      <p:tavLst>
+                                        <p:tav tm="0">
+                                          <p:val>
+                                            <p:strVal val="#ppt_y+.1"/>
+                                          </p:val>
+                                        </p:tav>
+                                        <p:tav tm="100000">
+                                          <p:val>
+                                            <p:strVal val="#ppt_y"/>
+                                          </p:val>
+                                        </p:tav>
+                                      </p:tavLst>
+                                    </p:anim>
+                                  </p:childTnLst>
+                                </p:cTn>
+                              </p:par>
+                            </p:childTnLst>
+                          </p:cTn>
+                        </p:par>
+                      </p:childTnLst>
+                    </p:cTn>
+                  </p:par>
+                  <p:par>
+                    <p:cTn id="17" fill="hold">
+                      <p:stCondLst>
+                        <p:cond delay="indefinite"/>
+                      </p:stCondLst>
+                      <p:childTnLst>
+                        <p:par>
+                          <p:cTn id="18" fill="hold">
+                            <p:stCondLst>
+                              <p:cond delay="0"/>
+                            </p:stCondLst>
+                            <p:childTnLst>
+                              <p:par>
+                                <p:cTn id="19" presetID="42" presetClass="entr" presetSubtype="0" fill="hold" grpId="0" nodeType="clickEffect">
+                                  <p:stCondLst>
+                                    <p:cond delay="0"/>
+                                  </p:stCondLst>
+                                  <p:childTnLst>
+                                    <p:set>
+                                      <p:cBhvr>
+                                        <p:cTn id="20" dur="1" fill="hold">
+                                          <p:stCondLst>
+                                            <p:cond delay="0"/>
+                                          </p:stCondLst>
+                                        </p:cTn>
+                                        <p:tgtEl>
+                                          <p:spTgt spid="3">
+                                            <p:txEl>
+                                              <p:pRg st="2" end="2"/>
+                                            </p:txEl>
+                                          </p:spTgt>
+                                        </p:tgtEl>
+                                        <p:attrNameLst>
+                                          <p:attrName>style.visibility</p:attrName>
+                                        </p:attrNameLst>
+                                      </p:cBhvr>
+                                      <p:to>
+                                        <p:strVal val="visible"/>
+                                      </p:to>
+                                    </p:set>
+                                    <p:animEffect transition="in" filter="fade">
+                                      <p:cBhvr>
+                                        <p:cTn id="21" dur="1000"/>
+                                        <p:tgtEl>
+                                          <p:spTgt spid="3">
+                                            <p:txEl>
+                                              <p:pRg st="2" end="2"/>
+                                            </p:txEl>
+                                          </p:spTgt>
+                                        </p:tgtEl>
+                                      </p:cBhvr>
+                                    </p:animEffect>
+                                    <p:anim calcmode="lin" valueType="num">
+                                      <p:cBhvr>
+                                        <p:cTn id="22" dur="1000" fill="hold"/>
+                                        <p:tgtEl>
+                                          <p:spTgt spid="3">
+                                            <p:txEl>
+                                              <p:pRg st="2" end="2"/>
+                                            </p:txEl>
+                                          </p:spTgt>
+                                        </p:tgtEl>
+                                        <p:attrNameLst>
+                                          <p:attrName>ppt_x</p:attrName>
+                                        </p:attrNameLst>
+                                      </p:cBhvr>
+                                      <p:tavLst>
+                                        <p:tav tm="0">
+                                          <p:val>
+                                            <p:strVal val="#ppt_x"/>
+                                          </p:val>
+                                        </p:tav>
+                                        <p:tav tm="100000">
+                                          <p:val>
+                                            <p:strVal val="#ppt_x"/>
+                                          </p:val>
+                                        </p:tav>
+                                      </p:tavLst>
+                                    </p:anim>
+                                    <p:anim calcmode="lin" valueType="num">
+                                      <p:cBhvr>
+                                        <p:cTn id="23" dur="1000" fill="hold"/>
+                                        <p:tgtEl>
+                                          <p:spTgt spid="3">
+                                            <p:txEl>
+                                              <p:pRg st="2" end="2"/>
+                                            </p:txEl>
+                                          </p:spTgt>
+                                        </p:tgtEl>
+                                        <p:attrNameLst>
+                                          <p:attrName>ppt_y</p:attrName>
+                                        </p:attrNameLst>
+                                      </p:cBhvr>
+                                      <p:tavLst>
+                                        <p:tav tm="0">
+                                          <p:val>
+                                            <p:strVal val="#ppt_y+.1"/>
+                                          </p:val>
+                                        </p:tav>
+                                        <p:tav tm="100000">
+                                          <p:val>
+                                            <p:strVal val="#ppt_y"/>
+                                          </p:val>
+                                        </p:tav>
+                                      </p:tavLst>
+                                    </p:anim>
+                                  </p:childTnLst>
+                                </p:cTn>
+                              </p:par>
+                            </p:childTnLst>
+                          </p:cTn>
+                        </p:par>
+                      </p:childTnLst>
+                    </p:cTn>
+                  </p:par>
+                </p:childTnLst>
+              </p:cTn>
+              <p:prevCondLst>
+                <p:cond evt="onPrev" delay="0">
+                  <p:tgtEl>
+                    <p:sldTgt/>
+                  </p:tgtEl>
+                </p:cond>
+              </p:prevCondLst>
+              <p:nextCondLst>
+                <p:cond evt="onNext" delay="0">
+                  <p:tgtEl>
+                    <p:sldTgt/>
+                  </p:tgtEl>
+                </p:cond>
+              </p:nextCondLst>
+            </p:seq>
+          </p:childTnLst>
+        </p:cTn>
+      </p:par>
+    </p:tnLst>
+    <p:bldLst>
+      <p:bldP spid="3" grpId="0" build="p"/>
+    </p:bldLst>
+  </p:timing>
+</p:sld>
+</file>
+
 <file path=ppt/slides/slide22.xml><?xml version="1.0" encoding="utf-8"?>
 <p:sld xmlns:a="http://schemas.openxmlformats.org/drawingml/2006/main" xmlns:r="http://schemas.openxmlformats.org/officeDocument/2006/relationships" xmlns:p="http://schemas.openxmlformats.org/presentationml/2006/main">
   <p:cSld>
@@ -14386,6 +13895,222 @@
           <p:cNvPr id="2" name="Nadpis 1">
             <a:extLst>
               <a:ext uri="{FF2B5EF4-FFF2-40B4-BE49-F238E27FC236}">
+                <a16:creationId xmlns:a16="http://schemas.microsoft.com/office/drawing/2014/main" id="{DC1E42EF-A641-980D-6963-1BDF0B18054B}"/>
+              </a:ext>
+            </a:extLst>
+          </p:cNvPr>
+          <p:cNvSpPr>
+            <a:spLocks noGrp="1"/>
+          </p:cNvSpPr>
+          <p:nvPr>
+            <p:ph type="title"/>
+          </p:nvPr>
+        </p:nvSpPr>
+        <p:spPr/>
+        <p:txBody>
+          <a:bodyPr/>
+          <a:lstStyle/>
+          <a:p>
+            <a:r>
+              <a:rPr lang="cs-CZ" dirty="0"/>
+              <a:t>Obrázek</a:t>
+            </a:r>
+          </a:p>
+        </p:txBody>
+      </p:sp>
+      <p:sp>
+        <p:nvSpPr>
+          <p:cNvPr id="3" name="Zástupný obsah 2">
+            <a:extLst>
+              <a:ext uri="{FF2B5EF4-FFF2-40B4-BE49-F238E27FC236}">
+                <a16:creationId xmlns:a16="http://schemas.microsoft.com/office/drawing/2014/main" id="{8DDDB7F9-56FF-CCBC-E838-1B355582F885}"/>
+              </a:ext>
+            </a:extLst>
+          </p:cNvPr>
+          <p:cNvSpPr>
+            <a:spLocks noGrp="1"/>
+          </p:cNvSpPr>
+          <p:nvPr>
+            <p:ph idx="1"/>
+          </p:nvPr>
+        </p:nvSpPr>
+        <p:spPr/>
+        <p:txBody>
+          <a:bodyPr/>
+          <a:lstStyle/>
+          <a:p>
+            <a:endParaRPr lang="cs-CZ"/>
+          </a:p>
+        </p:txBody>
+      </p:sp>
+      <p:pic>
+        <p:nvPicPr>
+          <p:cNvPr id="1026" name="Picture 2" descr="Connecting a 42W solar array to the PiJuice HAT">
+            <a:extLst>
+              <a:ext uri="{FF2B5EF4-FFF2-40B4-BE49-F238E27FC236}">
+                <a16:creationId xmlns:a16="http://schemas.microsoft.com/office/drawing/2014/main" id="{8A2296AA-7099-B265-CB60-44418904F546}"/>
+              </a:ext>
+            </a:extLst>
+          </p:cNvPr>
+          <p:cNvPicPr>
+            <a:picLocks noChangeAspect="1" noChangeArrowheads="1"/>
+          </p:cNvPicPr>
+          <p:nvPr/>
+        </p:nvPicPr>
+        <p:blipFill>
+          <a:blip r:embed="rId2">
+            <a:extLst>
+              <a:ext uri="{28A0092B-C50C-407E-A947-70E740481C1C}">
+                <a14:useLocalDpi xmlns:a14="http://schemas.microsoft.com/office/drawing/2010/main" val="0"/>
+              </a:ext>
+            </a:extLst>
+          </a:blip>
+          <a:srcRect/>
+          <a:stretch>
+            <a:fillRect/>
+          </a:stretch>
+        </p:blipFill>
+        <p:spPr bwMode="auto">
+          <a:xfrm>
+            <a:off x="1168814" y="905934"/>
+            <a:ext cx="7048511" cy="4237566"/>
+          </a:xfrm>
+          <a:prstGeom prst="rect">
+            <a:avLst/>
+          </a:prstGeom>
+          <a:noFill/>
+          <a:extLst>
+            <a:ext uri="{909E8E84-426E-40DD-AFC4-6F175D3DCCD1}">
+              <a14:hiddenFill xmlns:a14="http://schemas.microsoft.com/office/drawing/2010/main">
+                <a:solidFill>
+                  <a:srgbClr val="FFFFFF"/>
+                </a:solidFill>
+              </a14:hiddenFill>
+            </a:ext>
+          </a:extLst>
+        </p:spPr>
+      </p:pic>
+    </p:spTree>
+    <p:extLst>
+      <p:ext uri="{BB962C8B-B14F-4D97-AF65-F5344CB8AC3E}">
+        <p14:creationId xmlns:p14="http://schemas.microsoft.com/office/powerpoint/2010/main" val="3222629960"/>
+      </p:ext>
+    </p:extLst>
+  </p:cSld>
+  <p:clrMapOvr>
+    <a:masterClrMapping/>
+  </p:clrMapOvr>
+  <p:transition spd="med" advTm="3000">
+    <p:pull/>
+  </p:transition>
+  <p:timing>
+    <p:tnLst>
+      <p:par>
+        <p:cTn id="1" dur="indefinite" restart="never" nodeType="tmRoot">
+          <p:childTnLst>
+            <p:seq concurrent="1" nextAc="seek">
+              <p:cTn id="2" dur="indefinite" nodeType="mainSeq">
+                <p:childTnLst>
+                  <p:par>
+                    <p:cTn id="3" fill="hold">
+                      <p:stCondLst>
+                        <p:cond delay="indefinite"/>
+                      </p:stCondLst>
+                      <p:childTnLst>
+                        <p:par>
+                          <p:cTn id="4" fill="hold">
+                            <p:stCondLst>
+                              <p:cond delay="0"/>
+                            </p:stCondLst>
+                            <p:childTnLst>
+                              <p:par>
+                                <p:cTn id="5" presetID="22" presetClass="entr" presetSubtype="4" fill="hold" nodeType="clickEffect">
+                                  <p:stCondLst>
+                                    <p:cond delay="0"/>
+                                  </p:stCondLst>
+                                  <p:childTnLst>
+                                    <p:set>
+                                      <p:cBhvr>
+                                        <p:cTn id="6" dur="1" fill="hold">
+                                          <p:stCondLst>
+                                            <p:cond delay="0"/>
+                                          </p:stCondLst>
+                                        </p:cTn>
+                                        <p:tgtEl>
+                                          <p:spTgt spid="1026"/>
+                                        </p:tgtEl>
+                                        <p:attrNameLst>
+                                          <p:attrName>style.visibility</p:attrName>
+                                        </p:attrNameLst>
+                                      </p:cBhvr>
+                                      <p:to>
+                                        <p:strVal val="visible"/>
+                                      </p:to>
+                                    </p:set>
+                                    <p:animEffect transition="in" filter="wipe(down)">
+                                      <p:cBhvr>
+                                        <p:cTn id="7" dur="500"/>
+                                        <p:tgtEl>
+                                          <p:spTgt spid="1026"/>
+                                        </p:tgtEl>
+                                      </p:cBhvr>
+                                    </p:animEffect>
+                                  </p:childTnLst>
+                                </p:cTn>
+                              </p:par>
+                            </p:childTnLst>
+                          </p:cTn>
+                        </p:par>
+                      </p:childTnLst>
+                    </p:cTn>
+                  </p:par>
+                </p:childTnLst>
+              </p:cTn>
+              <p:prevCondLst>
+                <p:cond evt="onPrev" delay="0">
+                  <p:tgtEl>
+                    <p:sldTgt/>
+                  </p:tgtEl>
+                </p:cond>
+              </p:prevCondLst>
+              <p:nextCondLst>
+                <p:cond evt="onNext" delay="0">
+                  <p:tgtEl>
+                    <p:sldTgt/>
+                  </p:tgtEl>
+                </p:cond>
+              </p:nextCondLst>
+            </p:seq>
+          </p:childTnLst>
+        </p:cTn>
+      </p:par>
+    </p:tnLst>
+  </p:timing>
+</p:sld>
+</file>
+
+<file path=ppt/slides/slide23.xml><?xml version="1.0" encoding="utf-8"?>
+<p:sld xmlns:a="http://schemas.openxmlformats.org/drawingml/2006/main" xmlns:r="http://schemas.openxmlformats.org/officeDocument/2006/relationships" xmlns:p="http://schemas.openxmlformats.org/presentationml/2006/main">
+  <p:cSld>
+    <p:spTree>
+      <p:nvGrpSpPr>
+        <p:cNvPr id="1" name=""/>
+        <p:cNvGrpSpPr/>
+        <p:nvPr/>
+      </p:nvGrpSpPr>
+      <p:grpSpPr>
+        <a:xfrm>
+          <a:off x="0" y="0"/>
+          <a:ext cx="0" cy="0"/>
+          <a:chOff x="0" y="0"/>
+          <a:chExt cx="0" cy="0"/>
+        </a:xfrm>
+      </p:grpSpPr>
+      <p:sp>
+        <p:nvSpPr>
+          <p:cNvPr id="2" name="Nadpis 1">
+            <a:extLst>
+              <a:ext uri="{FF2B5EF4-FFF2-40B4-BE49-F238E27FC236}">
                 <a16:creationId xmlns:a16="http://schemas.microsoft.com/office/drawing/2014/main" id="{4F1299D8-7192-853C-3BB3-63AAE6120142}"/>
               </a:ext>
             </a:extLst>
@@ -14903,6 +14628,245 @@
               </a:rPr>
               <a:t>https://pimylifeup.com/coding-index/</a:t>
             </a:r>
+            <a:endParaRPr lang="cs-CZ" sz="1100" b="0" i="0" u="none" strike="noStrike" dirty="0">
+              <a:solidFill>
+                <a:srgbClr val="000000"/>
+              </a:solidFill>
+              <a:effectLst/>
+              <a:latin typeface="Roboto Slab" panose="020B0604020202020204" pitchFamily="2" charset="0"/>
+            </a:endParaRPr>
+          </a:p>
+          <a:p>
+            <a:r>
+              <a:rPr lang="cs-CZ" sz="1200" b="0" i="0" dirty="0">
+                <a:solidFill>
+                  <a:srgbClr val="000000"/>
+                </a:solidFill>
+                <a:effectLst/>
+                <a:latin typeface="Roboto Slab" pitchFamily="2" charset="0"/>
+              </a:rPr>
+              <a:t>Solar-</a:t>
+            </a:r>
+            <a:r>
+              <a:rPr lang="cs-CZ" sz="1200" b="0" i="0" dirty="0" err="1">
+                <a:solidFill>
+                  <a:srgbClr val="000000"/>
+                </a:solidFill>
+                <a:effectLst/>
+                <a:latin typeface="Roboto Slab" pitchFamily="2" charset="0"/>
+              </a:rPr>
+              <a:t>Powered</a:t>
+            </a:r>
+            <a:r>
+              <a:rPr lang="cs-CZ" sz="1200" b="0" i="0" dirty="0">
+                <a:solidFill>
+                  <a:srgbClr val="000000"/>
+                </a:solidFill>
+                <a:effectLst/>
+                <a:latin typeface="Roboto Slab" pitchFamily="2" charset="0"/>
+              </a:rPr>
+              <a:t> </a:t>
+            </a:r>
+            <a:r>
+              <a:rPr lang="cs-CZ" sz="1200" b="0" i="0" dirty="0" err="1">
+                <a:solidFill>
+                  <a:srgbClr val="000000"/>
+                </a:solidFill>
+                <a:effectLst/>
+                <a:latin typeface="Roboto Slab" pitchFamily="2" charset="0"/>
+              </a:rPr>
+              <a:t>Crypto</a:t>
+            </a:r>
+            <a:r>
+              <a:rPr lang="cs-CZ" sz="1200" b="0" i="0" dirty="0">
+                <a:solidFill>
+                  <a:srgbClr val="000000"/>
+                </a:solidFill>
+                <a:effectLst/>
+                <a:latin typeface="Roboto Slab" pitchFamily="2" charset="0"/>
+              </a:rPr>
+              <a:t> </a:t>
+            </a:r>
+            <a:r>
+              <a:rPr lang="cs-CZ" sz="1200" b="0" i="0" dirty="0" err="1">
+                <a:solidFill>
+                  <a:srgbClr val="000000"/>
+                </a:solidFill>
+                <a:effectLst/>
+                <a:latin typeface="Roboto Slab" pitchFamily="2" charset="0"/>
+              </a:rPr>
+              <a:t>Mining</a:t>
+            </a:r>
+            <a:r>
+              <a:rPr lang="cs-CZ" sz="1200" b="0" i="0" dirty="0">
+                <a:solidFill>
+                  <a:srgbClr val="000000"/>
+                </a:solidFill>
+                <a:effectLst/>
+                <a:latin typeface="Roboto Slab" pitchFamily="2" charset="0"/>
+              </a:rPr>
+              <a:t> </a:t>
+            </a:r>
+            <a:r>
+              <a:rPr lang="cs-CZ" sz="1200" b="0" i="0" dirty="0" err="1">
+                <a:solidFill>
+                  <a:srgbClr val="000000"/>
+                </a:solidFill>
+                <a:effectLst/>
+                <a:latin typeface="Roboto Slab" pitchFamily="2" charset="0"/>
+              </a:rPr>
+              <a:t>with</a:t>
+            </a:r>
+            <a:r>
+              <a:rPr lang="cs-CZ" sz="1200" b="0" i="0" dirty="0">
+                <a:solidFill>
+                  <a:srgbClr val="000000"/>
+                </a:solidFill>
+                <a:effectLst/>
+                <a:latin typeface="Roboto Slab" pitchFamily="2" charset="0"/>
+              </a:rPr>
+              <a:t> </a:t>
+            </a:r>
+            <a:r>
+              <a:rPr lang="cs-CZ" sz="1200" b="0" i="0" dirty="0" err="1">
+                <a:solidFill>
+                  <a:srgbClr val="000000"/>
+                </a:solidFill>
+                <a:effectLst/>
+                <a:latin typeface="Roboto Slab" pitchFamily="2" charset="0"/>
+              </a:rPr>
+              <a:t>Raspberry</a:t>
+            </a:r>
+            <a:r>
+              <a:rPr lang="cs-CZ" sz="1200" b="0" i="0" dirty="0">
+                <a:solidFill>
+                  <a:srgbClr val="000000"/>
+                </a:solidFill>
+                <a:effectLst/>
+                <a:latin typeface="Roboto Slab" pitchFamily="2" charset="0"/>
+              </a:rPr>
+              <a:t> </a:t>
+            </a:r>
+            <a:r>
+              <a:rPr lang="cs-CZ" sz="1200" b="0" i="0" dirty="0" err="1">
+                <a:solidFill>
+                  <a:srgbClr val="000000"/>
+                </a:solidFill>
+                <a:effectLst/>
+                <a:latin typeface="Roboto Slab" pitchFamily="2" charset="0"/>
+              </a:rPr>
+              <a:t>Pi</a:t>
+            </a:r>
+            <a:r>
+              <a:rPr lang="cs-CZ" sz="1200" b="0" i="0" dirty="0">
+                <a:solidFill>
+                  <a:srgbClr val="000000"/>
+                </a:solidFill>
+                <a:effectLst/>
+                <a:latin typeface="Roboto Slab" pitchFamily="2" charset="0"/>
+              </a:rPr>
+              <a:t> - Hackster.io. </a:t>
+            </a:r>
+            <a:r>
+              <a:rPr lang="cs-CZ" sz="1200" b="0" i="1" dirty="0">
+                <a:solidFill>
+                  <a:srgbClr val="000000"/>
+                </a:solidFill>
+                <a:effectLst/>
+                <a:latin typeface="Roboto Slab" pitchFamily="2" charset="0"/>
+              </a:rPr>
+              <a:t>Hackster.io - </a:t>
+            </a:r>
+            <a:r>
+              <a:rPr lang="cs-CZ" sz="1200" b="0" i="1" dirty="0" err="1">
+                <a:solidFill>
+                  <a:srgbClr val="000000"/>
+                </a:solidFill>
+                <a:effectLst/>
+                <a:latin typeface="Roboto Slab" pitchFamily="2" charset="0"/>
+              </a:rPr>
+              <a:t>The</a:t>
+            </a:r>
+            <a:r>
+              <a:rPr lang="cs-CZ" sz="1200" b="0" i="1" dirty="0">
+                <a:solidFill>
+                  <a:srgbClr val="000000"/>
+                </a:solidFill>
+                <a:effectLst/>
+                <a:latin typeface="Roboto Slab" pitchFamily="2" charset="0"/>
+              </a:rPr>
+              <a:t> </a:t>
+            </a:r>
+            <a:r>
+              <a:rPr lang="cs-CZ" sz="1200" b="0" i="1" dirty="0" err="1">
+                <a:solidFill>
+                  <a:srgbClr val="000000"/>
+                </a:solidFill>
+                <a:effectLst/>
+                <a:latin typeface="Roboto Slab" pitchFamily="2" charset="0"/>
+              </a:rPr>
+              <a:t>community</a:t>
+            </a:r>
+            <a:r>
+              <a:rPr lang="cs-CZ" sz="1200" b="0" i="1" dirty="0">
+                <a:solidFill>
+                  <a:srgbClr val="000000"/>
+                </a:solidFill>
+                <a:effectLst/>
+                <a:latin typeface="Roboto Slab" pitchFamily="2" charset="0"/>
+              </a:rPr>
+              <a:t> </a:t>
+            </a:r>
+            <a:r>
+              <a:rPr lang="cs-CZ" sz="1200" b="0" i="1" dirty="0" err="1">
+                <a:solidFill>
+                  <a:srgbClr val="000000"/>
+                </a:solidFill>
+                <a:effectLst/>
+                <a:latin typeface="Roboto Slab" pitchFamily="2" charset="0"/>
+              </a:rPr>
+              <a:t>dedicated</a:t>
+            </a:r>
+            <a:r>
+              <a:rPr lang="cs-CZ" sz="1200" b="0" i="1" dirty="0">
+                <a:solidFill>
+                  <a:srgbClr val="000000"/>
+                </a:solidFill>
+                <a:effectLst/>
+                <a:latin typeface="Roboto Slab" pitchFamily="2" charset="0"/>
+              </a:rPr>
+              <a:t> to learning hardware.</a:t>
+            </a:r>
+            <a:r>
+              <a:rPr lang="cs-CZ" sz="1200" b="0" i="0" dirty="0">
+                <a:solidFill>
+                  <a:srgbClr val="000000"/>
+                </a:solidFill>
+                <a:effectLst/>
+                <a:latin typeface="Roboto Slab" pitchFamily="2" charset="0"/>
+              </a:rPr>
+              <a:t> [online]. Copyright © [cit. 29.01.2023]. Dostupné z: </a:t>
+            </a:r>
+            <a:r>
+              <a:rPr lang="cs-CZ" sz="1200" b="0" i="0" u="none" strike="noStrike" dirty="0">
+                <a:solidFill>
+                  <a:srgbClr val="000000"/>
+                </a:solidFill>
+                <a:effectLst/>
+                <a:latin typeface="Roboto Slab" pitchFamily="2" charset="0"/>
+                <a:hlinkClick r:id="rId8"/>
+              </a:rPr>
+              <a:t>https://www.hackster.io/rob-lauer/solar-powered-crypto-mining-with-raspberry-pi-64adee</a:t>
+            </a:r>
+            <a:endParaRPr lang="cs-CZ" sz="1200" b="0" i="0" u="none" strike="noStrike" dirty="0">
+              <a:solidFill>
+                <a:srgbClr val="000000"/>
+              </a:solidFill>
+              <a:effectLst/>
+              <a:latin typeface="Roboto Slab" pitchFamily="2" charset="0"/>
+            </a:endParaRPr>
+          </a:p>
+          <a:p>
             <a:endParaRPr lang="cs-CZ" dirty="0"/>
           </a:p>
         </p:txBody>
@@ -14923,7 +14887,7 @@
 </p:sld>
 </file>
 
-<file path=ppt/slides/slide23.xml><?xml version="1.0" encoding="utf-8"?>
+<file path=ppt/slides/slide24.xml><?xml version="1.0" encoding="utf-8"?>
 <p:sld xmlns:a="http://schemas.openxmlformats.org/drawingml/2006/main" xmlns:r="http://schemas.openxmlformats.org/officeDocument/2006/relationships" xmlns:p="http://schemas.openxmlformats.org/presentationml/2006/main">
   <p:cSld>
     <p:spTree>
@@ -15684,7 +15648,7 @@
   <p:clrMapOvr>
     <a:masterClrMapping/>
   </p:clrMapOvr>
-  <p:transition spd="med" advTm="9000">
+  <p:transition spd="med" advTm="10000">
     <p:pull/>
   </p:transition>
   <p:timing>
@@ -16551,7 +16515,7 @@
   <p:clrMapOvr>
     <a:masterClrMapping/>
   </p:clrMapOvr>
-  <p:transition spd="med" advTm="3000">
+  <p:transition spd="med" advTm="13000">
     <p:pull/>
   </p:transition>
   <p:timing>
@@ -18763,7 +18727,7 @@
         </p:nvSpPr>
         <p:spPr>
           <a:xfrm>
-            <a:off x="740926" y="85391"/>
+            <a:off x="682211" y="85213"/>
             <a:ext cx="8259098" cy="763526"/>
           </a:xfrm>
         </p:spPr>
@@ -18793,7 +18757,7 @@
         </p:nvSpPr>
         <p:spPr>
           <a:xfrm>
-            <a:off x="1361482" y="4767736"/>
+            <a:off x="1277319" y="4641911"/>
             <a:ext cx="3508993" cy="375764"/>
           </a:xfrm>
         </p:spPr>
@@ -18843,7 +18807,7 @@
         </p:blipFill>
         <p:spPr bwMode="auto">
           <a:xfrm>
-            <a:off x="1960882" y="1127997"/>
+            <a:off x="1994871" y="929367"/>
             <a:ext cx="4615949" cy="3081579"/>
           </a:xfrm>
           <a:prstGeom prst="rect">
@@ -18875,7 +18839,7 @@
         </p:nvSpPr>
         <p:spPr>
           <a:xfrm>
-            <a:off x="3076161" y="3625348"/>
+            <a:off x="3087308" y="3510272"/>
             <a:ext cx="1272208" cy="584228"/>
           </a:xfrm>
           <a:prstGeom prst="roundRect">
@@ -18929,7 +18893,7 @@
         </p:nvSpPr>
         <p:spPr>
           <a:xfrm rot="19465730">
-            <a:off x="2052292" y="4283131"/>
+            <a:off x="2037073" y="4273529"/>
             <a:ext cx="1088335" cy="264381"/>
           </a:xfrm>
           <a:prstGeom prst="rightArrow">
@@ -18972,7 +18936,7 @@
     </p:spTree>
     <p:extLst>
       <p:ext uri="{BB962C8B-B14F-4D97-AF65-F5344CB8AC3E}">
-        <p14:creationId xmlns:p14="http://schemas.microsoft.com/office/powerpoint/2010/main" val="318500720"/>
+        <p14:creationId xmlns:p14="http://schemas.microsoft.com/office/powerpoint/2010/main" val="2278097342"/>
       </p:ext>
     </p:extLst>
   </p:cSld>
@@ -19003,7 +18967,7 @@
                             </p:stCondLst>
                             <p:childTnLst>
                               <p:par>
-                                <p:cTn id="5" presetID="2" presetClass="entr" presetSubtype="4" fill="hold" nodeType="clickEffect">
+                                <p:cTn id="5" presetID="42" presetClass="entr" presetSubtype="0" fill="hold" grpId="0" nodeType="clickEffect">
                                   <p:stCondLst>
                                     <p:cond delay="0"/>
                                   </p:stCondLst>
@@ -19016,7 +18980,7 @@
                                           </p:stCondLst>
                                         </p:cTn>
                                         <p:tgtEl>
-                                          <p:spTgt spid="4"/>
+                                          <p:spTgt spid="6"/>
                                         </p:tgtEl>
                                         <p:attrNameLst>
                                           <p:attrName>style.visibility</p:attrName>
@@ -19026,11 +18990,19 @@
                                         <p:strVal val="visible"/>
                                       </p:to>
                                     </p:set>
+                                    <p:animEffect transition="in" filter="fade">
+                                      <p:cBhvr>
+                                        <p:cTn id="7" dur="1000"/>
+                                        <p:tgtEl>
+                                          <p:spTgt spid="6"/>
+                                        </p:tgtEl>
+                                      </p:cBhvr>
+                                    </p:animEffect>
                                     <p:anim calcmode="lin" valueType="num">
-                                      <p:cBhvr additive="base">
-                                        <p:cTn id="7" dur="500" fill="hold"/>
-                                        <p:tgtEl>
-                                          <p:spTgt spid="4"/>
+                                      <p:cBhvr>
+                                        <p:cTn id="8" dur="1000" fill="hold"/>
+                                        <p:tgtEl>
+                                          <p:spTgt spid="6"/>
                                         </p:tgtEl>
                                         <p:attrNameLst>
                                           <p:attrName>ppt_x</p:attrName>
@@ -19050,10 +19022,10 @@
                                       </p:tavLst>
                                     </p:anim>
                                     <p:anim calcmode="lin" valueType="num">
-                                      <p:cBhvr additive="base">
-                                        <p:cTn id="8" dur="500" fill="hold"/>
-                                        <p:tgtEl>
-                                          <p:spTgt spid="4"/>
+                                      <p:cBhvr>
+                                        <p:cTn id="9" dur="1000" fill="hold"/>
+                                        <p:tgtEl>
+                                          <p:spTgt spid="6"/>
                                         </p:tgtEl>
                                         <p:attrNameLst>
                                           <p:attrName>ppt_y</p:attrName>
@@ -19062,7 +19034,7 @@
                                       <p:tavLst>
                                         <p:tav tm="0">
                                           <p:val>
-                                            <p:strVal val="1+#ppt_h/2"/>
+                                            <p:strVal val="#ppt_y+.1"/>
                                           </p:val>
                                         </p:tav>
                                         <p:tav tm="100000">
@@ -19076,20 +19048,20 @@
                                 </p:cTn>
                               </p:par>
                               <p:par>
-                                <p:cTn id="9" presetID="2" presetClass="entr" presetSubtype="4" fill="hold" grpId="0" nodeType="withEffect">
+                                <p:cTn id="10" presetID="42" presetClass="entr" presetSubtype="0" fill="hold" grpId="0" nodeType="withEffect">
                                   <p:stCondLst>
                                     <p:cond delay="0"/>
                                   </p:stCondLst>
                                   <p:childTnLst>
                                     <p:set>
                                       <p:cBhvr>
-                                        <p:cTn id="10" dur="1" fill="hold">
+                                        <p:cTn id="11" dur="1" fill="hold">
                                           <p:stCondLst>
                                             <p:cond delay="0"/>
                                           </p:stCondLst>
                                         </p:cTn>
                                         <p:tgtEl>
-                                          <p:spTgt spid="6"/>
+                                          <p:spTgt spid="10"/>
                                         </p:tgtEl>
                                         <p:attrNameLst>
                                           <p:attrName>style.visibility</p:attrName>
@@ -19099,11 +19071,19 @@
                                         <p:strVal val="visible"/>
                                       </p:to>
                                     </p:set>
+                                    <p:animEffect transition="in" filter="fade">
+                                      <p:cBhvr>
+                                        <p:cTn id="12" dur="1000"/>
+                                        <p:tgtEl>
+                                          <p:spTgt spid="10"/>
+                                        </p:tgtEl>
+                                      </p:cBhvr>
+                                    </p:animEffect>
                                     <p:anim calcmode="lin" valueType="num">
-                                      <p:cBhvr additive="base">
-                                        <p:cTn id="11" dur="500" fill="hold"/>
-                                        <p:tgtEl>
-                                          <p:spTgt spid="6"/>
+                                      <p:cBhvr>
+                                        <p:cTn id="13" dur="1000" fill="hold"/>
+                                        <p:tgtEl>
+                                          <p:spTgt spid="10"/>
                                         </p:tgtEl>
                                         <p:attrNameLst>
                                           <p:attrName>ppt_x</p:attrName>
@@ -19123,10 +19103,10 @@
                                       </p:tavLst>
                                     </p:anim>
                                     <p:anim calcmode="lin" valueType="num">
-                                      <p:cBhvr additive="base">
-                                        <p:cTn id="12" dur="500" fill="hold"/>
-                                        <p:tgtEl>
-                                          <p:spTgt spid="6"/>
+                                      <p:cBhvr>
+                                        <p:cTn id="14" dur="1000" fill="hold"/>
+                                        <p:tgtEl>
+                                          <p:spTgt spid="10"/>
                                         </p:tgtEl>
                                         <p:attrNameLst>
                                           <p:attrName>ppt_y</p:attrName>
@@ -19135,80 +19115,7 @@
                                       <p:tavLst>
                                         <p:tav tm="0">
                                           <p:val>
-                                            <p:strVal val="1+#ppt_h/2"/>
-                                          </p:val>
-                                        </p:tav>
-                                        <p:tav tm="100000">
-                                          <p:val>
-                                            <p:strVal val="#ppt_y"/>
-                                          </p:val>
-                                        </p:tav>
-                                      </p:tavLst>
-                                    </p:anim>
-                                  </p:childTnLst>
-                                </p:cTn>
-                              </p:par>
-                              <p:par>
-                                <p:cTn id="13" presetID="2" presetClass="entr" presetSubtype="4" fill="hold" grpId="0" nodeType="withEffect">
-                                  <p:stCondLst>
-                                    <p:cond delay="0"/>
-                                  </p:stCondLst>
-                                  <p:childTnLst>
-                                    <p:set>
-                                      <p:cBhvr>
-                                        <p:cTn id="14" dur="1" fill="hold">
-                                          <p:stCondLst>
-                                            <p:cond delay="0"/>
-                                          </p:stCondLst>
-                                        </p:cTn>
-                                        <p:tgtEl>
-                                          <p:spTgt spid="10"/>
-                                        </p:tgtEl>
-                                        <p:attrNameLst>
-                                          <p:attrName>style.visibility</p:attrName>
-                                        </p:attrNameLst>
-                                      </p:cBhvr>
-                                      <p:to>
-                                        <p:strVal val="visible"/>
-                                      </p:to>
-                                    </p:set>
-                                    <p:anim calcmode="lin" valueType="num">
-                                      <p:cBhvr additive="base">
-                                        <p:cTn id="15" dur="500" fill="hold"/>
-                                        <p:tgtEl>
-                                          <p:spTgt spid="10"/>
-                                        </p:tgtEl>
-                                        <p:attrNameLst>
-                                          <p:attrName>ppt_x</p:attrName>
-                                        </p:attrNameLst>
-                                      </p:cBhvr>
-                                      <p:tavLst>
-                                        <p:tav tm="0">
-                                          <p:val>
-                                            <p:strVal val="#ppt_x"/>
-                                          </p:val>
-                                        </p:tav>
-                                        <p:tav tm="100000">
-                                          <p:val>
-                                            <p:strVal val="#ppt_x"/>
-                                          </p:val>
-                                        </p:tav>
-                                      </p:tavLst>
-                                    </p:anim>
-                                    <p:anim calcmode="lin" valueType="num">
-                                      <p:cBhvr additive="base">
-                                        <p:cTn id="16" dur="500" fill="hold"/>
-                                        <p:tgtEl>
-                                          <p:spTgt spid="10"/>
-                                        </p:tgtEl>
-                                        <p:attrNameLst>
-                                          <p:attrName>ppt_y</p:attrName>
-                                        </p:attrNameLst>
-                                      </p:cBhvr>
-                                      <p:tavLst>
-                                        <p:tav tm="0">
-                                          <p:val>
-                                            <p:strVal val="1+#ppt_h/2"/>
+                                            <p:strVal val="#ppt_y+.1"/>
                                           </p:val>
                                         </p:tav>
                                         <p:tav tm="100000">
@@ -19228,26 +19135,26 @@
                     </p:cTn>
                   </p:par>
                   <p:par>
-                    <p:cTn id="17" fill="hold">
+                    <p:cTn id="15" fill="hold">
                       <p:stCondLst>
                         <p:cond delay="indefinite"/>
                       </p:stCondLst>
                       <p:childTnLst>
                         <p:par>
-                          <p:cTn id="18" fill="hold">
+                          <p:cTn id="16" fill="hold">
                             <p:stCondLst>
                               <p:cond delay="0"/>
                             </p:stCondLst>
                             <p:childTnLst>
                               <p:par>
-                                <p:cTn id="19" presetID="2" presetClass="entr" presetSubtype="4" fill="hold" grpId="0" nodeType="clickEffect">
+                                <p:cTn id="17" presetID="42" presetClass="entr" presetSubtype="0" fill="hold" grpId="0" nodeType="clickEffect">
                                   <p:stCondLst>
                                     <p:cond delay="0"/>
                                   </p:stCondLst>
                                   <p:childTnLst>
                                     <p:set>
                                       <p:cBhvr>
-                                        <p:cTn id="20" dur="1" fill="hold">
+                                        <p:cTn id="18" dur="1" fill="hold">
                                           <p:stCondLst>
                                             <p:cond delay="0"/>
                                           </p:stCondLst>
@@ -19267,9 +19174,9 @@
                                         <p:strVal val="visible"/>
                                       </p:to>
                                     </p:set>
-                                    <p:anim calcmode="lin" valueType="num">
-                                      <p:cBhvr additive="base">
-                                        <p:cTn id="21" dur="500" fill="hold"/>
+                                    <p:animEffect transition="in" filter="fade">
+                                      <p:cBhvr>
+                                        <p:cTn id="19" dur="1000"/>
                                         <p:tgtEl>
                                           <p:spTgt spid="3">
                                             <p:txEl>
@@ -19277,26 +19184,11 @@
                                             </p:txEl>
                                           </p:spTgt>
                                         </p:tgtEl>
-                                        <p:attrNameLst>
-                                          <p:attrName>ppt_x</p:attrName>
-                                        </p:attrNameLst>
-                                      </p:cBhvr>
-                                      <p:tavLst>
-                                        <p:tav tm="0">
-                                          <p:val>
-                                            <p:strVal val="#ppt_x"/>
-                                          </p:val>
-                                        </p:tav>
-                                        <p:tav tm="100000">
-                                          <p:val>
-                                            <p:strVal val="#ppt_x"/>
-                                          </p:val>
-                                        </p:tav>
-                                      </p:tavLst>
-                                    </p:anim>
+                                      </p:cBhvr>
+                                    </p:animEffect>
                                     <p:anim calcmode="lin" valueType="num">
-                                      <p:cBhvr additive="base">
-                                        <p:cTn id="22" dur="500" fill="hold"/>
+                                      <p:cBhvr>
+                                        <p:cTn id="20" dur="1000" fill="hold"/>
                                         <p:tgtEl>
                                           <p:spTgt spid="3">
                                             <p:txEl>
@@ -19305,13 +19197,40 @@
                                           </p:spTgt>
                                         </p:tgtEl>
                                         <p:attrNameLst>
-                                          <p:attrName>ppt_y</p:attrName>
+                                          <p:attrName>ppt_x</p:attrName>
                                         </p:attrNameLst>
                                       </p:cBhvr>
                                       <p:tavLst>
                                         <p:tav tm="0">
                                           <p:val>
-                                            <p:strVal val="1+#ppt_h/2"/>
+                                            <p:strVal val="#ppt_x"/>
+                                          </p:val>
+                                        </p:tav>
+                                        <p:tav tm="100000">
+                                          <p:val>
+                                            <p:strVal val="#ppt_x"/>
+                                          </p:val>
+                                        </p:tav>
+                                      </p:tavLst>
+                                    </p:anim>
+                                    <p:anim calcmode="lin" valueType="num">
+                                      <p:cBhvr>
+                                        <p:cTn id="21" dur="1000" fill="hold"/>
+                                        <p:tgtEl>
+                                          <p:spTgt spid="3">
+                                            <p:txEl>
+                                              <p:pRg st="0" end="0"/>
+                                            </p:txEl>
+                                          </p:spTgt>
+                                        </p:tgtEl>
+                                        <p:attrNameLst>
+                                          <p:attrName>ppt_y</p:attrName>
+                                        </p:attrNameLst>
+                                      </p:cBhvr>
+                                      <p:tavLst>
+                                        <p:tav tm="0">
+                                          <p:val>
+                                            <p:strVal val="#ppt_y+.1"/>
                                           </p:val>
                                         </p:tav>
                                         <p:tav tm="100000">
